--- a/Spec/Encounter.pptx
+++ b/Spec/Encounter.pptx
@@ -5,15 +5,34 @@
     <p:sldMasterId id="2147483648" r:id="rId1"/>
   </p:sldMasterIdLst>
   <p:notesMasterIdLst>
-    <p:notesMasterId r:id="rId8"/>
+    <p:notesMasterId r:id="rId27"/>
   </p:notesMasterIdLst>
   <p:sldIdLst>
     <p:sldId id="454" r:id="rId2"/>
-    <p:sldId id="459" r:id="rId3"/>
-    <p:sldId id="460" r:id="rId4"/>
-    <p:sldId id="456" r:id="rId5"/>
-    <p:sldId id="458" r:id="rId6"/>
-    <p:sldId id="455" r:id="rId7"/>
+    <p:sldId id="461" r:id="rId3"/>
+    <p:sldId id="462" r:id="rId4"/>
+    <p:sldId id="459" r:id="rId5"/>
+    <p:sldId id="460" r:id="rId6"/>
+    <p:sldId id="463" r:id="rId7"/>
+    <p:sldId id="464" r:id="rId8"/>
+    <p:sldId id="465" r:id="rId9"/>
+    <p:sldId id="466" r:id="rId10"/>
+    <p:sldId id="467" r:id="rId11"/>
+    <p:sldId id="468" r:id="rId12"/>
+    <p:sldId id="469" r:id="rId13"/>
+    <p:sldId id="470" r:id="rId14"/>
+    <p:sldId id="471" r:id="rId15"/>
+    <p:sldId id="472" r:id="rId16"/>
+    <p:sldId id="473" r:id="rId17"/>
+    <p:sldId id="474" r:id="rId18"/>
+    <p:sldId id="475" r:id="rId19"/>
+    <p:sldId id="476" r:id="rId20"/>
+    <p:sldId id="477" r:id="rId21"/>
+    <p:sldId id="478" r:id="rId22"/>
+    <p:sldId id="479" r:id="rId23"/>
+    <p:sldId id="456" r:id="rId24"/>
+    <p:sldId id="458" r:id="rId25"/>
+    <p:sldId id="455" r:id="rId26"/>
   </p:sldIdLst>
   <p:sldSz cx="9144000" cy="6858000" type="screen4x3"/>
   <p:notesSz cx="6858000" cy="9144000"/>
@@ -112,6 +131,22 @@
       </a:defRPr>
     </a:lvl9pPr>
   </p:defaultTextStyle>
+  <p:extLst>
+    <p:ext uri="{EFAFB233-063F-42B5-8137-9DF3F51BA10A}">
+      <p15:sldGuideLst xmlns:p15="http://schemas.microsoft.com/office/powerpoint/2012/main">
+        <p15:guide id="1" orient="horz" pos="2160">
+          <p15:clr>
+            <a:srgbClr val="A4A3A4"/>
+          </p15:clr>
+        </p15:guide>
+        <p15:guide id="2" pos="2880">
+          <p15:clr>
+            <a:srgbClr val="A4A3A4"/>
+          </p15:clr>
+        </p15:guide>
+      </p15:sldGuideLst>
+    </p:ext>
+  </p:extLst>
 </p:presentation>
 </file>
 
@@ -198,7 +233,7 @@
             <a:fld id="{9344CD7D-B4CD-4BFE-90A3-66B74AEF6E64}" type="datetimeFigureOut">
               <a:rPr lang="zh-TW" altLang="en-US" smtClean="0"/>
               <a:pPr/>
-              <a:t>2019/6/30</a:t>
+              <a:t>2019/10/1</a:t>
             </a:fld>
             <a:endParaRPr lang="zh-TW" altLang="en-US"/>
           </a:p>
@@ -469,6 +504,1772 @@
 </p:notesMaster>
 </file>
 
+<file path=ppt/notesSlides/notesSlide1.xml><?xml version="1.0" encoding="utf-8"?>
+<p:notes xmlns:a="http://schemas.openxmlformats.org/drawingml/2006/main" xmlns:r="http://schemas.openxmlformats.org/officeDocument/2006/relationships" xmlns:p="http://schemas.openxmlformats.org/presentationml/2006/main">
+  <p:cSld>
+    <p:spTree>
+      <p:nvGrpSpPr>
+        <p:cNvPr id="1" name=""/>
+        <p:cNvGrpSpPr/>
+        <p:nvPr/>
+      </p:nvGrpSpPr>
+      <p:grpSpPr>
+        <a:xfrm>
+          <a:off x="0" y="0"/>
+          <a:ext cx="0" cy="0"/>
+          <a:chOff x="0" y="0"/>
+          <a:chExt cx="0" cy="0"/>
+        </a:xfrm>
+      </p:grpSpPr>
+      <p:sp>
+        <p:nvSpPr>
+          <p:cNvPr id="2" name="Slide Image Placeholder 1"/>
+          <p:cNvSpPr>
+            <a:spLocks noGrp="1" noRot="1" noChangeAspect="1"/>
+          </p:cNvSpPr>
+          <p:nvPr>
+            <p:ph type="sldImg"/>
+          </p:nvPr>
+        </p:nvSpPr>
+        <p:spPr>
+          <a:xfrm>
+            <a:off x="328613" y="819150"/>
+            <a:ext cx="5918200" cy="3330575"/>
+          </a:xfrm>
+        </p:spPr>
+      </p:sp>
+      <p:sp>
+        <p:nvSpPr>
+          <p:cNvPr id="3" name="Notes Placeholder 2"/>
+          <p:cNvSpPr>
+            <a:spLocks noGrp="1"/>
+          </p:cNvSpPr>
+          <p:nvPr>
+            <p:ph type="body" idx="1"/>
+          </p:nvPr>
+        </p:nvSpPr>
+        <p:spPr/>
+        <p:txBody>
+          <a:bodyPr/>
+          <a:lstStyle/>
+          <a:p>
+            <a:endParaRPr lang="en-US" dirty="0"/>
+          </a:p>
+        </p:txBody>
+      </p:sp>
+    </p:spTree>
+    <p:extLst>
+      <p:ext uri="{BB962C8B-B14F-4D97-AF65-F5344CB8AC3E}">
+        <p14:creationId xmlns:p14="http://schemas.microsoft.com/office/powerpoint/2010/main" val="1244192778"/>
+      </p:ext>
+    </p:extLst>
+  </p:cSld>
+  <p:clrMapOvr>
+    <a:masterClrMapping/>
+  </p:clrMapOvr>
+</p:notes>
+</file>
+
+<file path=ppt/notesSlides/notesSlide2.xml><?xml version="1.0" encoding="utf-8"?>
+<p:notes xmlns:a="http://schemas.openxmlformats.org/drawingml/2006/main" xmlns:r="http://schemas.openxmlformats.org/officeDocument/2006/relationships" xmlns:p="http://schemas.openxmlformats.org/presentationml/2006/main">
+  <p:cSld>
+    <p:spTree>
+      <p:nvGrpSpPr>
+        <p:cNvPr id="1" name=""/>
+        <p:cNvGrpSpPr/>
+        <p:nvPr/>
+      </p:nvGrpSpPr>
+      <p:grpSpPr>
+        <a:xfrm>
+          <a:off x="0" y="0"/>
+          <a:ext cx="0" cy="0"/>
+          <a:chOff x="0" y="0"/>
+          <a:chExt cx="0" cy="0"/>
+        </a:xfrm>
+      </p:grpSpPr>
+      <p:sp>
+        <p:nvSpPr>
+          <p:cNvPr id="2" name="Slide Image Placeholder 1"/>
+          <p:cNvSpPr>
+            <a:spLocks noGrp="1" noRot="1" noChangeAspect="1"/>
+          </p:cNvSpPr>
+          <p:nvPr>
+            <p:ph type="sldImg"/>
+          </p:nvPr>
+        </p:nvSpPr>
+        <p:spPr>
+          <a:xfrm>
+            <a:off x="328613" y="819150"/>
+            <a:ext cx="5918200" cy="3330575"/>
+          </a:xfrm>
+        </p:spPr>
+      </p:sp>
+      <p:sp>
+        <p:nvSpPr>
+          <p:cNvPr id="3" name="Notes Placeholder 2"/>
+          <p:cNvSpPr>
+            <a:spLocks noGrp="1"/>
+          </p:cNvSpPr>
+          <p:nvPr>
+            <p:ph type="body" idx="1"/>
+          </p:nvPr>
+        </p:nvSpPr>
+        <p:spPr/>
+        <p:txBody>
+          <a:bodyPr/>
+          <a:lstStyle/>
+          <a:p>
+            <a:endParaRPr lang="en-US" dirty="0"/>
+          </a:p>
+        </p:txBody>
+      </p:sp>
+    </p:spTree>
+    <p:extLst>
+      <p:ext uri="{BB962C8B-B14F-4D97-AF65-F5344CB8AC3E}">
+        <p14:creationId xmlns:p14="http://schemas.microsoft.com/office/powerpoint/2010/main" val="1631101389"/>
+      </p:ext>
+    </p:extLst>
+  </p:cSld>
+  <p:clrMapOvr>
+    <a:masterClrMapping/>
+  </p:clrMapOvr>
+</p:notes>
+</file>
+
+<file path=ppt/notesSlides/notesSlide3.xml><?xml version="1.0" encoding="utf-8"?>
+<p:notes xmlns:a="http://schemas.openxmlformats.org/drawingml/2006/main" xmlns:r="http://schemas.openxmlformats.org/officeDocument/2006/relationships" xmlns:p="http://schemas.openxmlformats.org/presentationml/2006/main">
+  <p:cSld>
+    <p:spTree>
+      <p:nvGrpSpPr>
+        <p:cNvPr id="1" name=""/>
+        <p:cNvGrpSpPr/>
+        <p:nvPr/>
+      </p:nvGrpSpPr>
+      <p:grpSpPr>
+        <a:xfrm>
+          <a:off x="0" y="0"/>
+          <a:ext cx="0" cy="0"/>
+          <a:chOff x="0" y="0"/>
+          <a:chExt cx="0" cy="0"/>
+        </a:xfrm>
+      </p:grpSpPr>
+      <p:sp>
+        <p:nvSpPr>
+          <p:cNvPr id="2" name="投影片圖像版面配置區 1"/>
+          <p:cNvSpPr>
+            <a:spLocks noGrp="1" noRot="1" noChangeAspect="1"/>
+          </p:cNvSpPr>
+          <p:nvPr>
+            <p:ph type="sldImg"/>
+          </p:nvPr>
+        </p:nvSpPr>
+        <p:spPr>
+          <a:xfrm>
+            <a:off x="1371600" y="1143000"/>
+            <a:ext cx="4114800" cy="3086100"/>
+          </a:xfrm>
+        </p:spPr>
+      </p:sp>
+      <p:sp>
+        <p:nvSpPr>
+          <p:cNvPr id="3" name="備忘稿版面配置區 2"/>
+          <p:cNvSpPr>
+            <a:spLocks noGrp="1"/>
+          </p:cNvSpPr>
+          <p:nvPr>
+            <p:ph type="body" idx="1"/>
+          </p:nvPr>
+        </p:nvSpPr>
+        <p:spPr/>
+        <p:txBody>
+          <a:bodyPr/>
+          <a:lstStyle/>
+          <a:p>
+            <a:pPr marL="0" marR="0" lvl="0" indent="0" algn="l" defTabSz="914400" rtl="0" eaLnBrk="1" fontAlgn="auto" latinLnBrk="0" hangingPunct="1">
+              <a:lnSpc>
+                <a:spcPct val="100000"/>
+              </a:lnSpc>
+              <a:spcBef>
+                <a:spcPts val="0"/>
+              </a:spcBef>
+              <a:spcAft>
+                <a:spcPts val="0"/>
+              </a:spcAft>
+              <a:buClrTx/>
+              <a:buSzTx/>
+              <a:buFontTx/>
+              <a:buNone/>
+              <a:tabLst/>
+              <a:defRPr/>
+            </a:pPr>
+            <a:r>
+              <a:rPr lang="en-US" altLang="zh-TW" sz="1200" dirty="0" smtClean="0">
+                <a:latin typeface="Times New Roman" panose="02020603050405020304" pitchFamily="18" charset="0"/>
+                <a:cs typeface="Times New Roman" panose="02020603050405020304" pitchFamily="18" charset="0"/>
+              </a:rPr>
+              <a:t>JWT</a:t>
+            </a:r>
+            <a:r>
+              <a:rPr lang="zh-TW" altLang="en-US" sz="1200" dirty="0" smtClean="0">
+                <a:latin typeface="Times New Roman" panose="02020603050405020304" pitchFamily="18" charset="0"/>
+                <a:cs typeface="Times New Roman" panose="02020603050405020304" pitchFamily="18" charset="0"/>
+              </a:rPr>
+              <a:t>是數位簽章加密後得到的</a:t>
+            </a:r>
+            <a:r>
+              <a:rPr lang="en-US" altLang="zh-TW" sz="1200" dirty="0" smtClean="0">
+                <a:latin typeface="Times New Roman" panose="02020603050405020304" pitchFamily="18" charset="0"/>
+                <a:cs typeface="Times New Roman" panose="02020603050405020304" pitchFamily="18" charset="0"/>
+              </a:rPr>
+              <a:t>Base64 </a:t>
+            </a:r>
+            <a:r>
+              <a:rPr lang="zh-TW" altLang="en-US" sz="1200" dirty="0" smtClean="0">
+                <a:latin typeface="Times New Roman" panose="02020603050405020304" pitchFamily="18" charset="0"/>
+                <a:cs typeface="Times New Roman" panose="02020603050405020304" pitchFamily="18" charset="0"/>
+              </a:rPr>
+              <a:t>字串，其中包含了</a:t>
+            </a:r>
+            <a:r>
+              <a:rPr lang="en-US" altLang="zh-TW" sz="1200" dirty="0" smtClean="0">
+                <a:latin typeface="Times New Roman" panose="02020603050405020304" pitchFamily="18" charset="0"/>
+                <a:cs typeface="Times New Roman" panose="02020603050405020304" pitchFamily="18" charset="0"/>
+              </a:rPr>
+              <a:t>Header</a:t>
+            </a:r>
+            <a:r>
+              <a:rPr lang="zh-TW" altLang="en-US" sz="1200" dirty="0" smtClean="0">
+                <a:latin typeface="Times New Roman" panose="02020603050405020304" pitchFamily="18" charset="0"/>
+                <a:cs typeface="Times New Roman" panose="02020603050405020304" pitchFamily="18" charset="0"/>
+              </a:rPr>
+              <a:t>、</a:t>
+            </a:r>
+            <a:r>
+              <a:rPr lang="en-US" altLang="zh-TW" sz="1200" dirty="0" smtClean="0">
+                <a:latin typeface="Times New Roman" panose="02020603050405020304" pitchFamily="18" charset="0"/>
+                <a:cs typeface="Times New Roman" panose="02020603050405020304" pitchFamily="18" charset="0"/>
+              </a:rPr>
+              <a:t>Payload</a:t>
+            </a:r>
+            <a:r>
+              <a:rPr lang="zh-TW" altLang="en-US" sz="1200" dirty="0" smtClean="0">
+                <a:latin typeface="Times New Roman" panose="02020603050405020304" pitchFamily="18" charset="0"/>
+                <a:cs typeface="Times New Roman" panose="02020603050405020304" pitchFamily="18" charset="0"/>
+              </a:rPr>
+              <a:t>、</a:t>
+            </a:r>
+            <a:r>
+              <a:rPr lang="en-US" altLang="zh-TW" sz="1200" dirty="0" smtClean="0">
+                <a:latin typeface="Times New Roman" panose="02020603050405020304" pitchFamily="18" charset="0"/>
+                <a:cs typeface="Times New Roman" panose="02020603050405020304" pitchFamily="18" charset="0"/>
+              </a:rPr>
+              <a:t>signature</a:t>
+            </a:r>
+            <a:r>
+              <a:rPr lang="zh-TW" altLang="en-US" sz="1200" dirty="0" smtClean="0">
+                <a:latin typeface="Times New Roman" panose="02020603050405020304" pitchFamily="18" charset="0"/>
+                <a:cs typeface="Times New Roman" panose="02020603050405020304" pitchFamily="18" charset="0"/>
+              </a:rPr>
+              <a:t>三個部分，</a:t>
+            </a:r>
+            <a:r>
+              <a:rPr lang="en-US" altLang="zh-TW" sz="1200" dirty="0" smtClean="0">
+                <a:latin typeface="Times New Roman" panose="02020603050405020304" pitchFamily="18" charset="0"/>
+                <a:cs typeface="Times New Roman" panose="02020603050405020304" pitchFamily="18" charset="0"/>
+              </a:rPr>
+              <a:t>Header:</a:t>
+            </a:r>
+            <a:r>
+              <a:rPr lang="zh-TW" altLang="en-US" sz="1200" dirty="0" smtClean="0">
+                <a:latin typeface="Times New Roman" panose="02020603050405020304" pitchFamily="18" charset="0"/>
+                <a:cs typeface="Times New Roman" panose="02020603050405020304" pitchFamily="18" charset="0"/>
+              </a:rPr>
+              <a:t>用來指定加密的方法，</a:t>
+            </a:r>
+            <a:r>
+              <a:rPr lang="en-US" altLang="zh-TW" sz="1200" dirty="0" smtClean="0">
+                <a:latin typeface="Times New Roman" panose="02020603050405020304" pitchFamily="18" charset="0"/>
+                <a:cs typeface="Times New Roman" panose="02020603050405020304" pitchFamily="18" charset="0"/>
+              </a:rPr>
+              <a:t>payload</a:t>
+            </a:r>
+            <a:r>
+              <a:rPr lang="zh-TW" altLang="en-US" sz="1200" dirty="0" smtClean="0">
+                <a:latin typeface="Times New Roman" panose="02020603050405020304" pitchFamily="18" charset="0"/>
+                <a:cs typeface="Times New Roman" panose="02020603050405020304" pitchFamily="18" charset="0"/>
+              </a:rPr>
+              <a:t>用來儲存授權的相關資訊，</a:t>
+            </a:r>
+            <a:r>
+              <a:rPr lang="en-US" altLang="zh-TW" sz="1200" dirty="0" smtClean="0">
+                <a:latin typeface="Times New Roman" panose="02020603050405020304" pitchFamily="18" charset="0"/>
+                <a:cs typeface="Times New Roman" panose="02020603050405020304" pitchFamily="18" charset="0"/>
+              </a:rPr>
+              <a:t>signature</a:t>
+            </a:r>
+            <a:r>
+              <a:rPr lang="zh-TW" altLang="en-US" sz="1200" dirty="0" smtClean="0">
+                <a:latin typeface="Times New Roman" panose="02020603050405020304" pitchFamily="18" charset="0"/>
+                <a:cs typeface="Times New Roman" panose="02020603050405020304" pitchFamily="18" charset="0"/>
+              </a:rPr>
+              <a:t>則是將</a:t>
+            </a:r>
+            <a:r>
+              <a:rPr lang="en-US" altLang="zh-TW" sz="1200" dirty="0" smtClean="0">
+                <a:latin typeface="Times New Roman" panose="02020603050405020304" pitchFamily="18" charset="0"/>
+                <a:cs typeface="Times New Roman" panose="02020603050405020304" pitchFamily="18" charset="0"/>
+              </a:rPr>
+              <a:t>header</a:t>
+            </a:r>
+            <a:r>
+              <a:rPr lang="zh-TW" altLang="en-US" sz="1200" dirty="0" smtClean="0">
+                <a:latin typeface="Times New Roman" panose="02020603050405020304" pitchFamily="18" charset="0"/>
+                <a:cs typeface="Times New Roman" panose="02020603050405020304" pitchFamily="18" charset="0"/>
+              </a:rPr>
+              <a:t>與</a:t>
+            </a:r>
+            <a:r>
+              <a:rPr lang="en-US" altLang="zh-TW" sz="1200" dirty="0" smtClean="0">
+                <a:latin typeface="Times New Roman" panose="02020603050405020304" pitchFamily="18" charset="0"/>
+                <a:cs typeface="Times New Roman" panose="02020603050405020304" pitchFamily="18" charset="0"/>
+              </a:rPr>
+              <a:t>payload</a:t>
+            </a:r>
+            <a:r>
+              <a:rPr lang="zh-TW" altLang="en-US" sz="1200" dirty="0" smtClean="0">
+                <a:latin typeface="Times New Roman" panose="02020603050405020304" pitchFamily="18" charset="0"/>
+                <a:cs typeface="Times New Roman" panose="02020603050405020304" pitchFamily="18" charset="0"/>
+              </a:rPr>
+              <a:t>簽章加密後的訊息</a:t>
+            </a:r>
+            <a:endParaRPr lang="en-US" altLang="zh-TW" sz="1200" dirty="0" smtClean="0">
+              <a:latin typeface="Times New Roman" panose="02020603050405020304" pitchFamily="18" charset="0"/>
+              <a:cs typeface="Times New Roman" panose="02020603050405020304" pitchFamily="18" charset="0"/>
+            </a:endParaRPr>
+          </a:p>
+          <a:p>
+            <a:pPr marL="0" marR="0" lvl="0" indent="0" algn="l" defTabSz="914400" rtl="0" eaLnBrk="1" fontAlgn="auto" latinLnBrk="0" hangingPunct="1">
+              <a:lnSpc>
+                <a:spcPct val="100000"/>
+              </a:lnSpc>
+              <a:spcBef>
+                <a:spcPts val="0"/>
+              </a:spcBef>
+              <a:spcAft>
+                <a:spcPts val="0"/>
+              </a:spcAft>
+              <a:buClrTx/>
+              <a:buSzTx/>
+              <a:buFontTx/>
+              <a:buNone/>
+              <a:tabLst/>
+              <a:defRPr/>
+            </a:pPr>
+            <a:r>
+              <a:rPr lang="zh-TW" altLang="en-US" sz="1200" dirty="0" smtClean="0">
+                <a:latin typeface="Times New Roman" panose="02020603050405020304" pitchFamily="18" charset="0"/>
+                <a:cs typeface="Times New Roman" panose="02020603050405020304" pitchFamily="18" charset="0"/>
+              </a:rPr>
+              <a:t>數位簽章加密後得到的</a:t>
+            </a:r>
+            <a:r>
+              <a:rPr lang="en-US" altLang="zh-TW" sz="1200" dirty="0" smtClean="0">
+                <a:latin typeface="Times New Roman" panose="02020603050405020304" pitchFamily="18" charset="0"/>
+                <a:cs typeface="Times New Roman" panose="02020603050405020304" pitchFamily="18" charset="0"/>
+              </a:rPr>
+              <a:t>Base64 </a:t>
+            </a:r>
+            <a:r>
+              <a:rPr lang="zh-TW" altLang="en-US" sz="1200" dirty="0" smtClean="0">
+                <a:latin typeface="Times New Roman" panose="02020603050405020304" pitchFamily="18" charset="0"/>
+                <a:cs typeface="Times New Roman" panose="02020603050405020304" pitchFamily="18" charset="0"/>
+              </a:rPr>
+              <a:t>字串，可以在</a:t>
+            </a:r>
+            <a:r>
+              <a:rPr lang="en-US" altLang="zh-TW" sz="1200" dirty="0" smtClean="0">
+                <a:latin typeface="Times New Roman" panose="02020603050405020304" pitchFamily="18" charset="0"/>
+                <a:cs typeface="Times New Roman" panose="02020603050405020304" pitchFamily="18" charset="0"/>
+              </a:rPr>
+              <a:t>HTTP</a:t>
+            </a:r>
+            <a:r>
+              <a:rPr lang="zh-TW" altLang="en-US" sz="1200" dirty="0" smtClean="0">
+                <a:latin typeface="Times New Roman" panose="02020603050405020304" pitchFamily="18" charset="0"/>
+                <a:cs typeface="Times New Roman" panose="02020603050405020304" pitchFamily="18" charset="0"/>
+              </a:rPr>
+              <a:t>環境中通過</a:t>
+            </a:r>
+            <a:r>
+              <a:rPr lang="en-US" altLang="zh-TW" sz="1200" dirty="0" smtClean="0">
+                <a:latin typeface="Times New Roman" panose="02020603050405020304" pitchFamily="18" charset="0"/>
+                <a:cs typeface="Times New Roman" panose="02020603050405020304" pitchFamily="18" charset="0"/>
+              </a:rPr>
+              <a:t>URL</a:t>
+            </a:r>
+            <a:r>
+              <a:rPr lang="zh-TW" altLang="en-US" sz="1200" dirty="0" smtClean="0">
+                <a:latin typeface="Times New Roman" panose="02020603050405020304" pitchFamily="18" charset="0"/>
+                <a:cs typeface="Times New Roman" panose="02020603050405020304" pitchFamily="18" charset="0"/>
+              </a:rPr>
+              <a:t>、參數、</a:t>
+            </a:r>
+            <a:r>
+              <a:rPr lang="en-US" altLang="zh-TW" sz="1200" dirty="0" smtClean="0">
+                <a:latin typeface="Times New Roman" panose="02020603050405020304" pitchFamily="18" charset="0"/>
+                <a:cs typeface="Times New Roman" panose="02020603050405020304" pitchFamily="18" charset="0"/>
+              </a:rPr>
+              <a:t>HTTP header</a:t>
+            </a:r>
+            <a:r>
+              <a:rPr lang="zh-TW" altLang="en-US" sz="1200" dirty="0" smtClean="0">
+                <a:latin typeface="Times New Roman" panose="02020603050405020304" pitchFamily="18" charset="0"/>
+                <a:cs typeface="Times New Roman" panose="02020603050405020304" pitchFamily="18" charset="0"/>
+              </a:rPr>
+              <a:t>等方式輕易的傳輸</a:t>
+            </a:r>
+            <a:endParaRPr lang="en-US" altLang="zh-TW" sz="1200" dirty="0" smtClean="0">
+              <a:latin typeface="Times New Roman" panose="02020603050405020304" pitchFamily="18" charset="0"/>
+              <a:cs typeface="Times New Roman" panose="02020603050405020304" pitchFamily="18" charset="0"/>
+            </a:endParaRPr>
+          </a:p>
+          <a:p>
+            <a:endParaRPr lang="en-US" altLang="zh-TW" sz="1200" kern="1200" dirty="0" smtClean="0">
+              <a:solidFill>
+                <a:schemeClr val="tx1"/>
+              </a:solidFill>
+              <a:effectLst/>
+              <a:latin typeface="+mn-lt"/>
+              <a:ea typeface="+mn-ea"/>
+              <a:cs typeface="+mn-cs"/>
+            </a:endParaRPr>
+          </a:p>
+          <a:p>
+            <a:r>
+              <a:rPr lang="en-US" altLang="zh-TW" sz="1200" kern="1200" dirty="0" smtClean="0">
+                <a:solidFill>
+                  <a:schemeClr val="tx1"/>
+                </a:solidFill>
+                <a:effectLst/>
+                <a:latin typeface="+mn-lt"/>
+                <a:ea typeface="+mn-ea"/>
+                <a:cs typeface="+mn-cs"/>
+              </a:rPr>
+              <a:t>Header</a:t>
+            </a:r>
+            <a:r>
+              <a:rPr lang="zh-TW" altLang="zh-TW" sz="1200" kern="1200" dirty="0" smtClean="0">
+                <a:solidFill>
+                  <a:schemeClr val="tx1"/>
+                </a:solidFill>
+                <a:effectLst/>
+                <a:latin typeface="+mn-lt"/>
+                <a:ea typeface="+mn-ea"/>
+                <a:cs typeface="+mn-cs"/>
+              </a:rPr>
+              <a:t>：用來指定</a:t>
+            </a:r>
+            <a:r>
+              <a:rPr lang="en-US" altLang="zh-TW" sz="1200" kern="1200" dirty="0" smtClean="0">
+                <a:solidFill>
+                  <a:schemeClr val="tx1"/>
+                </a:solidFill>
+                <a:effectLst/>
+                <a:latin typeface="+mn-lt"/>
+                <a:ea typeface="+mn-ea"/>
+                <a:cs typeface="+mn-cs"/>
+              </a:rPr>
+              <a:t>JWT</a:t>
+            </a:r>
+            <a:r>
+              <a:rPr lang="zh-TW" altLang="zh-TW" sz="1200" kern="1200" dirty="0" smtClean="0">
+                <a:solidFill>
+                  <a:schemeClr val="tx1"/>
+                </a:solidFill>
+                <a:effectLst/>
+                <a:latin typeface="+mn-lt"/>
+                <a:ea typeface="+mn-ea"/>
+                <a:cs typeface="+mn-cs"/>
+              </a:rPr>
+              <a:t>的</a:t>
+            </a:r>
+            <a:r>
+              <a:rPr lang="en-US" altLang="zh-TW" sz="1200" kern="1200" dirty="0" smtClean="0">
+                <a:solidFill>
+                  <a:schemeClr val="tx1"/>
+                </a:solidFill>
+                <a:effectLst/>
+                <a:latin typeface="+mn-lt"/>
+                <a:ea typeface="+mn-ea"/>
+                <a:cs typeface="+mn-cs"/>
+              </a:rPr>
+              <a:t>token</a:t>
+            </a:r>
+            <a:r>
+              <a:rPr lang="zh-TW" altLang="zh-TW" sz="1200" kern="1200" dirty="0" smtClean="0">
+                <a:solidFill>
+                  <a:schemeClr val="tx1"/>
+                </a:solidFill>
+                <a:effectLst/>
+                <a:latin typeface="+mn-lt"/>
+                <a:ea typeface="+mn-ea"/>
+                <a:cs typeface="+mn-cs"/>
+              </a:rPr>
+              <a:t>所使用的加密方法，包含了</a:t>
+            </a:r>
+            <a:r>
+              <a:rPr lang="en-US" altLang="zh-TW" sz="1200" kern="1200" dirty="0" err="1" smtClean="0">
+                <a:solidFill>
+                  <a:schemeClr val="tx1"/>
+                </a:solidFill>
+                <a:effectLst/>
+                <a:latin typeface="+mn-lt"/>
+                <a:ea typeface="+mn-ea"/>
+                <a:cs typeface="+mn-cs"/>
+              </a:rPr>
+              <a:t>alg</a:t>
+            </a:r>
+            <a:r>
+              <a:rPr lang="en-US" altLang="zh-TW" sz="1200" kern="1200" dirty="0" smtClean="0">
+                <a:solidFill>
+                  <a:schemeClr val="tx1"/>
+                </a:solidFill>
+                <a:effectLst/>
+                <a:latin typeface="+mn-lt"/>
+                <a:ea typeface="+mn-ea"/>
+                <a:cs typeface="+mn-cs"/>
+              </a:rPr>
+              <a:t>(token</a:t>
+            </a:r>
+            <a:r>
+              <a:rPr lang="zh-TW" altLang="zh-TW" sz="1200" kern="1200" dirty="0" smtClean="0">
+                <a:solidFill>
+                  <a:schemeClr val="tx1"/>
+                </a:solidFill>
+                <a:effectLst/>
+                <a:latin typeface="+mn-lt"/>
+                <a:ea typeface="+mn-ea"/>
+                <a:cs typeface="+mn-cs"/>
+              </a:rPr>
+              <a:t>所使用的加密演算法</a:t>
+            </a:r>
+            <a:r>
+              <a:rPr lang="en-US" altLang="zh-TW" sz="1200" kern="1200" dirty="0" smtClean="0">
+                <a:solidFill>
+                  <a:schemeClr val="tx1"/>
+                </a:solidFill>
+                <a:effectLst/>
+                <a:latin typeface="+mn-lt"/>
+                <a:ea typeface="+mn-ea"/>
+                <a:cs typeface="+mn-cs"/>
+              </a:rPr>
+              <a:t>)</a:t>
+            </a:r>
+            <a:r>
+              <a:rPr lang="zh-TW" altLang="zh-TW" sz="1200" kern="1200" dirty="0" smtClean="0">
+                <a:solidFill>
+                  <a:schemeClr val="tx1"/>
+                </a:solidFill>
+                <a:effectLst/>
+                <a:latin typeface="+mn-lt"/>
+                <a:ea typeface="+mn-ea"/>
+                <a:cs typeface="+mn-cs"/>
+              </a:rPr>
+              <a:t>與</a:t>
+            </a:r>
+            <a:r>
+              <a:rPr lang="en-US" altLang="zh-TW" sz="1200" kern="1200" dirty="0" err="1" smtClean="0">
+                <a:solidFill>
+                  <a:schemeClr val="tx1"/>
+                </a:solidFill>
+                <a:effectLst/>
+                <a:latin typeface="+mn-lt"/>
+                <a:ea typeface="+mn-ea"/>
+                <a:cs typeface="+mn-cs"/>
+              </a:rPr>
+              <a:t>typ</a:t>
+            </a:r>
+            <a:r>
+              <a:rPr lang="en-US" altLang="zh-TW" sz="1200" kern="1200" dirty="0" smtClean="0">
+                <a:solidFill>
+                  <a:schemeClr val="tx1"/>
+                </a:solidFill>
+                <a:effectLst/>
+                <a:latin typeface="+mn-lt"/>
+                <a:ea typeface="+mn-ea"/>
+                <a:cs typeface="+mn-cs"/>
+              </a:rPr>
+              <a:t>(token</a:t>
+            </a:r>
+            <a:r>
+              <a:rPr lang="zh-TW" altLang="zh-TW" sz="1200" kern="1200" dirty="0" smtClean="0">
+                <a:solidFill>
+                  <a:schemeClr val="tx1"/>
+                </a:solidFill>
+                <a:effectLst/>
+                <a:latin typeface="+mn-lt"/>
+                <a:ea typeface="+mn-ea"/>
+                <a:cs typeface="+mn-cs"/>
+              </a:rPr>
+              <a:t>的類型</a:t>
+            </a:r>
+            <a:r>
+              <a:rPr lang="en-US" altLang="zh-TW" sz="1200" kern="1200" dirty="0" smtClean="0">
+                <a:solidFill>
+                  <a:schemeClr val="tx1"/>
+                </a:solidFill>
+                <a:effectLst/>
+                <a:latin typeface="+mn-lt"/>
+                <a:ea typeface="+mn-ea"/>
+                <a:cs typeface="+mn-cs"/>
+              </a:rPr>
+              <a:t>)</a:t>
+            </a:r>
+            <a:r>
+              <a:rPr lang="zh-TW" altLang="zh-TW" sz="1200" kern="1200" dirty="0" smtClean="0">
+                <a:solidFill>
+                  <a:schemeClr val="tx1"/>
+                </a:solidFill>
+                <a:effectLst/>
+                <a:latin typeface="+mn-lt"/>
+                <a:ea typeface="+mn-ea"/>
+                <a:cs typeface="+mn-cs"/>
+              </a:rPr>
+              <a:t>兩個部分。</a:t>
+            </a:r>
+          </a:p>
+          <a:p>
+            <a:r>
+              <a:rPr lang="en-US" altLang="zh-TW" sz="1200" kern="1200" dirty="0" smtClean="0">
+                <a:solidFill>
+                  <a:schemeClr val="tx1"/>
+                </a:solidFill>
+                <a:effectLst/>
+                <a:latin typeface="+mn-lt"/>
+                <a:ea typeface="+mn-ea"/>
+                <a:cs typeface="+mn-cs"/>
+              </a:rPr>
+              <a:t>Payload</a:t>
+            </a:r>
+            <a:r>
+              <a:rPr lang="zh-TW" altLang="zh-TW" sz="1200" kern="1200" dirty="0" smtClean="0">
+                <a:solidFill>
+                  <a:schemeClr val="tx1"/>
+                </a:solidFill>
+                <a:effectLst/>
+                <a:latin typeface="+mn-lt"/>
+                <a:ea typeface="+mn-ea"/>
+                <a:cs typeface="+mn-cs"/>
+              </a:rPr>
+              <a:t>：用來儲存授權用戶與</a:t>
+            </a:r>
+            <a:r>
+              <a:rPr lang="en-US" altLang="zh-TW" sz="1200" kern="1200" dirty="0" smtClean="0">
+                <a:solidFill>
+                  <a:schemeClr val="tx1"/>
+                </a:solidFill>
+                <a:effectLst/>
+                <a:latin typeface="+mn-lt"/>
+                <a:ea typeface="+mn-ea"/>
+                <a:cs typeface="+mn-cs"/>
+              </a:rPr>
+              <a:t>token</a:t>
+            </a:r>
+            <a:r>
+              <a:rPr lang="zh-TW" altLang="zh-TW" sz="1200" kern="1200" dirty="0" smtClean="0">
+                <a:solidFill>
+                  <a:schemeClr val="tx1"/>
+                </a:solidFill>
+                <a:effectLst/>
+                <a:latin typeface="+mn-lt"/>
+                <a:ea typeface="+mn-ea"/>
+                <a:cs typeface="+mn-cs"/>
+              </a:rPr>
+              <a:t>的資訊，包含授權用戶的身份、要調閱的資源連結、</a:t>
+            </a:r>
+            <a:r>
+              <a:rPr lang="en-US" altLang="zh-TW" sz="1200" kern="1200" dirty="0" smtClean="0">
+                <a:solidFill>
+                  <a:schemeClr val="tx1"/>
+                </a:solidFill>
+                <a:effectLst/>
+                <a:latin typeface="+mn-lt"/>
+                <a:ea typeface="+mn-ea"/>
+                <a:cs typeface="+mn-cs"/>
+              </a:rPr>
+              <a:t>token</a:t>
+            </a:r>
+            <a:r>
+              <a:rPr lang="zh-TW" altLang="zh-TW" sz="1200" kern="1200" dirty="0" smtClean="0">
+                <a:solidFill>
+                  <a:schemeClr val="tx1"/>
+                </a:solidFill>
+                <a:effectLst/>
+                <a:latin typeface="+mn-lt"/>
+                <a:ea typeface="+mn-ea"/>
+                <a:cs typeface="+mn-cs"/>
+              </a:rPr>
+              <a:t>有效時限等等。</a:t>
+            </a:r>
+          </a:p>
+          <a:p>
+            <a:r>
+              <a:rPr lang="en-US" altLang="zh-TW" sz="1200" kern="1200" dirty="0" smtClean="0">
+                <a:solidFill>
+                  <a:schemeClr val="tx1"/>
+                </a:solidFill>
+                <a:effectLst/>
+                <a:latin typeface="+mn-lt"/>
+                <a:ea typeface="+mn-ea"/>
+                <a:cs typeface="+mn-cs"/>
+              </a:rPr>
+              <a:t>Signature</a:t>
+            </a:r>
+            <a:r>
+              <a:rPr lang="zh-TW" altLang="zh-TW" sz="1200" kern="1200" dirty="0" smtClean="0">
+                <a:solidFill>
+                  <a:schemeClr val="tx1"/>
+                </a:solidFill>
+                <a:effectLst/>
+                <a:latin typeface="+mn-lt"/>
+                <a:ea typeface="+mn-ea"/>
+                <a:cs typeface="+mn-cs"/>
+              </a:rPr>
+              <a:t>：須遵循</a:t>
+            </a:r>
+            <a:r>
+              <a:rPr lang="en-US" altLang="zh-TW" sz="1200" kern="1200" dirty="0" smtClean="0">
+                <a:solidFill>
+                  <a:schemeClr val="tx1"/>
+                </a:solidFill>
+                <a:effectLst/>
+                <a:latin typeface="+mn-lt"/>
+                <a:ea typeface="+mn-ea"/>
+                <a:cs typeface="+mn-cs"/>
+              </a:rPr>
+              <a:t>JSON Web Signature (JWS)</a:t>
+            </a:r>
+            <a:r>
+              <a:rPr lang="zh-TW" altLang="zh-TW" sz="1200" kern="1200" dirty="0" smtClean="0">
+                <a:solidFill>
+                  <a:schemeClr val="tx1"/>
+                </a:solidFill>
+                <a:effectLst/>
+                <a:latin typeface="+mn-lt"/>
+                <a:ea typeface="+mn-ea"/>
+                <a:cs typeface="+mn-cs"/>
+              </a:rPr>
+              <a:t>的規範，必須使用</a:t>
+            </a:r>
+            <a:r>
+              <a:rPr lang="en-US" altLang="zh-TW" sz="1200" kern="1200" dirty="0" smtClean="0">
+                <a:solidFill>
+                  <a:schemeClr val="tx1"/>
+                </a:solidFill>
+                <a:effectLst/>
+                <a:latin typeface="+mn-lt"/>
+                <a:ea typeface="+mn-ea"/>
+                <a:cs typeface="+mn-cs"/>
+              </a:rPr>
+              <a:t>Header</a:t>
+            </a:r>
+            <a:r>
+              <a:rPr lang="zh-TW" altLang="zh-TW" sz="1200" kern="1200" dirty="0" smtClean="0">
+                <a:solidFill>
+                  <a:schemeClr val="tx1"/>
+                </a:solidFill>
+                <a:effectLst/>
+                <a:latin typeface="+mn-lt"/>
+                <a:ea typeface="+mn-ea"/>
+                <a:cs typeface="+mn-cs"/>
+              </a:rPr>
+              <a:t>所指定的</a:t>
+            </a:r>
+            <a:r>
+              <a:rPr lang="en-US" altLang="zh-TW" sz="1200" kern="1200" dirty="0" err="1" smtClean="0">
+                <a:solidFill>
+                  <a:schemeClr val="tx1"/>
+                </a:solidFill>
+                <a:effectLst/>
+                <a:latin typeface="+mn-lt"/>
+                <a:ea typeface="+mn-ea"/>
+                <a:cs typeface="+mn-cs"/>
+              </a:rPr>
+              <a:t>alg</a:t>
+            </a:r>
+            <a:r>
+              <a:rPr lang="zh-TW" altLang="zh-TW" sz="1200" kern="1200" dirty="0" smtClean="0">
+                <a:solidFill>
+                  <a:schemeClr val="tx1"/>
+                </a:solidFill>
+                <a:effectLst/>
+                <a:latin typeface="+mn-lt"/>
+                <a:ea typeface="+mn-ea"/>
+                <a:cs typeface="+mn-cs"/>
+              </a:rPr>
+              <a:t>，將</a:t>
+            </a:r>
+            <a:r>
+              <a:rPr lang="en-US" altLang="zh-TW" sz="1200" kern="1200" dirty="0" smtClean="0">
+                <a:solidFill>
+                  <a:schemeClr val="tx1"/>
+                </a:solidFill>
+                <a:effectLst/>
+                <a:latin typeface="+mn-lt"/>
+                <a:ea typeface="+mn-ea"/>
+                <a:cs typeface="+mn-cs"/>
+              </a:rPr>
+              <a:t>Header</a:t>
+            </a:r>
+            <a:r>
+              <a:rPr lang="zh-TW" altLang="zh-TW" sz="1200" kern="1200" dirty="0" smtClean="0">
+                <a:solidFill>
+                  <a:schemeClr val="tx1"/>
+                </a:solidFill>
+                <a:effectLst/>
+                <a:latin typeface="+mn-lt"/>
+                <a:ea typeface="+mn-ea"/>
+                <a:cs typeface="+mn-cs"/>
+              </a:rPr>
+              <a:t>與</a:t>
+            </a:r>
+            <a:r>
+              <a:rPr lang="en-US" altLang="zh-TW" sz="1200" kern="1200" dirty="0" smtClean="0">
+                <a:solidFill>
+                  <a:schemeClr val="tx1"/>
+                </a:solidFill>
+                <a:effectLst/>
+                <a:latin typeface="+mn-lt"/>
+                <a:ea typeface="+mn-ea"/>
+                <a:cs typeface="+mn-cs"/>
+              </a:rPr>
+              <a:t>Payload</a:t>
+            </a:r>
+            <a:r>
+              <a:rPr lang="zh-TW" altLang="zh-TW" sz="1200" kern="1200" dirty="0" smtClean="0">
+                <a:solidFill>
+                  <a:schemeClr val="tx1"/>
+                </a:solidFill>
+                <a:effectLst/>
+                <a:latin typeface="+mn-lt"/>
+                <a:ea typeface="+mn-ea"/>
+                <a:cs typeface="+mn-cs"/>
+              </a:rPr>
+              <a:t>進行加密簽章，目的在於驗證</a:t>
+            </a:r>
+            <a:r>
+              <a:rPr lang="en-US" altLang="zh-TW" sz="1200" kern="1200" dirty="0" smtClean="0">
+                <a:solidFill>
+                  <a:schemeClr val="tx1"/>
+                </a:solidFill>
+                <a:effectLst/>
+                <a:latin typeface="+mn-lt"/>
+                <a:ea typeface="+mn-ea"/>
+                <a:cs typeface="+mn-cs"/>
+              </a:rPr>
+              <a:t>JWT</a:t>
+            </a:r>
+            <a:r>
+              <a:rPr lang="zh-TW" altLang="zh-TW" sz="1200" kern="1200" dirty="0" smtClean="0">
+                <a:solidFill>
+                  <a:schemeClr val="tx1"/>
+                </a:solidFill>
+                <a:effectLst/>
+                <a:latin typeface="+mn-lt"/>
+                <a:ea typeface="+mn-ea"/>
+                <a:cs typeface="+mn-cs"/>
+              </a:rPr>
+              <a:t>的簽發者，也可避免</a:t>
+            </a:r>
+            <a:r>
+              <a:rPr lang="en-US" altLang="zh-TW" sz="1200" kern="1200" dirty="0" smtClean="0">
+                <a:solidFill>
+                  <a:schemeClr val="tx1"/>
+                </a:solidFill>
+                <a:effectLst/>
+                <a:latin typeface="+mn-lt"/>
+                <a:ea typeface="+mn-ea"/>
+                <a:cs typeface="+mn-cs"/>
+              </a:rPr>
+              <a:t>token</a:t>
+            </a:r>
+            <a:r>
+              <a:rPr lang="zh-TW" altLang="zh-TW" sz="1200" kern="1200" dirty="0" smtClean="0">
+                <a:solidFill>
+                  <a:schemeClr val="tx1"/>
+                </a:solidFill>
+                <a:effectLst/>
+                <a:latin typeface="+mn-lt"/>
+                <a:ea typeface="+mn-ea"/>
+                <a:cs typeface="+mn-cs"/>
+              </a:rPr>
+              <a:t>在傳輸中被竄改。</a:t>
+            </a:r>
+            <a:endParaRPr lang="zh-TW" altLang="zh-TW" sz="1200" kern="1200" dirty="0">
+              <a:solidFill>
+                <a:schemeClr val="tx1"/>
+              </a:solidFill>
+              <a:effectLst/>
+              <a:latin typeface="+mn-lt"/>
+              <a:ea typeface="+mn-ea"/>
+              <a:cs typeface="+mn-cs"/>
+            </a:endParaRPr>
+          </a:p>
+        </p:txBody>
+      </p:sp>
+      <p:sp>
+        <p:nvSpPr>
+          <p:cNvPr id="4" name="投影片編號版面配置區 3"/>
+          <p:cNvSpPr>
+            <a:spLocks noGrp="1"/>
+          </p:cNvSpPr>
+          <p:nvPr>
+            <p:ph type="sldNum" sz="quarter" idx="10"/>
+          </p:nvPr>
+        </p:nvSpPr>
+        <p:spPr/>
+        <p:txBody>
+          <a:bodyPr/>
+          <a:lstStyle/>
+          <a:p>
+            <a:fld id="{2EA72FE6-3BDE-4ED3-9961-D7E8DFAA224D}" type="slidenum">
+              <a:rPr lang="zh-TW" altLang="en-US" smtClean="0"/>
+              <a:t>21</a:t>
+            </a:fld>
+            <a:endParaRPr lang="zh-TW" altLang="en-US"/>
+          </a:p>
+        </p:txBody>
+      </p:sp>
+    </p:spTree>
+    <p:extLst>
+      <p:ext uri="{BB962C8B-B14F-4D97-AF65-F5344CB8AC3E}">
+        <p14:creationId xmlns:p14="http://schemas.microsoft.com/office/powerpoint/2010/main" val="3397531581"/>
+      </p:ext>
+    </p:extLst>
+  </p:cSld>
+  <p:clrMapOvr>
+    <a:masterClrMapping/>
+  </p:clrMapOvr>
+</p:notes>
+</file>
+
+<file path=ppt/notesSlides/notesSlide4.xml><?xml version="1.0" encoding="utf-8"?>
+<p:notes xmlns:a="http://schemas.openxmlformats.org/drawingml/2006/main" xmlns:r="http://schemas.openxmlformats.org/officeDocument/2006/relationships" xmlns:p="http://schemas.openxmlformats.org/presentationml/2006/main">
+  <p:cSld>
+    <p:spTree>
+      <p:nvGrpSpPr>
+        <p:cNvPr id="1" name=""/>
+        <p:cNvGrpSpPr/>
+        <p:nvPr/>
+      </p:nvGrpSpPr>
+      <p:grpSpPr>
+        <a:xfrm>
+          <a:off x="0" y="0"/>
+          <a:ext cx="0" cy="0"/>
+          <a:chOff x="0" y="0"/>
+          <a:chExt cx="0" cy="0"/>
+        </a:xfrm>
+      </p:grpSpPr>
+      <p:sp>
+        <p:nvSpPr>
+          <p:cNvPr id="2" name="投影片圖像版面配置區 1"/>
+          <p:cNvSpPr>
+            <a:spLocks noGrp="1" noRot="1" noChangeAspect="1"/>
+          </p:cNvSpPr>
+          <p:nvPr>
+            <p:ph type="sldImg"/>
+          </p:nvPr>
+        </p:nvSpPr>
+        <p:spPr>
+          <a:xfrm>
+            <a:off x="685800" y="1143000"/>
+            <a:ext cx="5486400" cy="3086100"/>
+          </a:xfrm>
+        </p:spPr>
+      </p:sp>
+      <p:sp>
+        <p:nvSpPr>
+          <p:cNvPr id="3" name="備忘稿版面配置區 2"/>
+          <p:cNvSpPr>
+            <a:spLocks noGrp="1"/>
+          </p:cNvSpPr>
+          <p:nvPr>
+            <p:ph type="body" idx="1"/>
+          </p:nvPr>
+        </p:nvSpPr>
+        <p:spPr/>
+        <p:txBody>
+          <a:bodyPr/>
+          <a:lstStyle/>
+          <a:p>
+            <a:pPr marL="0" marR="0" lvl="0" indent="0" algn="l" defTabSz="914400" rtl="0" eaLnBrk="1" fontAlgn="auto" latinLnBrk="0" hangingPunct="1">
+              <a:lnSpc>
+                <a:spcPct val="100000"/>
+              </a:lnSpc>
+              <a:spcBef>
+                <a:spcPts val="0"/>
+              </a:spcBef>
+              <a:spcAft>
+                <a:spcPts val="0"/>
+              </a:spcAft>
+              <a:buClrTx/>
+              <a:buSzTx/>
+              <a:buFontTx/>
+              <a:buNone/>
+              <a:tabLst/>
+              <a:defRPr/>
+            </a:pPr>
+            <a:r>
+              <a:rPr lang="en-US" altLang="zh-TW" sz="1200" dirty="0" smtClean="0">
+                <a:latin typeface="Times New Roman" panose="02020603050405020304" pitchFamily="18" charset="0"/>
+                <a:cs typeface="Times New Roman" panose="02020603050405020304" pitchFamily="18" charset="0"/>
+              </a:rPr>
+              <a:t>JWT</a:t>
+            </a:r>
+            <a:r>
+              <a:rPr lang="zh-TW" altLang="en-US" sz="1200" dirty="0" smtClean="0">
+                <a:latin typeface="Times New Roman" panose="02020603050405020304" pitchFamily="18" charset="0"/>
+                <a:cs typeface="Times New Roman" panose="02020603050405020304" pitchFamily="18" charset="0"/>
+              </a:rPr>
+              <a:t>是數位簽章加密後得到的</a:t>
+            </a:r>
+            <a:r>
+              <a:rPr lang="en-US" altLang="zh-TW" sz="1200" dirty="0" smtClean="0">
+                <a:latin typeface="Times New Roman" panose="02020603050405020304" pitchFamily="18" charset="0"/>
+                <a:cs typeface="Times New Roman" panose="02020603050405020304" pitchFamily="18" charset="0"/>
+              </a:rPr>
+              <a:t>Base64 </a:t>
+            </a:r>
+            <a:r>
+              <a:rPr lang="zh-TW" altLang="en-US" sz="1200" dirty="0" smtClean="0">
+                <a:latin typeface="Times New Roman" panose="02020603050405020304" pitchFamily="18" charset="0"/>
+                <a:cs typeface="Times New Roman" panose="02020603050405020304" pitchFamily="18" charset="0"/>
+              </a:rPr>
+              <a:t>字串，其中包含了</a:t>
+            </a:r>
+            <a:r>
+              <a:rPr lang="en-US" altLang="zh-TW" sz="1200" dirty="0" smtClean="0">
+                <a:latin typeface="Times New Roman" panose="02020603050405020304" pitchFamily="18" charset="0"/>
+                <a:cs typeface="Times New Roman" panose="02020603050405020304" pitchFamily="18" charset="0"/>
+              </a:rPr>
+              <a:t>Header</a:t>
+            </a:r>
+            <a:r>
+              <a:rPr lang="zh-TW" altLang="en-US" sz="1200" dirty="0" smtClean="0">
+                <a:latin typeface="Times New Roman" panose="02020603050405020304" pitchFamily="18" charset="0"/>
+                <a:cs typeface="Times New Roman" panose="02020603050405020304" pitchFamily="18" charset="0"/>
+              </a:rPr>
+              <a:t>、</a:t>
+            </a:r>
+            <a:r>
+              <a:rPr lang="en-US" altLang="zh-TW" sz="1200" dirty="0" smtClean="0">
+                <a:latin typeface="Times New Roman" panose="02020603050405020304" pitchFamily="18" charset="0"/>
+                <a:cs typeface="Times New Roman" panose="02020603050405020304" pitchFamily="18" charset="0"/>
+              </a:rPr>
+              <a:t>Payload</a:t>
+            </a:r>
+            <a:r>
+              <a:rPr lang="zh-TW" altLang="en-US" sz="1200" dirty="0" smtClean="0">
+                <a:latin typeface="Times New Roman" panose="02020603050405020304" pitchFamily="18" charset="0"/>
+                <a:cs typeface="Times New Roman" panose="02020603050405020304" pitchFamily="18" charset="0"/>
+              </a:rPr>
+              <a:t>、</a:t>
+            </a:r>
+            <a:r>
+              <a:rPr lang="en-US" altLang="zh-TW" sz="1200" dirty="0" smtClean="0">
+                <a:latin typeface="Times New Roman" panose="02020603050405020304" pitchFamily="18" charset="0"/>
+                <a:cs typeface="Times New Roman" panose="02020603050405020304" pitchFamily="18" charset="0"/>
+              </a:rPr>
+              <a:t>signature</a:t>
+            </a:r>
+            <a:r>
+              <a:rPr lang="zh-TW" altLang="en-US" sz="1200" dirty="0" smtClean="0">
+                <a:latin typeface="Times New Roman" panose="02020603050405020304" pitchFamily="18" charset="0"/>
+                <a:cs typeface="Times New Roman" panose="02020603050405020304" pitchFamily="18" charset="0"/>
+              </a:rPr>
+              <a:t>三個部分，</a:t>
+            </a:r>
+            <a:r>
+              <a:rPr lang="en-US" altLang="zh-TW" sz="1200" dirty="0" smtClean="0">
+                <a:latin typeface="Times New Roman" panose="02020603050405020304" pitchFamily="18" charset="0"/>
+                <a:cs typeface="Times New Roman" panose="02020603050405020304" pitchFamily="18" charset="0"/>
+              </a:rPr>
+              <a:t>Header:</a:t>
+            </a:r>
+            <a:r>
+              <a:rPr lang="zh-TW" altLang="en-US" sz="1200" dirty="0" smtClean="0">
+                <a:latin typeface="Times New Roman" panose="02020603050405020304" pitchFamily="18" charset="0"/>
+                <a:cs typeface="Times New Roman" panose="02020603050405020304" pitchFamily="18" charset="0"/>
+              </a:rPr>
+              <a:t>用來指定加密的方法，</a:t>
+            </a:r>
+            <a:r>
+              <a:rPr lang="en-US" altLang="zh-TW" sz="1200" dirty="0" smtClean="0">
+                <a:latin typeface="Times New Roman" panose="02020603050405020304" pitchFamily="18" charset="0"/>
+                <a:cs typeface="Times New Roman" panose="02020603050405020304" pitchFamily="18" charset="0"/>
+              </a:rPr>
+              <a:t>payload</a:t>
+            </a:r>
+            <a:r>
+              <a:rPr lang="zh-TW" altLang="en-US" sz="1200" dirty="0" smtClean="0">
+                <a:latin typeface="Times New Roman" panose="02020603050405020304" pitchFamily="18" charset="0"/>
+                <a:cs typeface="Times New Roman" panose="02020603050405020304" pitchFamily="18" charset="0"/>
+              </a:rPr>
+              <a:t>用來儲存授權的相關資訊，</a:t>
+            </a:r>
+            <a:r>
+              <a:rPr lang="en-US" altLang="zh-TW" sz="1200" dirty="0" smtClean="0">
+                <a:latin typeface="Times New Roman" panose="02020603050405020304" pitchFamily="18" charset="0"/>
+                <a:cs typeface="Times New Roman" panose="02020603050405020304" pitchFamily="18" charset="0"/>
+              </a:rPr>
+              <a:t>signature</a:t>
+            </a:r>
+            <a:r>
+              <a:rPr lang="zh-TW" altLang="en-US" sz="1200" dirty="0" smtClean="0">
+                <a:latin typeface="Times New Roman" panose="02020603050405020304" pitchFamily="18" charset="0"/>
+                <a:cs typeface="Times New Roman" panose="02020603050405020304" pitchFamily="18" charset="0"/>
+              </a:rPr>
+              <a:t>則是將</a:t>
+            </a:r>
+            <a:r>
+              <a:rPr lang="en-US" altLang="zh-TW" sz="1200" dirty="0" smtClean="0">
+                <a:latin typeface="Times New Roman" panose="02020603050405020304" pitchFamily="18" charset="0"/>
+                <a:cs typeface="Times New Roman" panose="02020603050405020304" pitchFamily="18" charset="0"/>
+              </a:rPr>
+              <a:t>header</a:t>
+            </a:r>
+            <a:r>
+              <a:rPr lang="zh-TW" altLang="en-US" sz="1200" dirty="0" smtClean="0">
+                <a:latin typeface="Times New Roman" panose="02020603050405020304" pitchFamily="18" charset="0"/>
+                <a:cs typeface="Times New Roman" panose="02020603050405020304" pitchFamily="18" charset="0"/>
+              </a:rPr>
+              <a:t>與</a:t>
+            </a:r>
+            <a:r>
+              <a:rPr lang="en-US" altLang="zh-TW" sz="1200" dirty="0" smtClean="0">
+                <a:latin typeface="Times New Roman" panose="02020603050405020304" pitchFamily="18" charset="0"/>
+                <a:cs typeface="Times New Roman" panose="02020603050405020304" pitchFamily="18" charset="0"/>
+              </a:rPr>
+              <a:t>payload</a:t>
+            </a:r>
+            <a:r>
+              <a:rPr lang="zh-TW" altLang="en-US" sz="1200" dirty="0" smtClean="0">
+                <a:latin typeface="Times New Roman" panose="02020603050405020304" pitchFamily="18" charset="0"/>
+                <a:cs typeface="Times New Roman" panose="02020603050405020304" pitchFamily="18" charset="0"/>
+              </a:rPr>
+              <a:t>簽章加密後的訊息</a:t>
+            </a:r>
+            <a:endParaRPr lang="en-US" altLang="zh-TW" sz="1200" dirty="0" smtClean="0">
+              <a:latin typeface="Times New Roman" panose="02020603050405020304" pitchFamily="18" charset="0"/>
+              <a:cs typeface="Times New Roman" panose="02020603050405020304" pitchFamily="18" charset="0"/>
+            </a:endParaRPr>
+          </a:p>
+          <a:p>
+            <a:pPr marL="0" marR="0" lvl="0" indent="0" algn="l" defTabSz="914400" rtl="0" eaLnBrk="1" fontAlgn="auto" latinLnBrk="0" hangingPunct="1">
+              <a:lnSpc>
+                <a:spcPct val="100000"/>
+              </a:lnSpc>
+              <a:spcBef>
+                <a:spcPts val="0"/>
+              </a:spcBef>
+              <a:spcAft>
+                <a:spcPts val="0"/>
+              </a:spcAft>
+              <a:buClrTx/>
+              <a:buSzTx/>
+              <a:buFontTx/>
+              <a:buNone/>
+              <a:tabLst/>
+              <a:defRPr/>
+            </a:pPr>
+            <a:r>
+              <a:rPr lang="zh-TW" altLang="en-US" sz="1200" dirty="0" smtClean="0">
+                <a:latin typeface="Times New Roman" panose="02020603050405020304" pitchFamily="18" charset="0"/>
+                <a:cs typeface="Times New Roman" panose="02020603050405020304" pitchFamily="18" charset="0"/>
+              </a:rPr>
+              <a:t>數位簽章加密後得到的</a:t>
+            </a:r>
+            <a:r>
+              <a:rPr lang="en-US" altLang="zh-TW" sz="1200" dirty="0" smtClean="0">
+                <a:latin typeface="Times New Roman" panose="02020603050405020304" pitchFamily="18" charset="0"/>
+                <a:cs typeface="Times New Roman" panose="02020603050405020304" pitchFamily="18" charset="0"/>
+              </a:rPr>
+              <a:t>Base64 </a:t>
+            </a:r>
+            <a:r>
+              <a:rPr lang="zh-TW" altLang="en-US" sz="1200" dirty="0" smtClean="0">
+                <a:latin typeface="Times New Roman" panose="02020603050405020304" pitchFamily="18" charset="0"/>
+                <a:cs typeface="Times New Roman" panose="02020603050405020304" pitchFamily="18" charset="0"/>
+              </a:rPr>
+              <a:t>字串，可以在</a:t>
+            </a:r>
+            <a:r>
+              <a:rPr lang="en-US" altLang="zh-TW" sz="1200" dirty="0" smtClean="0">
+                <a:latin typeface="Times New Roman" panose="02020603050405020304" pitchFamily="18" charset="0"/>
+                <a:cs typeface="Times New Roman" panose="02020603050405020304" pitchFamily="18" charset="0"/>
+              </a:rPr>
+              <a:t>HTTP</a:t>
+            </a:r>
+            <a:r>
+              <a:rPr lang="zh-TW" altLang="en-US" sz="1200" dirty="0" smtClean="0">
+                <a:latin typeface="Times New Roman" panose="02020603050405020304" pitchFamily="18" charset="0"/>
+                <a:cs typeface="Times New Roman" panose="02020603050405020304" pitchFamily="18" charset="0"/>
+              </a:rPr>
+              <a:t>環境中通過</a:t>
+            </a:r>
+            <a:r>
+              <a:rPr lang="en-US" altLang="zh-TW" sz="1200" dirty="0" smtClean="0">
+                <a:latin typeface="Times New Roman" panose="02020603050405020304" pitchFamily="18" charset="0"/>
+                <a:cs typeface="Times New Roman" panose="02020603050405020304" pitchFamily="18" charset="0"/>
+              </a:rPr>
+              <a:t>URL</a:t>
+            </a:r>
+            <a:r>
+              <a:rPr lang="zh-TW" altLang="en-US" sz="1200" dirty="0" smtClean="0">
+                <a:latin typeface="Times New Roman" panose="02020603050405020304" pitchFamily="18" charset="0"/>
+                <a:cs typeface="Times New Roman" panose="02020603050405020304" pitchFamily="18" charset="0"/>
+              </a:rPr>
+              <a:t>、參數、</a:t>
+            </a:r>
+            <a:r>
+              <a:rPr lang="en-US" altLang="zh-TW" sz="1200" dirty="0" smtClean="0">
+                <a:latin typeface="Times New Roman" panose="02020603050405020304" pitchFamily="18" charset="0"/>
+                <a:cs typeface="Times New Roman" panose="02020603050405020304" pitchFamily="18" charset="0"/>
+              </a:rPr>
+              <a:t>HTTP header</a:t>
+            </a:r>
+            <a:r>
+              <a:rPr lang="zh-TW" altLang="en-US" sz="1200" dirty="0" smtClean="0">
+                <a:latin typeface="Times New Roman" panose="02020603050405020304" pitchFamily="18" charset="0"/>
+                <a:cs typeface="Times New Roman" panose="02020603050405020304" pitchFamily="18" charset="0"/>
+              </a:rPr>
+              <a:t>等方式輕易的傳輸</a:t>
+            </a:r>
+            <a:endParaRPr lang="en-US" altLang="zh-TW" sz="1200" dirty="0" smtClean="0">
+              <a:latin typeface="Times New Roman" panose="02020603050405020304" pitchFamily="18" charset="0"/>
+              <a:cs typeface="Times New Roman" panose="02020603050405020304" pitchFamily="18" charset="0"/>
+            </a:endParaRPr>
+          </a:p>
+          <a:p>
+            <a:endParaRPr lang="en-US" altLang="zh-TW" sz="1200" kern="1200" dirty="0" smtClean="0">
+              <a:solidFill>
+                <a:schemeClr val="tx1"/>
+              </a:solidFill>
+              <a:effectLst/>
+              <a:latin typeface="+mn-lt"/>
+              <a:ea typeface="+mn-ea"/>
+              <a:cs typeface="+mn-cs"/>
+            </a:endParaRPr>
+          </a:p>
+          <a:p>
+            <a:r>
+              <a:rPr lang="en-US" altLang="zh-TW" sz="1200" kern="1200" dirty="0" smtClean="0">
+                <a:solidFill>
+                  <a:schemeClr val="tx1"/>
+                </a:solidFill>
+                <a:effectLst/>
+                <a:latin typeface="+mn-lt"/>
+                <a:ea typeface="+mn-ea"/>
+                <a:cs typeface="+mn-cs"/>
+              </a:rPr>
+              <a:t>Header</a:t>
+            </a:r>
+            <a:r>
+              <a:rPr lang="zh-TW" altLang="zh-TW" sz="1200" kern="1200" dirty="0" smtClean="0">
+                <a:solidFill>
+                  <a:schemeClr val="tx1"/>
+                </a:solidFill>
+                <a:effectLst/>
+                <a:latin typeface="+mn-lt"/>
+                <a:ea typeface="+mn-ea"/>
+                <a:cs typeface="+mn-cs"/>
+              </a:rPr>
+              <a:t>：用來指定</a:t>
+            </a:r>
+            <a:r>
+              <a:rPr lang="en-US" altLang="zh-TW" sz="1200" kern="1200" dirty="0" smtClean="0">
+                <a:solidFill>
+                  <a:schemeClr val="tx1"/>
+                </a:solidFill>
+                <a:effectLst/>
+                <a:latin typeface="+mn-lt"/>
+                <a:ea typeface="+mn-ea"/>
+                <a:cs typeface="+mn-cs"/>
+              </a:rPr>
+              <a:t>JWT</a:t>
+            </a:r>
+            <a:r>
+              <a:rPr lang="zh-TW" altLang="zh-TW" sz="1200" kern="1200" dirty="0" smtClean="0">
+                <a:solidFill>
+                  <a:schemeClr val="tx1"/>
+                </a:solidFill>
+                <a:effectLst/>
+                <a:latin typeface="+mn-lt"/>
+                <a:ea typeface="+mn-ea"/>
+                <a:cs typeface="+mn-cs"/>
+              </a:rPr>
+              <a:t>的</a:t>
+            </a:r>
+            <a:r>
+              <a:rPr lang="en-US" altLang="zh-TW" sz="1200" kern="1200" dirty="0" smtClean="0">
+                <a:solidFill>
+                  <a:schemeClr val="tx1"/>
+                </a:solidFill>
+                <a:effectLst/>
+                <a:latin typeface="+mn-lt"/>
+                <a:ea typeface="+mn-ea"/>
+                <a:cs typeface="+mn-cs"/>
+              </a:rPr>
+              <a:t>token</a:t>
+            </a:r>
+            <a:r>
+              <a:rPr lang="zh-TW" altLang="zh-TW" sz="1200" kern="1200" dirty="0" smtClean="0">
+                <a:solidFill>
+                  <a:schemeClr val="tx1"/>
+                </a:solidFill>
+                <a:effectLst/>
+                <a:latin typeface="+mn-lt"/>
+                <a:ea typeface="+mn-ea"/>
+                <a:cs typeface="+mn-cs"/>
+              </a:rPr>
+              <a:t>所使用的加密方法，包含了</a:t>
+            </a:r>
+            <a:r>
+              <a:rPr lang="en-US" altLang="zh-TW" sz="1200" kern="1200" dirty="0" err="1" smtClean="0">
+                <a:solidFill>
+                  <a:schemeClr val="tx1"/>
+                </a:solidFill>
+                <a:effectLst/>
+                <a:latin typeface="+mn-lt"/>
+                <a:ea typeface="+mn-ea"/>
+                <a:cs typeface="+mn-cs"/>
+              </a:rPr>
+              <a:t>alg</a:t>
+            </a:r>
+            <a:r>
+              <a:rPr lang="en-US" altLang="zh-TW" sz="1200" kern="1200" dirty="0" smtClean="0">
+                <a:solidFill>
+                  <a:schemeClr val="tx1"/>
+                </a:solidFill>
+                <a:effectLst/>
+                <a:latin typeface="+mn-lt"/>
+                <a:ea typeface="+mn-ea"/>
+                <a:cs typeface="+mn-cs"/>
+              </a:rPr>
+              <a:t>(token</a:t>
+            </a:r>
+            <a:r>
+              <a:rPr lang="zh-TW" altLang="zh-TW" sz="1200" kern="1200" dirty="0" smtClean="0">
+                <a:solidFill>
+                  <a:schemeClr val="tx1"/>
+                </a:solidFill>
+                <a:effectLst/>
+                <a:latin typeface="+mn-lt"/>
+                <a:ea typeface="+mn-ea"/>
+                <a:cs typeface="+mn-cs"/>
+              </a:rPr>
+              <a:t>所使用的加密演算法</a:t>
+            </a:r>
+            <a:r>
+              <a:rPr lang="en-US" altLang="zh-TW" sz="1200" kern="1200" dirty="0" smtClean="0">
+                <a:solidFill>
+                  <a:schemeClr val="tx1"/>
+                </a:solidFill>
+                <a:effectLst/>
+                <a:latin typeface="+mn-lt"/>
+                <a:ea typeface="+mn-ea"/>
+                <a:cs typeface="+mn-cs"/>
+              </a:rPr>
+              <a:t>)</a:t>
+            </a:r>
+            <a:r>
+              <a:rPr lang="zh-TW" altLang="zh-TW" sz="1200" kern="1200" dirty="0" smtClean="0">
+                <a:solidFill>
+                  <a:schemeClr val="tx1"/>
+                </a:solidFill>
+                <a:effectLst/>
+                <a:latin typeface="+mn-lt"/>
+                <a:ea typeface="+mn-ea"/>
+                <a:cs typeface="+mn-cs"/>
+              </a:rPr>
+              <a:t>與</a:t>
+            </a:r>
+            <a:r>
+              <a:rPr lang="en-US" altLang="zh-TW" sz="1200" kern="1200" dirty="0" err="1" smtClean="0">
+                <a:solidFill>
+                  <a:schemeClr val="tx1"/>
+                </a:solidFill>
+                <a:effectLst/>
+                <a:latin typeface="+mn-lt"/>
+                <a:ea typeface="+mn-ea"/>
+                <a:cs typeface="+mn-cs"/>
+              </a:rPr>
+              <a:t>typ</a:t>
+            </a:r>
+            <a:r>
+              <a:rPr lang="en-US" altLang="zh-TW" sz="1200" kern="1200" dirty="0" smtClean="0">
+                <a:solidFill>
+                  <a:schemeClr val="tx1"/>
+                </a:solidFill>
+                <a:effectLst/>
+                <a:latin typeface="+mn-lt"/>
+                <a:ea typeface="+mn-ea"/>
+                <a:cs typeface="+mn-cs"/>
+              </a:rPr>
+              <a:t>(token</a:t>
+            </a:r>
+            <a:r>
+              <a:rPr lang="zh-TW" altLang="zh-TW" sz="1200" kern="1200" dirty="0" smtClean="0">
+                <a:solidFill>
+                  <a:schemeClr val="tx1"/>
+                </a:solidFill>
+                <a:effectLst/>
+                <a:latin typeface="+mn-lt"/>
+                <a:ea typeface="+mn-ea"/>
+                <a:cs typeface="+mn-cs"/>
+              </a:rPr>
+              <a:t>的類型</a:t>
+            </a:r>
+            <a:r>
+              <a:rPr lang="en-US" altLang="zh-TW" sz="1200" kern="1200" dirty="0" smtClean="0">
+                <a:solidFill>
+                  <a:schemeClr val="tx1"/>
+                </a:solidFill>
+                <a:effectLst/>
+                <a:latin typeface="+mn-lt"/>
+                <a:ea typeface="+mn-ea"/>
+                <a:cs typeface="+mn-cs"/>
+              </a:rPr>
+              <a:t>)</a:t>
+            </a:r>
+            <a:r>
+              <a:rPr lang="zh-TW" altLang="zh-TW" sz="1200" kern="1200" dirty="0" smtClean="0">
+                <a:solidFill>
+                  <a:schemeClr val="tx1"/>
+                </a:solidFill>
+                <a:effectLst/>
+                <a:latin typeface="+mn-lt"/>
+                <a:ea typeface="+mn-ea"/>
+                <a:cs typeface="+mn-cs"/>
+              </a:rPr>
+              <a:t>兩個部分。</a:t>
+            </a:r>
+          </a:p>
+          <a:p>
+            <a:r>
+              <a:rPr lang="en-US" altLang="zh-TW" sz="1200" kern="1200" dirty="0" smtClean="0">
+                <a:solidFill>
+                  <a:schemeClr val="tx1"/>
+                </a:solidFill>
+                <a:effectLst/>
+                <a:latin typeface="+mn-lt"/>
+                <a:ea typeface="+mn-ea"/>
+                <a:cs typeface="+mn-cs"/>
+              </a:rPr>
+              <a:t>Payload</a:t>
+            </a:r>
+            <a:r>
+              <a:rPr lang="zh-TW" altLang="zh-TW" sz="1200" kern="1200" dirty="0" smtClean="0">
+                <a:solidFill>
+                  <a:schemeClr val="tx1"/>
+                </a:solidFill>
+                <a:effectLst/>
+                <a:latin typeface="+mn-lt"/>
+                <a:ea typeface="+mn-ea"/>
+                <a:cs typeface="+mn-cs"/>
+              </a:rPr>
+              <a:t>：用來儲存授權用戶與</a:t>
+            </a:r>
+            <a:r>
+              <a:rPr lang="en-US" altLang="zh-TW" sz="1200" kern="1200" dirty="0" smtClean="0">
+                <a:solidFill>
+                  <a:schemeClr val="tx1"/>
+                </a:solidFill>
+                <a:effectLst/>
+                <a:latin typeface="+mn-lt"/>
+                <a:ea typeface="+mn-ea"/>
+                <a:cs typeface="+mn-cs"/>
+              </a:rPr>
+              <a:t>token</a:t>
+            </a:r>
+            <a:r>
+              <a:rPr lang="zh-TW" altLang="zh-TW" sz="1200" kern="1200" dirty="0" smtClean="0">
+                <a:solidFill>
+                  <a:schemeClr val="tx1"/>
+                </a:solidFill>
+                <a:effectLst/>
+                <a:latin typeface="+mn-lt"/>
+                <a:ea typeface="+mn-ea"/>
+                <a:cs typeface="+mn-cs"/>
+              </a:rPr>
+              <a:t>的資訊，包含授權用戶的身份、要調閱的資源連結、</a:t>
+            </a:r>
+            <a:r>
+              <a:rPr lang="en-US" altLang="zh-TW" sz="1200" kern="1200" dirty="0" smtClean="0">
+                <a:solidFill>
+                  <a:schemeClr val="tx1"/>
+                </a:solidFill>
+                <a:effectLst/>
+                <a:latin typeface="+mn-lt"/>
+                <a:ea typeface="+mn-ea"/>
+                <a:cs typeface="+mn-cs"/>
+              </a:rPr>
+              <a:t>token</a:t>
+            </a:r>
+            <a:r>
+              <a:rPr lang="zh-TW" altLang="zh-TW" sz="1200" kern="1200" dirty="0" smtClean="0">
+                <a:solidFill>
+                  <a:schemeClr val="tx1"/>
+                </a:solidFill>
+                <a:effectLst/>
+                <a:latin typeface="+mn-lt"/>
+                <a:ea typeface="+mn-ea"/>
+                <a:cs typeface="+mn-cs"/>
+              </a:rPr>
+              <a:t>有效時限等等。</a:t>
+            </a:r>
+          </a:p>
+          <a:p>
+            <a:r>
+              <a:rPr lang="en-US" altLang="zh-TW" sz="1200" kern="1200" dirty="0" smtClean="0">
+                <a:solidFill>
+                  <a:schemeClr val="tx1"/>
+                </a:solidFill>
+                <a:effectLst/>
+                <a:latin typeface="+mn-lt"/>
+                <a:ea typeface="+mn-ea"/>
+                <a:cs typeface="+mn-cs"/>
+              </a:rPr>
+              <a:t>Signature</a:t>
+            </a:r>
+            <a:r>
+              <a:rPr lang="zh-TW" altLang="zh-TW" sz="1200" kern="1200" dirty="0" smtClean="0">
+                <a:solidFill>
+                  <a:schemeClr val="tx1"/>
+                </a:solidFill>
+                <a:effectLst/>
+                <a:latin typeface="+mn-lt"/>
+                <a:ea typeface="+mn-ea"/>
+                <a:cs typeface="+mn-cs"/>
+              </a:rPr>
+              <a:t>：須遵循</a:t>
+            </a:r>
+            <a:r>
+              <a:rPr lang="en-US" altLang="zh-TW" sz="1200" kern="1200" dirty="0" smtClean="0">
+                <a:solidFill>
+                  <a:schemeClr val="tx1"/>
+                </a:solidFill>
+                <a:effectLst/>
+                <a:latin typeface="+mn-lt"/>
+                <a:ea typeface="+mn-ea"/>
+                <a:cs typeface="+mn-cs"/>
+              </a:rPr>
+              <a:t>JSON Web Signature (JWS)</a:t>
+            </a:r>
+            <a:r>
+              <a:rPr lang="zh-TW" altLang="zh-TW" sz="1200" kern="1200" dirty="0" smtClean="0">
+                <a:solidFill>
+                  <a:schemeClr val="tx1"/>
+                </a:solidFill>
+                <a:effectLst/>
+                <a:latin typeface="+mn-lt"/>
+                <a:ea typeface="+mn-ea"/>
+                <a:cs typeface="+mn-cs"/>
+              </a:rPr>
+              <a:t>的規範，必須使用</a:t>
+            </a:r>
+            <a:r>
+              <a:rPr lang="en-US" altLang="zh-TW" sz="1200" kern="1200" dirty="0" smtClean="0">
+                <a:solidFill>
+                  <a:schemeClr val="tx1"/>
+                </a:solidFill>
+                <a:effectLst/>
+                <a:latin typeface="+mn-lt"/>
+                <a:ea typeface="+mn-ea"/>
+                <a:cs typeface="+mn-cs"/>
+              </a:rPr>
+              <a:t>Header</a:t>
+            </a:r>
+            <a:r>
+              <a:rPr lang="zh-TW" altLang="zh-TW" sz="1200" kern="1200" dirty="0" smtClean="0">
+                <a:solidFill>
+                  <a:schemeClr val="tx1"/>
+                </a:solidFill>
+                <a:effectLst/>
+                <a:latin typeface="+mn-lt"/>
+                <a:ea typeface="+mn-ea"/>
+                <a:cs typeface="+mn-cs"/>
+              </a:rPr>
+              <a:t>所指定的</a:t>
+            </a:r>
+            <a:r>
+              <a:rPr lang="en-US" altLang="zh-TW" sz="1200" kern="1200" dirty="0" err="1" smtClean="0">
+                <a:solidFill>
+                  <a:schemeClr val="tx1"/>
+                </a:solidFill>
+                <a:effectLst/>
+                <a:latin typeface="+mn-lt"/>
+                <a:ea typeface="+mn-ea"/>
+                <a:cs typeface="+mn-cs"/>
+              </a:rPr>
+              <a:t>alg</a:t>
+            </a:r>
+            <a:r>
+              <a:rPr lang="zh-TW" altLang="zh-TW" sz="1200" kern="1200" dirty="0" smtClean="0">
+                <a:solidFill>
+                  <a:schemeClr val="tx1"/>
+                </a:solidFill>
+                <a:effectLst/>
+                <a:latin typeface="+mn-lt"/>
+                <a:ea typeface="+mn-ea"/>
+                <a:cs typeface="+mn-cs"/>
+              </a:rPr>
+              <a:t>，將</a:t>
+            </a:r>
+            <a:r>
+              <a:rPr lang="en-US" altLang="zh-TW" sz="1200" kern="1200" dirty="0" smtClean="0">
+                <a:solidFill>
+                  <a:schemeClr val="tx1"/>
+                </a:solidFill>
+                <a:effectLst/>
+                <a:latin typeface="+mn-lt"/>
+                <a:ea typeface="+mn-ea"/>
+                <a:cs typeface="+mn-cs"/>
+              </a:rPr>
+              <a:t>Header</a:t>
+            </a:r>
+            <a:r>
+              <a:rPr lang="zh-TW" altLang="zh-TW" sz="1200" kern="1200" dirty="0" smtClean="0">
+                <a:solidFill>
+                  <a:schemeClr val="tx1"/>
+                </a:solidFill>
+                <a:effectLst/>
+                <a:latin typeface="+mn-lt"/>
+                <a:ea typeface="+mn-ea"/>
+                <a:cs typeface="+mn-cs"/>
+              </a:rPr>
+              <a:t>與</a:t>
+            </a:r>
+            <a:r>
+              <a:rPr lang="en-US" altLang="zh-TW" sz="1200" kern="1200" dirty="0" smtClean="0">
+                <a:solidFill>
+                  <a:schemeClr val="tx1"/>
+                </a:solidFill>
+                <a:effectLst/>
+                <a:latin typeface="+mn-lt"/>
+                <a:ea typeface="+mn-ea"/>
+                <a:cs typeface="+mn-cs"/>
+              </a:rPr>
+              <a:t>Payload</a:t>
+            </a:r>
+            <a:r>
+              <a:rPr lang="zh-TW" altLang="zh-TW" sz="1200" kern="1200" dirty="0" smtClean="0">
+                <a:solidFill>
+                  <a:schemeClr val="tx1"/>
+                </a:solidFill>
+                <a:effectLst/>
+                <a:latin typeface="+mn-lt"/>
+                <a:ea typeface="+mn-ea"/>
+                <a:cs typeface="+mn-cs"/>
+              </a:rPr>
+              <a:t>進行加密簽章，目的在於驗證</a:t>
+            </a:r>
+            <a:r>
+              <a:rPr lang="en-US" altLang="zh-TW" sz="1200" kern="1200" dirty="0" smtClean="0">
+                <a:solidFill>
+                  <a:schemeClr val="tx1"/>
+                </a:solidFill>
+                <a:effectLst/>
+                <a:latin typeface="+mn-lt"/>
+                <a:ea typeface="+mn-ea"/>
+                <a:cs typeface="+mn-cs"/>
+              </a:rPr>
+              <a:t>JWT</a:t>
+            </a:r>
+            <a:r>
+              <a:rPr lang="zh-TW" altLang="zh-TW" sz="1200" kern="1200" dirty="0" smtClean="0">
+                <a:solidFill>
+                  <a:schemeClr val="tx1"/>
+                </a:solidFill>
+                <a:effectLst/>
+                <a:latin typeface="+mn-lt"/>
+                <a:ea typeface="+mn-ea"/>
+                <a:cs typeface="+mn-cs"/>
+              </a:rPr>
+              <a:t>的簽發者，也可避免</a:t>
+            </a:r>
+            <a:r>
+              <a:rPr lang="en-US" altLang="zh-TW" sz="1200" kern="1200" dirty="0" smtClean="0">
+                <a:solidFill>
+                  <a:schemeClr val="tx1"/>
+                </a:solidFill>
+                <a:effectLst/>
+                <a:latin typeface="+mn-lt"/>
+                <a:ea typeface="+mn-ea"/>
+                <a:cs typeface="+mn-cs"/>
+              </a:rPr>
+              <a:t>token</a:t>
+            </a:r>
+            <a:r>
+              <a:rPr lang="zh-TW" altLang="zh-TW" sz="1200" kern="1200" dirty="0" smtClean="0">
+                <a:solidFill>
+                  <a:schemeClr val="tx1"/>
+                </a:solidFill>
+                <a:effectLst/>
+                <a:latin typeface="+mn-lt"/>
+                <a:ea typeface="+mn-ea"/>
+                <a:cs typeface="+mn-cs"/>
+              </a:rPr>
+              <a:t>在傳輸中被竄改。</a:t>
+            </a:r>
+            <a:endParaRPr lang="zh-TW" altLang="zh-TW" sz="1200" kern="1200" dirty="0">
+              <a:solidFill>
+                <a:schemeClr val="tx1"/>
+              </a:solidFill>
+              <a:effectLst/>
+              <a:latin typeface="+mn-lt"/>
+              <a:ea typeface="+mn-ea"/>
+              <a:cs typeface="+mn-cs"/>
+            </a:endParaRPr>
+          </a:p>
+        </p:txBody>
+      </p:sp>
+      <p:sp>
+        <p:nvSpPr>
+          <p:cNvPr id="4" name="投影片編號版面配置區 3"/>
+          <p:cNvSpPr>
+            <a:spLocks noGrp="1"/>
+          </p:cNvSpPr>
+          <p:nvPr>
+            <p:ph type="sldNum" sz="quarter" idx="10"/>
+          </p:nvPr>
+        </p:nvSpPr>
+        <p:spPr/>
+        <p:txBody>
+          <a:bodyPr/>
+          <a:lstStyle/>
+          <a:p>
+            <a:fld id="{2EA72FE6-3BDE-4ED3-9961-D7E8DFAA224D}" type="slidenum">
+              <a:rPr lang="zh-TW" altLang="en-US" smtClean="0"/>
+              <a:t>22</a:t>
+            </a:fld>
+            <a:endParaRPr lang="zh-TW" altLang="en-US"/>
+          </a:p>
+        </p:txBody>
+      </p:sp>
+    </p:spTree>
+    <p:extLst>
+      <p:ext uri="{BB962C8B-B14F-4D97-AF65-F5344CB8AC3E}">
+        <p14:creationId xmlns:p14="http://schemas.microsoft.com/office/powerpoint/2010/main" val="1588009179"/>
+      </p:ext>
+    </p:extLst>
+  </p:cSld>
+  <p:clrMapOvr>
+    <a:masterClrMapping/>
+  </p:clrMapOvr>
+</p:notes>
+</file>
+
 <file path=ppt/slideLayouts/slideLayout1.xml><?xml version="1.0" encoding="utf-8"?>
 <p:sldLayout xmlns:a="http://schemas.openxmlformats.org/drawingml/2006/main" xmlns:r="http://schemas.openxmlformats.org/officeDocument/2006/relationships" xmlns:p="http://schemas.openxmlformats.org/presentationml/2006/main" type="title" preserve="1">
   <p:cSld name="標題投影片">
@@ -651,7 +2452,7 @@
             <a:fld id="{5BBEAD13-0566-4C6C-97E7-55F17F24B09F}" type="datetimeFigureOut">
               <a:rPr lang="zh-TW" altLang="en-US" smtClean="0"/>
               <a:pPr/>
-              <a:t>2019/6/30</a:t>
+              <a:t>2019/10/1</a:t>
             </a:fld>
             <a:endParaRPr lang="zh-TW" altLang="en-US"/>
           </a:p>
@@ -818,7 +2619,7 @@
             <a:fld id="{5BBEAD13-0566-4C6C-97E7-55F17F24B09F}" type="datetimeFigureOut">
               <a:rPr lang="zh-TW" altLang="en-US" smtClean="0"/>
               <a:pPr/>
-              <a:t>2019/6/30</a:t>
+              <a:t>2019/10/1</a:t>
             </a:fld>
             <a:endParaRPr lang="zh-TW" altLang="en-US"/>
           </a:p>
@@ -995,7 +2796,7 @@
             <a:fld id="{5BBEAD13-0566-4C6C-97E7-55F17F24B09F}" type="datetimeFigureOut">
               <a:rPr lang="zh-TW" altLang="en-US" smtClean="0"/>
               <a:pPr/>
-              <a:t>2019/6/30</a:t>
+              <a:t>2019/10/1</a:t>
             </a:fld>
             <a:endParaRPr lang="zh-TW" altLang="en-US"/>
           </a:p>
@@ -1049,6 +2850,172 @@
   <p:clrMapOvr>
     <a:masterClrMapping/>
   </p:clrMapOvr>
+</p:sldLayout>
+</file>
+
+<file path=ppt/slideLayouts/slideLayout12.xml><?xml version="1.0" encoding="utf-8"?>
+<p:sldLayout xmlns:a="http://schemas.openxmlformats.org/drawingml/2006/main" xmlns:r="http://schemas.openxmlformats.org/officeDocument/2006/relationships" xmlns:p="http://schemas.openxmlformats.org/presentationml/2006/main" userDrawn="1">
+  <p:cSld name="Single Column">
+    <p:spTree>
+      <p:nvGrpSpPr>
+        <p:cNvPr id="1" name=""/>
+        <p:cNvGrpSpPr/>
+        <p:nvPr/>
+      </p:nvGrpSpPr>
+      <p:grpSpPr>
+        <a:xfrm>
+          <a:off x="0" y="0"/>
+          <a:ext cx="0" cy="0"/>
+          <a:chOff x="0" y="0"/>
+          <a:chExt cx="0" cy="0"/>
+        </a:xfrm>
+      </p:grpSpPr>
+      <p:sp>
+        <p:nvSpPr>
+          <p:cNvPr id="3" name="Content Placeholder 2"/>
+          <p:cNvSpPr>
+            <a:spLocks noGrp="1"/>
+          </p:cNvSpPr>
+          <p:nvPr>
+            <p:ph idx="1"/>
+          </p:nvPr>
+        </p:nvSpPr>
+        <p:spPr>
+          <a:xfrm>
+            <a:off x="609952" y="1575794"/>
+            <a:ext cx="7781413" cy="4161255"/>
+          </a:xfrm>
+          <a:prstGeom prst="rect">
+            <a:avLst/>
+          </a:prstGeom>
+        </p:spPr>
+        <p:txBody>
+          <a:bodyPr>
+            <a:noAutofit/>
+          </a:bodyPr>
+          <a:lstStyle>
+            <a:lvl1pPr>
+              <a:defRPr sz="1125"/>
+            </a:lvl1pPr>
+            <a:lvl2pPr>
+              <a:defRPr sz="1125"/>
+            </a:lvl2pPr>
+            <a:lvl3pPr>
+              <a:defRPr sz="1125"/>
+            </a:lvl3pPr>
+            <a:lvl4pPr>
+              <a:defRPr sz="1125"/>
+            </a:lvl4pPr>
+            <a:lvl5pPr>
+              <a:defRPr sz="1125"/>
+            </a:lvl5pPr>
+          </a:lstStyle>
+          <a:p>
+            <a:pPr lvl="0"/>
+            <a:r>
+              <a:rPr lang="en-US" noProof="0" smtClean="0"/>
+              <a:t>Click to edit Master text styles</a:t>
+            </a:r>
+          </a:p>
+          <a:p>
+            <a:pPr lvl="1"/>
+            <a:r>
+              <a:rPr lang="en-US" noProof="0" smtClean="0"/>
+              <a:t>Second level</a:t>
+            </a:r>
+          </a:p>
+          <a:p>
+            <a:pPr lvl="2"/>
+            <a:r>
+              <a:rPr lang="en-US" noProof="0" smtClean="0"/>
+              <a:t>Third level</a:t>
+            </a:r>
+          </a:p>
+          <a:p>
+            <a:pPr lvl="3"/>
+            <a:r>
+              <a:rPr lang="en-US" noProof="0" smtClean="0"/>
+              <a:t>Fourth level</a:t>
+            </a:r>
+          </a:p>
+          <a:p>
+            <a:pPr lvl="4"/>
+            <a:r>
+              <a:rPr lang="en-US" noProof="0" smtClean="0"/>
+              <a:t>Fifth level</a:t>
+            </a:r>
+            <a:endParaRPr lang="en-US" noProof="0"/>
+          </a:p>
+        </p:txBody>
+      </p:sp>
+      <p:sp>
+        <p:nvSpPr>
+          <p:cNvPr id="4" name="Title Placeholder 1"/>
+          <p:cNvSpPr>
+            <a:spLocks noGrp="1"/>
+          </p:cNvSpPr>
+          <p:nvPr>
+            <p:ph type="title"/>
+          </p:nvPr>
+        </p:nvSpPr>
+        <p:spPr>
+          <a:xfrm>
+            <a:off x="244221" y="54467"/>
+            <a:ext cx="8181808" cy="634083"/>
+          </a:xfrm>
+          <a:prstGeom prst="rect">
+            <a:avLst/>
+          </a:prstGeom>
+        </p:spPr>
+        <p:txBody>
+          <a:bodyPr vert="horz" lIns="0" tIns="0" rIns="0" bIns="0" rtlCol="0" anchor="ctr">
+            <a:normAutofit/>
+          </a:bodyPr>
+          <a:lstStyle>
+            <a:lvl1pPr>
+              <a:defRPr sz="1200" b="1" i="0">
+                <a:solidFill>
+                  <a:schemeClr val="accent2"/>
+                </a:solidFill>
+                <a:latin typeface="Arial"/>
+                <a:cs typeface="Arial"/>
+              </a:defRPr>
+            </a:lvl1pPr>
+          </a:lstStyle>
+          <a:p>
+            <a:r>
+              <a:rPr lang="en-US" noProof="0" smtClean="0"/>
+              <a:t>Click to edit Master title style</a:t>
+            </a:r>
+            <a:endParaRPr lang="en-US" noProof="0"/>
+          </a:p>
+        </p:txBody>
+      </p:sp>
+    </p:spTree>
+    <p:extLst>
+      <p:ext uri="{BB962C8B-B14F-4D97-AF65-F5344CB8AC3E}">
+        <p14:creationId xmlns:p14="http://schemas.microsoft.com/office/powerpoint/2010/main" val="446405404"/>
+      </p:ext>
+    </p:extLst>
+  </p:cSld>
+  <p:clrMapOvr>
+    <a:masterClrMapping/>
+  </p:clrMapOvr>
+  <mc:AlternateContent xmlns:mc="http://schemas.openxmlformats.org/markup-compatibility/2006" xmlns:p14="http://schemas.microsoft.com/office/powerpoint/2010/main">
+    <mc:Choice Requires="p14">
+      <p:transition p14:dur="10"/>
+    </mc:Choice>
+    <mc:Fallback xmlns="">
+      <p:transition/>
+    </mc:Fallback>
+  </mc:AlternateContent>
+  <p:timing>
+    <p:tnLst>
+      <p:par>
+        <p:cTn id="1" dur="indefinite" restart="never" nodeType="tmRoot"/>
+      </p:par>
+    </p:tnLst>
+  </p:timing>
 </p:sldLayout>
 </file>
 
@@ -1162,7 +3129,7 @@
             <a:fld id="{5BBEAD13-0566-4C6C-97E7-55F17F24B09F}" type="datetimeFigureOut">
               <a:rPr lang="zh-TW" altLang="en-US" smtClean="0"/>
               <a:pPr/>
-              <a:t>2019/6/30</a:t>
+              <a:t>2019/10/1</a:t>
             </a:fld>
             <a:endParaRPr lang="zh-TW" altLang="en-US"/>
           </a:p>
@@ -1405,7 +3372,7 @@
             <a:fld id="{5BBEAD13-0566-4C6C-97E7-55F17F24B09F}" type="datetimeFigureOut">
               <a:rPr lang="zh-TW" altLang="en-US" smtClean="0"/>
               <a:pPr/>
-              <a:t>2019/6/30</a:t>
+              <a:t>2019/10/1</a:t>
             </a:fld>
             <a:endParaRPr lang="zh-TW" altLang="en-US"/>
           </a:p>
@@ -1690,7 +3657,7 @@
             <a:fld id="{5BBEAD13-0566-4C6C-97E7-55F17F24B09F}" type="datetimeFigureOut">
               <a:rPr lang="zh-TW" altLang="en-US" smtClean="0"/>
               <a:pPr/>
-              <a:t>2019/6/30</a:t>
+              <a:t>2019/10/1</a:t>
             </a:fld>
             <a:endParaRPr lang="zh-TW" altLang="en-US"/>
           </a:p>
@@ -2109,7 +4076,7 @@
             <a:fld id="{5BBEAD13-0566-4C6C-97E7-55F17F24B09F}" type="datetimeFigureOut">
               <a:rPr lang="zh-TW" altLang="en-US" smtClean="0"/>
               <a:pPr/>
-              <a:t>2019/6/30</a:t>
+              <a:t>2019/10/1</a:t>
             </a:fld>
             <a:endParaRPr lang="zh-TW" altLang="en-US"/>
           </a:p>
@@ -2224,7 +4191,7 @@
             <a:fld id="{5BBEAD13-0566-4C6C-97E7-55F17F24B09F}" type="datetimeFigureOut">
               <a:rPr lang="zh-TW" altLang="en-US" smtClean="0"/>
               <a:pPr/>
-              <a:t>2019/6/30</a:t>
+              <a:t>2019/10/1</a:t>
             </a:fld>
             <a:endParaRPr lang="zh-TW" altLang="en-US"/>
           </a:p>
@@ -2316,7 +4283,7 @@
             <a:fld id="{5BBEAD13-0566-4C6C-97E7-55F17F24B09F}" type="datetimeFigureOut">
               <a:rPr lang="zh-TW" altLang="en-US" smtClean="0"/>
               <a:pPr/>
-              <a:t>2019/6/30</a:t>
+              <a:t>2019/10/1</a:t>
             </a:fld>
             <a:endParaRPr lang="zh-TW" altLang="en-US"/>
           </a:p>
@@ -2590,7 +4557,7 @@
             <a:fld id="{5BBEAD13-0566-4C6C-97E7-55F17F24B09F}" type="datetimeFigureOut">
               <a:rPr lang="zh-TW" altLang="en-US" smtClean="0"/>
               <a:pPr/>
-              <a:t>2019/6/30</a:t>
+              <a:t>2019/10/1</a:t>
             </a:fld>
             <a:endParaRPr lang="zh-TW" altLang="en-US"/>
           </a:p>
@@ -2840,7 +4807,7 @@
             <a:fld id="{5BBEAD13-0566-4C6C-97E7-55F17F24B09F}" type="datetimeFigureOut">
               <a:rPr lang="zh-TW" altLang="en-US" smtClean="0"/>
               <a:pPr/>
-              <a:t>2019/6/30</a:t>
+              <a:t>2019/10/1</a:t>
             </a:fld>
             <a:endParaRPr lang="zh-TW" altLang="en-US"/>
           </a:p>
@@ -3050,7 +5017,7 @@
             <a:fld id="{5BBEAD13-0566-4C6C-97E7-55F17F24B09F}" type="datetimeFigureOut">
               <a:rPr lang="zh-TW" altLang="en-US" smtClean="0"/>
               <a:pPr/>
-              <a:t>2019/6/30</a:t>
+              <a:t>2019/10/1</a:t>
             </a:fld>
             <a:endParaRPr lang="zh-TW" altLang="en-US"/>
           </a:p>
@@ -3150,6 +5117,7 @@
     <p:sldLayoutId id="2147483657" r:id="rId9"/>
     <p:sldLayoutId id="2147483658" r:id="rId10"/>
     <p:sldLayoutId id="2147483659" r:id="rId11"/>
+    <p:sldLayoutId id="2147483660" r:id="rId12"/>
   </p:sldLayoutIdLst>
   <p:txStyles>
     <p:titleStyle>
@@ -3494,7 +5462,3327 @@
 </p:sld>
 </file>
 
+<file path=ppt/slides/slide10.xml><?xml version="1.0" encoding="utf-8"?>
+<p:sld xmlns:a="http://schemas.openxmlformats.org/drawingml/2006/main" xmlns:r="http://schemas.openxmlformats.org/officeDocument/2006/relationships" xmlns:p="http://schemas.openxmlformats.org/presentationml/2006/main">
+  <p:cSld>
+    <p:spTree>
+      <p:nvGrpSpPr>
+        <p:cNvPr id="1" name=""/>
+        <p:cNvGrpSpPr/>
+        <p:nvPr/>
+      </p:nvGrpSpPr>
+      <p:grpSpPr>
+        <a:xfrm>
+          <a:off x="0" y="0"/>
+          <a:ext cx="0" cy="0"/>
+          <a:chOff x="0" y="0"/>
+          <a:chExt cx="0" cy="0"/>
+        </a:xfrm>
+      </p:grpSpPr>
+      <p:sp>
+        <p:nvSpPr>
+          <p:cNvPr id="2" name="標題 1"/>
+          <p:cNvSpPr>
+            <a:spLocks noGrp="1"/>
+          </p:cNvSpPr>
+          <p:nvPr>
+            <p:ph type="title"/>
+          </p:nvPr>
+        </p:nvSpPr>
+        <p:spPr>
+          <a:xfrm>
+            <a:off x="628650" y="1131097"/>
+            <a:ext cx="8156122" cy="994172"/>
+          </a:xfrm>
+        </p:spPr>
+        <p:txBody>
+          <a:bodyPr/>
+          <a:lstStyle/>
+          <a:p>
+            <a:pPr algn="ctr"/>
+            <a:r>
+              <a:rPr lang="zh-TW" altLang="en-US" dirty="0"/>
+              <a:t>可能的應用</a:t>
+            </a:r>
+          </a:p>
+        </p:txBody>
+      </p:sp>
+      <p:sp>
+        <p:nvSpPr>
+          <p:cNvPr id="3" name="內容版面配置區 2"/>
+          <p:cNvSpPr>
+            <a:spLocks noGrp="1"/>
+          </p:cNvSpPr>
+          <p:nvPr>
+            <p:ph idx="1"/>
+          </p:nvPr>
+        </p:nvSpPr>
+        <p:spPr/>
+        <p:txBody>
+          <a:bodyPr>
+            <a:normAutofit fontScale="92500"/>
+          </a:bodyPr>
+          <a:lstStyle/>
+          <a:p>
+            <a:r>
+              <a:rPr lang="zh-TW" altLang="en-US" dirty="0" smtClean="0"/>
+              <a:t>就醫前將</a:t>
+            </a:r>
+            <a:r>
+              <a:rPr lang="zh-TW" altLang="en-US" b="1" dirty="0" smtClean="0">
+                <a:solidFill>
+                  <a:srgbClr val="FF0000"/>
+                </a:solidFill>
+              </a:rPr>
+              <a:t>病人狀況及檢測資料</a:t>
+            </a:r>
+            <a:r>
+              <a:rPr lang="zh-TW" altLang="en-US" dirty="0" smtClean="0"/>
+              <a:t>轉入目標醫院</a:t>
+            </a:r>
+            <a:endParaRPr lang="en-US" altLang="zh-TW" dirty="0" smtClean="0"/>
+          </a:p>
+          <a:p>
+            <a:endParaRPr lang="en-US" altLang="zh-TW" dirty="0" smtClean="0"/>
+          </a:p>
+          <a:p>
+            <a:r>
+              <a:rPr lang="zh-TW" altLang="en-US" dirty="0" smtClean="0"/>
+              <a:t>就醫遠距諮詢</a:t>
+            </a:r>
+            <a:endParaRPr lang="en-US" altLang="zh-TW" dirty="0" smtClean="0"/>
+          </a:p>
+          <a:p>
+            <a:endParaRPr lang="en-US" altLang="zh-TW" dirty="0" smtClean="0"/>
+          </a:p>
+          <a:p>
+            <a:r>
+              <a:rPr lang="zh-TW" altLang="en-US" dirty="0" smtClean="0"/>
+              <a:t>就醫過程資訊整合服務</a:t>
+            </a:r>
+            <a:endParaRPr lang="en-US" altLang="zh-TW" dirty="0"/>
+          </a:p>
+          <a:p>
+            <a:pPr lvl="1"/>
+            <a:r>
+              <a:rPr lang="zh-TW" altLang="en-US" dirty="0" smtClean="0"/>
+              <a:t>利用 </a:t>
+            </a:r>
+            <a:r>
+              <a:rPr lang="en-US" altLang="zh-TW" dirty="0" smtClean="0"/>
+              <a:t>encounter status </a:t>
+            </a:r>
+            <a:r>
+              <a:rPr lang="zh-TW" altLang="en-US" dirty="0" smtClean="0"/>
+              <a:t>相關資訊</a:t>
+            </a:r>
+            <a:endParaRPr lang="en-US" altLang="zh-TW" dirty="0" smtClean="0"/>
+          </a:p>
+          <a:p>
+            <a:pPr lvl="1"/>
+            <a:r>
+              <a:rPr lang="zh-TW" altLang="en-US" dirty="0" smtClean="0"/>
+              <a:t>整合家屬、交通、及醫院志工、及醫護人員所有系統，協同提供服務，減少人力</a:t>
+            </a:r>
+            <a:endParaRPr lang="en-US" altLang="zh-TW" dirty="0" smtClean="0"/>
+          </a:p>
+          <a:p>
+            <a:pPr lvl="2"/>
+            <a:r>
+              <a:rPr lang="zh-TW" altLang="en-US" dirty="0" smtClean="0"/>
+              <a:t>如減少洗腎病人陪伴人力</a:t>
+            </a:r>
+            <a:endParaRPr lang="en-US" altLang="zh-TW" dirty="0" smtClean="0"/>
+          </a:p>
+          <a:p>
+            <a:pPr marL="0" indent="0">
+              <a:buNone/>
+            </a:pPr>
+            <a:endParaRPr lang="en-US" altLang="zh-TW" dirty="0" smtClean="0"/>
+          </a:p>
+          <a:p>
+            <a:endParaRPr lang="en-US" altLang="zh-TW" dirty="0"/>
+          </a:p>
+        </p:txBody>
+      </p:sp>
+    </p:spTree>
+    <p:extLst>
+      <p:ext uri="{BB962C8B-B14F-4D97-AF65-F5344CB8AC3E}">
+        <p14:creationId xmlns:p14="http://schemas.microsoft.com/office/powerpoint/2010/main" val="1661381193"/>
+      </p:ext>
+    </p:extLst>
+  </p:cSld>
+  <p:clrMapOvr>
+    <a:masterClrMapping/>
+  </p:clrMapOvr>
+</p:sld>
+</file>
+
+<file path=ppt/slides/slide11.xml><?xml version="1.0" encoding="utf-8"?>
+<p:sld xmlns:a="http://schemas.openxmlformats.org/drawingml/2006/main" xmlns:r="http://schemas.openxmlformats.org/officeDocument/2006/relationships" xmlns:p="http://schemas.openxmlformats.org/presentationml/2006/main">
+  <p:cSld>
+    <p:spTree>
+      <p:nvGrpSpPr>
+        <p:cNvPr id="1" name=""/>
+        <p:cNvGrpSpPr/>
+        <p:nvPr/>
+      </p:nvGrpSpPr>
+      <p:grpSpPr>
+        <a:xfrm>
+          <a:off x="0" y="0"/>
+          <a:ext cx="0" cy="0"/>
+          <a:chOff x="0" y="0"/>
+          <a:chExt cx="0" cy="0"/>
+        </a:xfrm>
+      </p:grpSpPr>
+      <p:sp>
+        <p:nvSpPr>
+          <p:cNvPr id="2" name="標題 1"/>
+          <p:cNvSpPr>
+            <a:spLocks noGrp="1"/>
+          </p:cNvSpPr>
+          <p:nvPr>
+            <p:ph type="title"/>
+          </p:nvPr>
+        </p:nvSpPr>
+        <p:spPr/>
+        <p:txBody>
+          <a:bodyPr/>
+          <a:lstStyle/>
+          <a:p>
+            <a:endParaRPr lang="zh-TW" altLang="en-US"/>
+          </a:p>
+        </p:txBody>
+      </p:sp>
+      <p:sp>
+        <p:nvSpPr>
+          <p:cNvPr id="3" name="內容版面配置區 2"/>
+          <p:cNvSpPr>
+            <a:spLocks noGrp="1"/>
+          </p:cNvSpPr>
+          <p:nvPr>
+            <p:ph idx="1"/>
+          </p:nvPr>
+        </p:nvSpPr>
+        <p:spPr/>
+        <p:txBody>
+          <a:bodyPr/>
+          <a:lstStyle/>
+          <a:p>
+            <a:endParaRPr lang="zh-TW" altLang="en-US"/>
+          </a:p>
+        </p:txBody>
+      </p:sp>
+    </p:spTree>
+    <p:extLst>
+      <p:ext uri="{BB962C8B-B14F-4D97-AF65-F5344CB8AC3E}">
+        <p14:creationId xmlns:p14="http://schemas.microsoft.com/office/powerpoint/2010/main" val="3203518969"/>
+      </p:ext>
+    </p:extLst>
+  </p:cSld>
+  <p:clrMapOvr>
+    <a:masterClrMapping/>
+  </p:clrMapOvr>
+</p:sld>
+</file>
+
+<file path=ppt/slides/slide12.xml><?xml version="1.0" encoding="utf-8"?>
+<p:sld xmlns:a="http://schemas.openxmlformats.org/drawingml/2006/main" xmlns:r="http://schemas.openxmlformats.org/officeDocument/2006/relationships" xmlns:p="http://schemas.openxmlformats.org/presentationml/2006/main">
+  <p:cSld>
+    <p:spTree>
+      <p:nvGrpSpPr>
+        <p:cNvPr id="1" name=""/>
+        <p:cNvGrpSpPr/>
+        <p:nvPr/>
+      </p:nvGrpSpPr>
+      <p:grpSpPr>
+        <a:xfrm>
+          <a:off x="0" y="0"/>
+          <a:ext cx="0" cy="0"/>
+          <a:chOff x="0" y="0"/>
+          <a:chExt cx="0" cy="0"/>
+        </a:xfrm>
+      </p:grpSpPr>
+      <p:sp>
+        <p:nvSpPr>
+          <p:cNvPr id="2" name="標題 1"/>
+          <p:cNvSpPr>
+            <a:spLocks noGrp="1"/>
+          </p:cNvSpPr>
+          <p:nvPr>
+            <p:ph type="title"/>
+          </p:nvPr>
+        </p:nvSpPr>
+        <p:spPr/>
+        <p:txBody>
+          <a:bodyPr/>
+          <a:lstStyle/>
+          <a:p>
+            <a:endParaRPr lang="zh-TW" altLang="en-US"/>
+          </a:p>
+        </p:txBody>
+      </p:sp>
+      <p:sp>
+        <p:nvSpPr>
+          <p:cNvPr id="3" name="內容版面配置區 2"/>
+          <p:cNvSpPr>
+            <a:spLocks noGrp="1"/>
+          </p:cNvSpPr>
+          <p:nvPr>
+            <p:ph idx="1"/>
+          </p:nvPr>
+        </p:nvSpPr>
+        <p:spPr/>
+        <p:txBody>
+          <a:bodyPr/>
+          <a:lstStyle/>
+          <a:p>
+            <a:endParaRPr lang="zh-TW" altLang="en-US"/>
+          </a:p>
+        </p:txBody>
+      </p:sp>
+    </p:spTree>
+    <p:extLst>
+      <p:ext uri="{BB962C8B-B14F-4D97-AF65-F5344CB8AC3E}">
+        <p14:creationId xmlns:p14="http://schemas.microsoft.com/office/powerpoint/2010/main" val="4075790664"/>
+      </p:ext>
+    </p:extLst>
+  </p:cSld>
+  <p:clrMapOvr>
+    <a:masterClrMapping/>
+  </p:clrMapOvr>
+</p:sld>
+</file>
+
+<file path=ppt/slides/slide13.xml><?xml version="1.0" encoding="utf-8"?>
+<p:sld xmlns:a="http://schemas.openxmlformats.org/drawingml/2006/main" xmlns:r="http://schemas.openxmlformats.org/officeDocument/2006/relationships" xmlns:p="http://schemas.openxmlformats.org/presentationml/2006/main">
+  <p:cSld>
+    <p:spTree>
+      <p:nvGrpSpPr>
+        <p:cNvPr id="1" name=""/>
+        <p:cNvGrpSpPr/>
+        <p:nvPr/>
+      </p:nvGrpSpPr>
+      <p:grpSpPr>
+        <a:xfrm>
+          <a:off x="0" y="0"/>
+          <a:ext cx="0" cy="0"/>
+          <a:chOff x="0" y="0"/>
+          <a:chExt cx="0" cy="0"/>
+        </a:xfrm>
+      </p:grpSpPr>
+      <p:sp>
+        <p:nvSpPr>
+          <p:cNvPr id="2" name="標題 1"/>
+          <p:cNvSpPr>
+            <a:spLocks noGrp="1"/>
+          </p:cNvSpPr>
+          <p:nvPr>
+            <p:ph type="title"/>
+          </p:nvPr>
+        </p:nvSpPr>
+        <p:spPr>
+          <a:xfrm>
+            <a:off x="636815" y="993577"/>
+            <a:ext cx="7886700" cy="994172"/>
+          </a:xfrm>
+        </p:spPr>
+        <p:txBody>
+          <a:bodyPr/>
+          <a:lstStyle/>
+          <a:p>
+            <a:r>
+              <a:rPr lang="en-US" altLang="zh-TW" dirty="0" smtClean="0"/>
+              <a:t>Encounter </a:t>
+            </a:r>
+            <a:r>
+              <a:rPr lang="zh-TW" altLang="en-US" dirty="0" smtClean="0"/>
+              <a:t>欄位及查詢條件</a:t>
+            </a:r>
+            <a:endParaRPr lang="zh-TW" altLang="en-US" dirty="0"/>
+          </a:p>
+        </p:txBody>
+      </p:sp>
+      <p:sp>
+        <p:nvSpPr>
+          <p:cNvPr id="3" name="內容版面配置區 2"/>
+          <p:cNvSpPr>
+            <a:spLocks noGrp="1"/>
+          </p:cNvSpPr>
+          <p:nvPr>
+            <p:ph idx="1"/>
+          </p:nvPr>
+        </p:nvSpPr>
+        <p:spPr/>
+        <p:txBody>
+          <a:bodyPr/>
+          <a:lstStyle/>
+          <a:p>
+            <a:endParaRPr lang="zh-TW" altLang="en-US"/>
+          </a:p>
+        </p:txBody>
+      </p:sp>
+      <p:pic>
+        <p:nvPicPr>
+          <p:cNvPr id="4" name="圖片 3"/>
+          <p:cNvPicPr>
+            <a:picLocks noChangeAspect="1"/>
+          </p:cNvPicPr>
+          <p:nvPr/>
+        </p:nvPicPr>
+        <p:blipFill>
+          <a:blip r:embed="rId2"/>
+          <a:stretch>
+            <a:fillRect/>
+          </a:stretch>
+        </p:blipFill>
+        <p:spPr>
+          <a:xfrm>
+            <a:off x="-80111" y="2024744"/>
+            <a:ext cx="9281262" cy="4201035"/>
+          </a:xfrm>
+          <a:prstGeom prst="rect">
+            <a:avLst/>
+          </a:prstGeom>
+        </p:spPr>
+      </p:pic>
+    </p:spTree>
+    <p:extLst>
+      <p:ext uri="{BB962C8B-B14F-4D97-AF65-F5344CB8AC3E}">
+        <p14:creationId xmlns:p14="http://schemas.microsoft.com/office/powerpoint/2010/main" val="1252895133"/>
+      </p:ext>
+    </p:extLst>
+  </p:cSld>
+  <p:clrMapOvr>
+    <a:masterClrMapping/>
+  </p:clrMapOvr>
+</p:sld>
+</file>
+
+<file path=ppt/slides/slide14.xml><?xml version="1.0" encoding="utf-8"?>
+<p:sld xmlns:a="http://schemas.openxmlformats.org/drawingml/2006/main" xmlns:r="http://schemas.openxmlformats.org/officeDocument/2006/relationships" xmlns:p="http://schemas.openxmlformats.org/presentationml/2006/main">
+  <p:cSld>
+    <p:spTree>
+      <p:nvGrpSpPr>
+        <p:cNvPr id="1" name=""/>
+        <p:cNvGrpSpPr/>
+        <p:nvPr/>
+      </p:nvGrpSpPr>
+      <p:grpSpPr>
+        <a:xfrm>
+          <a:off x="0" y="0"/>
+          <a:ext cx="0" cy="0"/>
+          <a:chOff x="0" y="0"/>
+          <a:chExt cx="0" cy="0"/>
+        </a:xfrm>
+      </p:grpSpPr>
+      <p:sp>
+        <p:nvSpPr>
+          <p:cNvPr id="2" name="標題 1"/>
+          <p:cNvSpPr>
+            <a:spLocks noGrp="1"/>
+          </p:cNvSpPr>
+          <p:nvPr>
+            <p:ph type="title"/>
+          </p:nvPr>
+        </p:nvSpPr>
+        <p:spPr>
+          <a:xfrm>
+            <a:off x="767443" y="726537"/>
+            <a:ext cx="7886700" cy="994172"/>
+          </a:xfrm>
+        </p:spPr>
+        <p:txBody>
+          <a:bodyPr/>
+          <a:lstStyle/>
+          <a:p>
+            <a:r>
+              <a:rPr lang="en-US" altLang="zh-TW" dirty="0" smtClean="0"/>
+              <a:t>Encounter </a:t>
+            </a:r>
+            <a:r>
+              <a:rPr lang="zh-TW" altLang="en-US" dirty="0" smtClean="0"/>
+              <a:t>欄位及查詢條件</a:t>
+            </a:r>
+            <a:endParaRPr lang="zh-TW" altLang="en-US" dirty="0"/>
+          </a:p>
+        </p:txBody>
+      </p:sp>
+      <p:pic>
+        <p:nvPicPr>
+          <p:cNvPr id="5" name="圖片 4"/>
+          <p:cNvPicPr>
+            <a:picLocks noChangeAspect="1"/>
+          </p:cNvPicPr>
+          <p:nvPr/>
+        </p:nvPicPr>
+        <p:blipFill>
+          <a:blip r:embed="rId2"/>
+          <a:stretch>
+            <a:fillRect/>
+          </a:stretch>
+        </p:blipFill>
+        <p:spPr>
+          <a:xfrm>
+            <a:off x="-65314" y="1659392"/>
+            <a:ext cx="9070522" cy="2314575"/>
+          </a:xfrm>
+          <a:prstGeom prst="rect">
+            <a:avLst/>
+          </a:prstGeom>
+        </p:spPr>
+      </p:pic>
+      <p:sp>
+        <p:nvSpPr>
+          <p:cNvPr id="6" name="內容版面配置區 2"/>
+          <p:cNvSpPr>
+            <a:spLocks noGrp="1"/>
+          </p:cNvSpPr>
+          <p:nvPr>
+            <p:ph idx="1"/>
+          </p:nvPr>
+        </p:nvSpPr>
+        <p:spPr>
+          <a:xfrm>
+            <a:off x="628650" y="4327072"/>
+            <a:ext cx="7886700" cy="1162901"/>
+          </a:xfrm>
+        </p:spPr>
+        <p:txBody>
+          <a:bodyPr>
+            <a:normAutofit fontScale="77500" lnSpcReduction="20000"/>
+          </a:bodyPr>
+          <a:lstStyle/>
+          <a:p>
+            <a:r>
+              <a:rPr lang="en-US" altLang="zh-TW" dirty="0" smtClean="0"/>
+              <a:t>Type: </a:t>
+            </a:r>
+            <a:r>
+              <a:rPr lang="zh-TW" altLang="en-US" dirty="0" smtClean="0"/>
+              <a:t>如查詢及即將來做乳篩的病人</a:t>
+            </a:r>
+            <a:endParaRPr lang="en-US" altLang="zh-TW" dirty="0" smtClean="0"/>
+          </a:p>
+          <a:p>
+            <a:endParaRPr lang="en-US" altLang="zh-TW" dirty="0"/>
+          </a:p>
+          <a:p>
+            <a:r>
+              <a:rPr lang="en-US" altLang="zh-TW" dirty="0" smtClean="0"/>
+              <a:t>Subject: </a:t>
+            </a:r>
+            <a:r>
+              <a:rPr lang="zh-TW" altLang="en-US" dirty="0" smtClean="0"/>
+              <a:t>查詢某病人的就醫紀錄</a:t>
+            </a:r>
+            <a:endParaRPr lang="zh-TW" altLang="en-US" dirty="0"/>
+          </a:p>
+        </p:txBody>
+      </p:sp>
+    </p:spTree>
+    <p:extLst>
+      <p:ext uri="{BB962C8B-B14F-4D97-AF65-F5344CB8AC3E}">
+        <p14:creationId xmlns:p14="http://schemas.microsoft.com/office/powerpoint/2010/main" val="3480913157"/>
+      </p:ext>
+    </p:extLst>
+  </p:cSld>
+  <p:clrMapOvr>
+    <a:masterClrMapping/>
+  </p:clrMapOvr>
+</p:sld>
+</file>
+
+<file path=ppt/slides/slide15.xml><?xml version="1.0" encoding="utf-8"?>
+<p:sld xmlns:a="http://schemas.openxmlformats.org/drawingml/2006/main" xmlns:r="http://schemas.openxmlformats.org/officeDocument/2006/relationships" xmlns:p="http://schemas.openxmlformats.org/presentationml/2006/main">
+  <p:cSld>
+    <p:spTree>
+      <p:nvGrpSpPr>
+        <p:cNvPr id="1" name=""/>
+        <p:cNvGrpSpPr/>
+        <p:nvPr/>
+      </p:nvGrpSpPr>
+      <p:grpSpPr>
+        <a:xfrm>
+          <a:off x="0" y="0"/>
+          <a:ext cx="0" cy="0"/>
+          <a:chOff x="0" y="0"/>
+          <a:chExt cx="0" cy="0"/>
+        </a:xfrm>
+      </p:grpSpPr>
+      <p:sp>
+        <p:nvSpPr>
+          <p:cNvPr id="2" name="標題 1"/>
+          <p:cNvSpPr>
+            <a:spLocks noGrp="1"/>
+          </p:cNvSpPr>
+          <p:nvPr>
+            <p:ph type="title"/>
+          </p:nvPr>
+        </p:nvSpPr>
+        <p:spPr>
+          <a:xfrm>
+            <a:off x="620486" y="943318"/>
+            <a:ext cx="7886700" cy="994172"/>
+          </a:xfrm>
+        </p:spPr>
+        <p:txBody>
+          <a:bodyPr>
+            <a:normAutofit/>
+          </a:bodyPr>
+          <a:lstStyle/>
+          <a:p>
+            <a:pPr algn="ctr"/>
+            <a:r>
+              <a:rPr lang="en-US" altLang="zh-TW" sz="4050" dirty="0"/>
+              <a:t>Encounter type examples</a:t>
+            </a:r>
+            <a:endParaRPr lang="zh-TW" altLang="en-US" sz="4050" dirty="0"/>
+          </a:p>
+        </p:txBody>
+      </p:sp>
+      <p:sp>
+        <p:nvSpPr>
+          <p:cNvPr id="3" name="內容版面配置區 2"/>
+          <p:cNvSpPr>
+            <a:spLocks noGrp="1"/>
+          </p:cNvSpPr>
+          <p:nvPr>
+            <p:ph idx="1"/>
+          </p:nvPr>
+        </p:nvSpPr>
+        <p:spPr>
+          <a:xfrm>
+            <a:off x="809285" y="3940969"/>
+            <a:ext cx="7886700" cy="3263504"/>
+          </a:xfrm>
+        </p:spPr>
+        <p:txBody>
+          <a:bodyPr/>
+          <a:lstStyle/>
+          <a:p>
+            <a:endParaRPr lang="zh-TW" altLang="en-US"/>
+          </a:p>
+        </p:txBody>
+      </p:sp>
+      <p:pic>
+        <p:nvPicPr>
+          <p:cNvPr id="4" name="圖片 3"/>
+          <p:cNvPicPr>
+            <a:picLocks noChangeAspect="1"/>
+          </p:cNvPicPr>
+          <p:nvPr/>
+        </p:nvPicPr>
+        <p:blipFill>
+          <a:blip r:embed="rId2"/>
+          <a:stretch>
+            <a:fillRect/>
+          </a:stretch>
+        </p:blipFill>
+        <p:spPr>
+          <a:xfrm>
+            <a:off x="192857" y="2125269"/>
+            <a:ext cx="9119555" cy="3361131"/>
+          </a:xfrm>
+          <a:prstGeom prst="rect">
+            <a:avLst/>
+          </a:prstGeom>
+        </p:spPr>
+      </p:pic>
+    </p:spTree>
+    <p:extLst>
+      <p:ext uri="{BB962C8B-B14F-4D97-AF65-F5344CB8AC3E}">
+        <p14:creationId xmlns:p14="http://schemas.microsoft.com/office/powerpoint/2010/main" val="917898689"/>
+      </p:ext>
+    </p:extLst>
+  </p:cSld>
+  <p:clrMapOvr>
+    <a:masterClrMapping/>
+  </p:clrMapOvr>
+</p:sld>
+</file>
+
+<file path=ppt/slides/slide16.xml><?xml version="1.0" encoding="utf-8"?>
+<p:sld xmlns:a="http://schemas.openxmlformats.org/drawingml/2006/main" xmlns:r="http://schemas.openxmlformats.org/officeDocument/2006/relationships" xmlns:p="http://schemas.openxmlformats.org/presentationml/2006/main">
+  <p:cSld>
+    <p:spTree>
+      <p:nvGrpSpPr>
+        <p:cNvPr id="1" name=""/>
+        <p:cNvGrpSpPr/>
+        <p:nvPr/>
+      </p:nvGrpSpPr>
+      <p:grpSpPr>
+        <a:xfrm>
+          <a:off x="0" y="0"/>
+          <a:ext cx="0" cy="0"/>
+          <a:chOff x="0" y="0"/>
+          <a:chExt cx="0" cy="0"/>
+        </a:xfrm>
+      </p:grpSpPr>
+      <p:sp>
+        <p:nvSpPr>
+          <p:cNvPr id="16" name="內容版面配置區 15"/>
+          <p:cNvSpPr>
+            <a:spLocks noGrp="1"/>
+          </p:cNvSpPr>
+          <p:nvPr>
+            <p:ph sz="quarter" idx="1"/>
+          </p:nvPr>
+        </p:nvSpPr>
+        <p:spPr>
+          <a:xfrm>
+            <a:off x="468650" y="2022024"/>
+            <a:ext cx="8153400" cy="3371850"/>
+          </a:xfrm>
+        </p:spPr>
+        <p:txBody>
+          <a:bodyPr>
+            <a:normAutofit fontScale="85000" lnSpcReduction="10000"/>
+          </a:bodyPr>
+          <a:lstStyle/>
+          <a:p>
+            <a:r>
+              <a:rPr lang="zh-TW" altLang="en-US" sz="3000" dirty="0">
+                <a:latin typeface="Times New Roman" pitchFamily="18" charset="0"/>
+                <a:cs typeface="Times New Roman" pitchFamily="18" charset="0"/>
+              </a:rPr>
+              <a:t>基於 </a:t>
+            </a:r>
+            <a:r>
+              <a:rPr lang="en-US" altLang="zh-TW" sz="3000" dirty="0" err="1">
+                <a:latin typeface="Times New Roman" pitchFamily="18" charset="0"/>
+                <a:cs typeface="Times New Roman" pitchFamily="18" charset="0"/>
+              </a:rPr>
+              <a:t>FHIR</a:t>
+            </a:r>
+            <a:r>
+              <a:rPr lang="zh-TW" altLang="en-US" sz="3000" dirty="0">
+                <a:latin typeface="Times New Roman" pitchFamily="18" charset="0"/>
+                <a:cs typeface="Times New Roman" pitchFamily="18" charset="0"/>
+              </a:rPr>
+              <a:t> </a:t>
+            </a:r>
+            <a:r>
+              <a:rPr lang="en-US" altLang="zh-TW" sz="3000" dirty="0">
+                <a:latin typeface="Times New Roman" pitchFamily="18" charset="0"/>
+                <a:cs typeface="Times New Roman" pitchFamily="18" charset="0"/>
+              </a:rPr>
+              <a:t>API</a:t>
+            </a:r>
+            <a:r>
+              <a:rPr lang="zh-TW" altLang="en-US" sz="3000" dirty="0">
+                <a:latin typeface="Times New Roman" pitchFamily="18" charset="0"/>
+                <a:cs typeface="Times New Roman" pitchFamily="18" charset="0"/>
+              </a:rPr>
+              <a:t> 及 標準資料</a:t>
+            </a:r>
+            <a:r>
+              <a:rPr lang="en-US" altLang="zh-TW" sz="3000" dirty="0">
+                <a:latin typeface="Times New Roman" pitchFamily="18" charset="0"/>
+                <a:cs typeface="Times New Roman" pitchFamily="18" charset="0"/>
+              </a:rPr>
+              <a:t>(</a:t>
+            </a:r>
+            <a:r>
+              <a:rPr lang="zh-TW" altLang="en-US" sz="3000" dirty="0">
+                <a:latin typeface="Times New Roman" pitchFamily="18" charset="0"/>
+                <a:cs typeface="Times New Roman" pitchFamily="18" charset="0"/>
+              </a:rPr>
+              <a:t>  </a:t>
+            </a:r>
+            <a:r>
+              <a:rPr lang="en-US" altLang="zh-TW" sz="3000" dirty="0" err="1">
+                <a:latin typeface="Times New Roman" pitchFamily="18" charset="0"/>
+                <a:cs typeface="Times New Roman" pitchFamily="18" charset="0"/>
+              </a:rPr>
+              <a:t>FHIR</a:t>
+            </a:r>
+            <a:r>
+              <a:rPr lang="zh-TW" altLang="en-US" sz="3000" dirty="0">
+                <a:latin typeface="Times New Roman" pitchFamily="18" charset="0"/>
+                <a:cs typeface="Times New Roman" pitchFamily="18" charset="0"/>
+              </a:rPr>
+              <a:t> </a:t>
+            </a:r>
+            <a:r>
+              <a:rPr lang="en-US" altLang="zh-TW" sz="3000" dirty="0">
+                <a:latin typeface="Times New Roman" pitchFamily="18" charset="0"/>
+                <a:cs typeface="Times New Roman" pitchFamily="18" charset="0"/>
+              </a:rPr>
+              <a:t>resources)</a:t>
+            </a:r>
+          </a:p>
+          <a:p>
+            <a:pPr lvl="1"/>
+            <a:r>
+              <a:rPr lang="zh-TW" altLang="en-US" sz="2700" dirty="0">
+                <a:latin typeface="Times New Roman" pitchFamily="18" charset="0"/>
+                <a:cs typeface="Times New Roman" pitchFamily="18" charset="0"/>
+              </a:rPr>
+              <a:t>可</a:t>
+            </a:r>
+            <a:r>
+              <a:rPr lang="zh-TW" altLang="en-US" sz="2700" b="1" dirty="0">
+                <a:solidFill>
+                  <a:srgbClr val="FF0000"/>
+                </a:solidFill>
+                <a:latin typeface="Times New Roman" pitchFamily="18" charset="0"/>
+                <a:cs typeface="Times New Roman" pitchFamily="18" charset="0"/>
+              </a:rPr>
+              <a:t>快速發展</a:t>
+            </a:r>
+            <a:r>
+              <a:rPr lang="zh-TW" altLang="en-US" sz="2700" dirty="0">
+                <a:latin typeface="Times New Roman" pitchFamily="18" charset="0"/>
+                <a:cs typeface="Times New Roman" pitchFamily="18" charset="0"/>
+              </a:rPr>
+              <a:t>各式 前端</a:t>
+            </a:r>
+            <a:r>
+              <a:rPr lang="en-US" altLang="zh-TW" sz="2700" dirty="0">
+                <a:latin typeface="Times New Roman" pitchFamily="18" charset="0"/>
+                <a:cs typeface="Times New Roman" pitchFamily="18" charset="0"/>
+              </a:rPr>
+              <a:t>(</a:t>
+            </a:r>
+            <a:r>
+              <a:rPr lang="zh-TW" altLang="en-US" sz="2700" dirty="0">
+                <a:latin typeface="Times New Roman" pitchFamily="18" charset="0"/>
+                <a:cs typeface="Times New Roman" pitchFamily="18" charset="0"/>
+              </a:rPr>
+              <a:t>瀏覽器或 </a:t>
+            </a:r>
+            <a:r>
+              <a:rPr lang="en-US" altLang="zh-TW" sz="2700" dirty="0">
+                <a:latin typeface="Times New Roman" pitchFamily="18" charset="0"/>
+                <a:cs typeface="Times New Roman" pitchFamily="18" charset="0"/>
+              </a:rPr>
+              <a:t>APP)</a:t>
+            </a:r>
+            <a:r>
+              <a:rPr lang="zh-TW" altLang="en-US" sz="2700" dirty="0">
+                <a:latin typeface="Times New Roman" pitchFamily="18" charset="0"/>
+                <a:cs typeface="Times New Roman" pitchFamily="18" charset="0"/>
+              </a:rPr>
+              <a:t>應用</a:t>
+            </a:r>
+            <a:endParaRPr lang="en-US" altLang="zh-TW" sz="2700" dirty="0">
+              <a:latin typeface="Times New Roman" pitchFamily="18" charset="0"/>
+              <a:cs typeface="Times New Roman" pitchFamily="18" charset="0"/>
+            </a:endParaRPr>
+          </a:p>
+          <a:p>
+            <a:pPr lvl="1"/>
+            <a:r>
+              <a:rPr lang="zh-TW" altLang="en-US" sz="2700" dirty="0">
+                <a:latin typeface="Times New Roman" pitchFamily="18" charset="0"/>
+                <a:cs typeface="Times New Roman" pitchFamily="18" charset="0"/>
+              </a:rPr>
+              <a:t>可</a:t>
+            </a:r>
+            <a:r>
+              <a:rPr lang="zh-TW" altLang="en-US" sz="2700" dirty="0">
+                <a:latin typeface="Times New Roman" pitchFamily="18" charset="0"/>
+                <a:cs typeface="Times New Roman" pitchFamily="18" charset="0"/>
+              </a:rPr>
+              <a:t>與標準的 </a:t>
+            </a:r>
+            <a:r>
+              <a:rPr lang="en-US" altLang="zh-TW" sz="2700" dirty="0" err="1">
+                <a:latin typeface="Times New Roman" pitchFamily="18" charset="0"/>
+                <a:cs typeface="Times New Roman" pitchFamily="18" charset="0"/>
+              </a:rPr>
+              <a:t>FHIR</a:t>
+            </a:r>
+            <a:r>
+              <a:rPr lang="en-US" altLang="zh-TW" sz="2700" dirty="0">
+                <a:latin typeface="Times New Roman" pitchFamily="18" charset="0"/>
+                <a:cs typeface="Times New Roman" pitchFamily="18" charset="0"/>
+              </a:rPr>
+              <a:t> </a:t>
+            </a:r>
+            <a:r>
+              <a:rPr lang="zh-TW" altLang="en-US" sz="2700" dirty="0">
+                <a:latin typeface="Times New Roman" pitchFamily="18" charset="0"/>
+                <a:cs typeface="Times New Roman" pitchFamily="18" charset="0"/>
+              </a:rPr>
+              <a:t>伺服器</a:t>
+            </a:r>
+            <a:r>
+              <a:rPr lang="en-US" altLang="zh-TW" sz="2700" dirty="0">
+                <a:latin typeface="Times New Roman" pitchFamily="18" charset="0"/>
+                <a:cs typeface="Times New Roman" pitchFamily="18" charset="0"/>
+              </a:rPr>
+              <a:t>(</a:t>
+            </a:r>
+            <a:r>
+              <a:rPr lang="zh-TW" altLang="en-US" sz="2700" dirty="0">
+                <a:latin typeface="Times New Roman" pitchFamily="18" charset="0"/>
+                <a:cs typeface="Times New Roman" pitchFamily="18" charset="0"/>
+              </a:rPr>
+              <a:t>有 </a:t>
+            </a:r>
+            <a:r>
+              <a:rPr lang="en-US" altLang="zh-TW" sz="2700" dirty="0">
+                <a:latin typeface="Times New Roman" pitchFamily="18" charset="0"/>
+                <a:cs typeface="Times New Roman" pitchFamily="18" charset="0"/>
+              </a:rPr>
+              <a:t>open source </a:t>
+            </a:r>
+            <a:r>
+              <a:rPr lang="zh-TW" altLang="en-US" sz="2700" dirty="0">
+                <a:latin typeface="Times New Roman" pitchFamily="18" charset="0"/>
+                <a:cs typeface="Times New Roman" pitchFamily="18" charset="0"/>
+              </a:rPr>
+              <a:t>系統</a:t>
+            </a:r>
+            <a:r>
+              <a:rPr lang="en-US" altLang="zh-TW" sz="2700" dirty="0">
+                <a:latin typeface="Times New Roman" pitchFamily="18" charset="0"/>
+                <a:cs typeface="Times New Roman" pitchFamily="18" charset="0"/>
+              </a:rPr>
+              <a:t>)</a:t>
+            </a:r>
+            <a:r>
+              <a:rPr lang="zh-TW" altLang="en-US" sz="2700" dirty="0">
+                <a:latin typeface="Times New Roman" pitchFamily="18" charset="0"/>
+                <a:cs typeface="Times New Roman" pitchFamily="18" charset="0"/>
+              </a:rPr>
+              <a:t> 整合應用</a:t>
+            </a:r>
+            <a:endParaRPr lang="zh-TW" altLang="en-US" sz="2700" dirty="0">
+              <a:latin typeface="Times New Roman" pitchFamily="18" charset="0"/>
+              <a:cs typeface="Times New Roman" pitchFamily="18" charset="0"/>
+            </a:endParaRPr>
+          </a:p>
+          <a:p>
+            <a:pPr lvl="2"/>
+            <a:r>
+              <a:rPr lang="zh-TW" altLang="en-US" b="1" dirty="0">
+                <a:solidFill>
+                  <a:srgbClr val="FF0000"/>
+                </a:solidFill>
+                <a:latin typeface="Times New Roman" pitchFamily="18" charset="0"/>
+                <a:cs typeface="Times New Roman" pitchFamily="18" charset="0"/>
+              </a:rPr>
+              <a:t>不</a:t>
+            </a:r>
+            <a:r>
+              <a:rPr lang="zh-TW" altLang="en-US" b="1" dirty="0">
+                <a:solidFill>
+                  <a:srgbClr val="FF0000"/>
+                </a:solidFill>
+                <a:latin typeface="Times New Roman" pitchFamily="18" charset="0"/>
+                <a:cs typeface="Times New Roman" pitchFamily="18" charset="0"/>
+              </a:rPr>
+              <a:t>須寫伺服器端的</a:t>
+            </a:r>
+            <a:r>
+              <a:rPr lang="zh-TW" altLang="en-US" b="1" dirty="0">
+                <a:solidFill>
+                  <a:srgbClr val="FF0000"/>
+                </a:solidFill>
+                <a:latin typeface="Times New Roman" pitchFamily="18" charset="0"/>
+                <a:cs typeface="Times New Roman" pitchFamily="18" charset="0"/>
+              </a:rPr>
+              <a:t>程式</a:t>
+            </a:r>
+            <a:r>
+              <a:rPr lang="en-US" altLang="zh-TW" b="1" dirty="0">
+                <a:solidFill>
+                  <a:srgbClr val="FF0000"/>
+                </a:solidFill>
+                <a:latin typeface="Times New Roman" pitchFamily="18" charset="0"/>
+                <a:cs typeface="Times New Roman" pitchFamily="18" charset="0"/>
+              </a:rPr>
+              <a:t>!</a:t>
+            </a:r>
+            <a:endParaRPr lang="zh-TW" altLang="en-US" b="1" dirty="0">
+              <a:solidFill>
+                <a:srgbClr val="FF0000"/>
+              </a:solidFill>
+              <a:latin typeface="Times New Roman" pitchFamily="18" charset="0"/>
+              <a:cs typeface="Times New Roman" pitchFamily="18" charset="0"/>
+            </a:endParaRPr>
+          </a:p>
+          <a:p>
+            <a:endParaRPr lang="en-US" altLang="zh-TW" sz="3000" dirty="0">
+              <a:latin typeface="Times New Roman" pitchFamily="18" charset="0"/>
+              <a:cs typeface="Times New Roman" pitchFamily="18" charset="0"/>
+            </a:endParaRPr>
+          </a:p>
+          <a:p>
+            <a:r>
+              <a:rPr lang="zh-TW" altLang="en-US" sz="3000" dirty="0">
+                <a:latin typeface="Times New Roman" pitchFamily="18" charset="0"/>
+                <a:cs typeface="Times New Roman" pitchFamily="18" charset="0"/>
+              </a:rPr>
+              <a:t>系統範例</a:t>
+            </a:r>
+            <a:endParaRPr lang="en-US" altLang="zh-TW" sz="3000" dirty="0">
+              <a:latin typeface="Times New Roman" pitchFamily="18" charset="0"/>
+              <a:cs typeface="Times New Roman" pitchFamily="18" charset="0"/>
+            </a:endParaRPr>
+          </a:p>
+          <a:p>
+            <a:pPr lvl="1"/>
+            <a:r>
+              <a:rPr lang="zh-TW" altLang="en-US" sz="2700" dirty="0">
+                <a:solidFill>
+                  <a:srgbClr val="FF0000"/>
+                </a:solidFill>
+                <a:latin typeface="Times New Roman" pitchFamily="18" charset="0"/>
+                <a:cs typeface="Times New Roman" pitchFamily="18" charset="0"/>
+              </a:rPr>
+              <a:t>腎臟</a:t>
+            </a:r>
+            <a:r>
+              <a:rPr lang="zh-TW" altLang="en-US" sz="2700" dirty="0">
+                <a:solidFill>
+                  <a:srgbClr val="FF0000"/>
+                </a:solidFill>
+                <a:latin typeface="Times New Roman" pitchFamily="18" charset="0"/>
+                <a:cs typeface="Times New Roman" pitchFamily="18" charset="0"/>
+              </a:rPr>
+              <a:t>病人醫護表單</a:t>
+            </a:r>
+            <a:endParaRPr lang="en-US" altLang="zh-TW" sz="2700" dirty="0">
+              <a:solidFill>
+                <a:srgbClr val="FF0000"/>
+              </a:solidFill>
+              <a:latin typeface="Times New Roman" pitchFamily="18" charset="0"/>
+              <a:cs typeface="Times New Roman" pitchFamily="18" charset="0"/>
+            </a:endParaRPr>
+          </a:p>
+          <a:p>
+            <a:pPr lvl="1"/>
+            <a:r>
+              <a:rPr lang="zh-TW" altLang="en-US" sz="2700" dirty="0">
+                <a:solidFill>
+                  <a:srgbClr val="FF0000"/>
+                </a:solidFill>
+                <a:latin typeface="Times New Roman" pitchFamily="18" charset="0"/>
+                <a:cs typeface="Times New Roman" pitchFamily="18" charset="0"/>
+              </a:rPr>
+              <a:t>醫學影像報告</a:t>
+            </a:r>
+            <a:r>
+              <a:rPr lang="zh-TW" altLang="en-US" sz="2700" dirty="0">
+                <a:solidFill>
+                  <a:srgbClr val="FF0000"/>
+                </a:solidFill>
+                <a:latin typeface="Times New Roman" pitchFamily="18" charset="0"/>
+                <a:cs typeface="Times New Roman" pitchFamily="18" charset="0"/>
+              </a:rPr>
+              <a:t>系統</a:t>
+            </a:r>
+            <a:endParaRPr lang="zh-TW" altLang="en-US" sz="2700" dirty="0">
+              <a:solidFill>
+                <a:srgbClr val="FF0000"/>
+              </a:solidFill>
+              <a:latin typeface="Times New Roman" pitchFamily="18" charset="0"/>
+              <a:cs typeface="Times New Roman" pitchFamily="18" charset="0"/>
+            </a:endParaRPr>
+          </a:p>
+          <a:p>
+            <a:endParaRPr lang="zh-TW" altLang="en-US" sz="1500" dirty="0">
+              <a:latin typeface="Times New Roman" pitchFamily="18" charset="0"/>
+              <a:cs typeface="Times New Roman" pitchFamily="18" charset="0"/>
+            </a:endParaRPr>
+          </a:p>
+        </p:txBody>
+      </p:sp>
+      <p:sp>
+        <p:nvSpPr>
+          <p:cNvPr id="33" name="Title 2"/>
+          <p:cNvSpPr>
+            <a:spLocks noGrp="1"/>
+          </p:cNvSpPr>
+          <p:nvPr>
+            <p:ph type="title"/>
+          </p:nvPr>
+        </p:nvSpPr>
+        <p:spPr>
+          <a:xfrm>
+            <a:off x="438717" y="1257308"/>
+            <a:ext cx="8181808" cy="475562"/>
+          </a:xfrm>
+        </p:spPr>
+        <p:txBody>
+          <a:bodyPr>
+            <a:noAutofit/>
+          </a:bodyPr>
+          <a:lstStyle/>
+          <a:p>
+            <a:pPr algn="ctr"/>
+            <a:r>
+              <a:rPr lang="en-US" altLang="zh-TW" sz="3600" b="1" dirty="0" err="1">
+                <a:solidFill>
+                  <a:srgbClr val="000000"/>
+                </a:solidFill>
+              </a:rPr>
+              <a:t>FHIR</a:t>
+            </a:r>
+            <a:r>
+              <a:rPr lang="zh-TW" altLang="en-US" sz="3600" b="1" dirty="0">
+                <a:solidFill>
+                  <a:srgbClr val="000000"/>
+                </a:solidFill>
+              </a:rPr>
+              <a:t> 及 </a:t>
+            </a:r>
+            <a:r>
+              <a:rPr lang="en-US" altLang="zh-TW" sz="3600" b="1" dirty="0">
+                <a:solidFill>
+                  <a:srgbClr val="000000"/>
+                </a:solidFill>
+              </a:rPr>
+              <a:t>DICOMWeb </a:t>
+            </a:r>
+            <a:r>
+              <a:rPr lang="zh-TW" altLang="en-US" sz="3600" b="1" dirty="0">
+                <a:solidFill>
+                  <a:srgbClr val="000000"/>
+                </a:solidFill>
+              </a:rPr>
+              <a:t>系統範例</a:t>
+            </a:r>
+            <a:endParaRPr lang="en-GB" sz="3600" b="1" dirty="0">
+              <a:solidFill>
+                <a:srgbClr val="000000"/>
+              </a:solidFill>
+            </a:endParaRPr>
+          </a:p>
+        </p:txBody>
+      </p:sp>
+    </p:spTree>
+    <p:extLst>
+      <p:ext uri="{BB962C8B-B14F-4D97-AF65-F5344CB8AC3E}">
+        <p14:creationId xmlns:p14="http://schemas.microsoft.com/office/powerpoint/2010/main" val="3116193318"/>
+      </p:ext>
+    </p:extLst>
+  </p:cSld>
+  <p:clrMapOvr>
+    <a:masterClrMapping/>
+  </p:clrMapOvr>
+  <p:timing>
+    <p:tnLst>
+      <p:par>
+        <p:cTn id="1" dur="indefinite" restart="never" nodeType="tmRoot"/>
+      </p:par>
+    </p:tnLst>
+  </p:timing>
+</p:sld>
+</file>
+
+<file path=ppt/slides/slide17.xml><?xml version="1.0" encoding="utf-8"?>
+<p:sld xmlns:a="http://schemas.openxmlformats.org/drawingml/2006/main" xmlns:r="http://schemas.openxmlformats.org/officeDocument/2006/relationships" xmlns:p="http://schemas.openxmlformats.org/presentationml/2006/main">
+  <p:cSld>
+    <p:spTree>
+      <p:nvGrpSpPr>
+        <p:cNvPr id="1" name=""/>
+        <p:cNvGrpSpPr/>
+        <p:nvPr/>
+      </p:nvGrpSpPr>
+      <p:grpSpPr>
+        <a:xfrm>
+          <a:off x="0" y="0"/>
+          <a:ext cx="0" cy="0"/>
+          <a:chOff x="0" y="0"/>
+          <a:chExt cx="0" cy="0"/>
+        </a:xfrm>
+      </p:grpSpPr>
+      <p:sp>
+        <p:nvSpPr>
+          <p:cNvPr id="2" name="標題 1"/>
+          <p:cNvSpPr>
+            <a:spLocks noGrp="1"/>
+          </p:cNvSpPr>
+          <p:nvPr>
+            <p:ph type="title"/>
+          </p:nvPr>
+        </p:nvSpPr>
+        <p:spPr/>
+        <p:txBody>
+          <a:bodyPr/>
+          <a:lstStyle/>
+          <a:p>
+            <a:pPr algn="ctr"/>
+            <a:r>
+              <a:rPr lang="en-US" altLang="zh-TW" dirty="0" smtClean="0"/>
+              <a:t>Encounter</a:t>
+            </a:r>
+            <a:r>
+              <a:rPr lang="zh-TW" altLang="en-US" dirty="0" smtClean="0"/>
+              <a:t> 可應用之情境與場域</a:t>
+            </a:r>
+            <a:endParaRPr lang="zh-TW" altLang="en-US" dirty="0"/>
+          </a:p>
+        </p:txBody>
+      </p:sp>
+      <p:sp>
+        <p:nvSpPr>
+          <p:cNvPr id="3" name="內容版面配置區 2"/>
+          <p:cNvSpPr>
+            <a:spLocks noGrp="1"/>
+          </p:cNvSpPr>
+          <p:nvPr>
+            <p:ph idx="1"/>
+          </p:nvPr>
+        </p:nvSpPr>
+        <p:spPr>
+          <a:xfrm>
+            <a:off x="628650" y="2226469"/>
+            <a:ext cx="7886700" cy="3586503"/>
+          </a:xfrm>
+        </p:spPr>
+        <p:txBody>
+          <a:bodyPr>
+            <a:normAutofit fontScale="92500" lnSpcReduction="20000"/>
+          </a:bodyPr>
+          <a:lstStyle/>
+          <a:p>
+            <a:r>
+              <a:rPr lang="zh-TW" altLang="en-US" dirty="0"/>
+              <a:t>可用於各式健康醫療應用情境</a:t>
+            </a:r>
+          </a:p>
+          <a:p>
+            <a:pPr lvl="1"/>
+            <a:r>
+              <a:rPr lang="en-US" altLang="zh-TW" dirty="0" smtClean="0"/>
+              <a:t>ambulatory</a:t>
+            </a:r>
+            <a:r>
+              <a:rPr lang="en-US" altLang="zh-TW" dirty="0"/>
+              <a:t>, emergency, </a:t>
+            </a:r>
+            <a:r>
+              <a:rPr lang="en-US" altLang="zh-TW" dirty="0">
+                <a:solidFill>
+                  <a:srgbClr val="FF0000"/>
+                </a:solidFill>
+              </a:rPr>
+              <a:t>home health</a:t>
+            </a:r>
+            <a:r>
+              <a:rPr lang="en-US" altLang="zh-TW" dirty="0"/>
+              <a:t>, inpatient and </a:t>
+            </a:r>
+            <a:r>
+              <a:rPr lang="en-US" altLang="zh-TW" dirty="0">
+                <a:solidFill>
+                  <a:srgbClr val="FF0000"/>
+                </a:solidFill>
+              </a:rPr>
+              <a:t>virtual </a:t>
+            </a:r>
+            <a:r>
+              <a:rPr lang="en-US" altLang="zh-TW" dirty="0" smtClean="0">
+                <a:solidFill>
+                  <a:srgbClr val="FF0000"/>
+                </a:solidFill>
+              </a:rPr>
+              <a:t>encounters</a:t>
+            </a:r>
+            <a:r>
+              <a:rPr lang="en-US" altLang="zh-TW" dirty="0" smtClean="0"/>
+              <a:t>...</a:t>
+            </a:r>
+          </a:p>
+          <a:p>
+            <a:r>
+              <a:rPr lang="zh-TW" altLang="en-US" dirty="0" smtClean="0"/>
+              <a:t>及</a:t>
+            </a:r>
+            <a:r>
+              <a:rPr lang="zh-TW" altLang="en-US" dirty="0"/>
+              <a:t>多樣之 </a:t>
+            </a:r>
+            <a:r>
+              <a:rPr lang="en-US" altLang="zh-TW" dirty="0"/>
+              <a:t>API </a:t>
+            </a:r>
+            <a:r>
+              <a:rPr lang="zh-TW" altLang="en-US" dirty="0"/>
+              <a:t>查詢條件</a:t>
+            </a:r>
+            <a:endParaRPr lang="en-US" altLang="zh-TW" dirty="0" smtClean="0"/>
+          </a:p>
+          <a:p>
+            <a:pPr lvl="1"/>
+            <a:r>
+              <a:rPr lang="zh-TW" altLang="en-US" dirty="0" smtClean="0"/>
+              <a:t>查詢今天預定到院須安排輪椅的病人</a:t>
+            </a:r>
+            <a:endParaRPr lang="en-US" altLang="zh-TW" dirty="0" smtClean="0"/>
+          </a:p>
+          <a:p>
+            <a:pPr lvl="2"/>
+            <a:r>
+              <a:rPr lang="en-US" altLang="zh-TW" dirty="0"/>
+              <a:t>http://hapi.fhir.org/baseR4/Encounter?special-arrangement=wheel&amp;status=planned&amp;date=2019-09-14</a:t>
+            </a:r>
+            <a:endParaRPr lang="en-US" altLang="zh-TW" dirty="0" smtClean="0"/>
+          </a:p>
+          <a:p>
+            <a:pPr lvl="1"/>
+            <a:r>
+              <a:rPr lang="zh-TW" altLang="en-US" dirty="0" smtClean="0"/>
+              <a:t>查詢某病人</a:t>
+            </a:r>
+            <a:r>
+              <a:rPr lang="en-US" altLang="zh-TW" dirty="0" smtClean="0"/>
+              <a:t>(id = 22797)</a:t>
+            </a:r>
+            <a:r>
+              <a:rPr lang="zh-TW" altLang="en-US" dirty="0" smtClean="0"/>
+              <a:t>之就醫紀錄</a:t>
+            </a:r>
+            <a:endParaRPr lang="en-US" altLang="zh-TW" dirty="0" smtClean="0"/>
+          </a:p>
+          <a:p>
+            <a:pPr lvl="2"/>
+            <a:r>
+              <a:rPr lang="en-US" altLang="zh-TW" dirty="0"/>
+              <a:t>http://hapi.fhir.org/baseR4/Encounter?patient=22797</a:t>
+            </a:r>
+            <a:endParaRPr lang="en-US" altLang="zh-TW" dirty="0" smtClean="0"/>
+          </a:p>
+        </p:txBody>
+      </p:sp>
+    </p:spTree>
+    <p:extLst>
+      <p:ext uri="{BB962C8B-B14F-4D97-AF65-F5344CB8AC3E}">
+        <p14:creationId xmlns:p14="http://schemas.microsoft.com/office/powerpoint/2010/main" val="2895115615"/>
+      </p:ext>
+    </p:extLst>
+  </p:cSld>
+  <p:clrMapOvr>
+    <a:masterClrMapping/>
+  </p:clrMapOvr>
+</p:sld>
+</file>
+
+<file path=ppt/slides/slide18.xml><?xml version="1.0" encoding="utf-8"?>
+<p:sld xmlns:a="http://schemas.openxmlformats.org/drawingml/2006/main" xmlns:r="http://schemas.openxmlformats.org/officeDocument/2006/relationships" xmlns:p="http://schemas.openxmlformats.org/presentationml/2006/main">
+  <p:cSld>
+    <p:spTree>
+      <p:nvGrpSpPr>
+        <p:cNvPr id="1" name=""/>
+        <p:cNvGrpSpPr/>
+        <p:nvPr/>
+      </p:nvGrpSpPr>
+      <p:grpSpPr>
+        <a:xfrm>
+          <a:off x="0" y="0"/>
+          <a:ext cx="0" cy="0"/>
+          <a:chOff x="0" y="0"/>
+          <a:chExt cx="0" cy="0"/>
+        </a:xfrm>
+      </p:grpSpPr>
+      <p:sp>
+        <p:nvSpPr>
+          <p:cNvPr id="2" name="內容版面配置區 1"/>
+          <p:cNvSpPr>
+            <a:spLocks noGrp="1"/>
+          </p:cNvSpPr>
+          <p:nvPr>
+            <p:ph idx="1"/>
+          </p:nvPr>
+        </p:nvSpPr>
+        <p:spPr/>
+        <p:txBody>
+          <a:bodyPr/>
+          <a:lstStyle/>
+          <a:p>
+            <a:endParaRPr lang="zh-TW" altLang="en-US"/>
+          </a:p>
+        </p:txBody>
+      </p:sp>
+      <p:pic>
+        <p:nvPicPr>
+          <p:cNvPr id="10243" name="Picture 3"/>
+          <p:cNvPicPr>
+            <a:picLocks noChangeAspect="1" noChangeArrowheads="1"/>
+          </p:cNvPicPr>
+          <p:nvPr/>
+        </p:nvPicPr>
+        <p:blipFill>
+          <a:blip r:embed="rId2">
+            <a:extLst>
+              <a:ext uri="{28A0092B-C50C-407E-A947-70E740481C1C}">
+                <a14:useLocalDpi xmlns:a14="http://schemas.microsoft.com/office/drawing/2010/main" val="0"/>
+              </a:ext>
+            </a:extLst>
+          </a:blip>
+          <a:srcRect/>
+          <a:stretch>
+            <a:fillRect/>
+          </a:stretch>
+        </p:blipFill>
+        <p:spPr bwMode="auto">
+          <a:xfrm>
+            <a:off x="244219" y="1628304"/>
+            <a:ext cx="8616860" cy="4076700"/>
+          </a:xfrm>
+          <a:prstGeom prst="rect">
+            <a:avLst/>
+          </a:prstGeom>
+          <a:noFill/>
+          <a:ln>
+            <a:noFill/>
+          </a:ln>
+          <a:extLst>
+            <a:ext uri="{909E8E84-426E-40DD-AFC4-6F175D3DCCD1}">
+              <a14:hiddenFill xmlns:a14="http://schemas.microsoft.com/office/drawing/2010/main">
+                <a:solidFill>
+                  <a:schemeClr val="accent1"/>
+                </a:solidFill>
+              </a14:hiddenFill>
+            </a:ext>
+            <a:ext uri="{91240B29-F687-4F45-9708-019B960494DF}">
+              <a14:hiddenLine xmlns:a14="http://schemas.microsoft.com/office/drawing/2010/main" w="9525">
+                <a:solidFill>
+                  <a:schemeClr val="tx1"/>
+                </a:solidFill>
+                <a:miter lim="800000"/>
+                <a:headEnd/>
+                <a:tailEnd/>
+              </a14:hiddenLine>
+            </a:ext>
+          </a:extLst>
+        </p:spPr>
+      </p:pic>
+      <p:sp>
+        <p:nvSpPr>
+          <p:cNvPr id="6" name="Title 2"/>
+          <p:cNvSpPr txBox="1">
+            <a:spLocks/>
+          </p:cNvSpPr>
+          <p:nvPr/>
+        </p:nvSpPr>
+        <p:spPr>
+          <a:xfrm>
+            <a:off x="356970" y="1257307"/>
+            <a:ext cx="8181808" cy="475562"/>
+          </a:xfrm>
+          <a:prstGeom prst="rect">
+            <a:avLst/>
+          </a:prstGeom>
+        </p:spPr>
+        <p:txBody>
+          <a:bodyPr vert="horz" lIns="0" tIns="0" rIns="0" bIns="0" rtlCol="0" anchor="ctr">
+            <a:noAutofit/>
+          </a:bodyPr>
+          <a:lstStyle>
+            <a:lvl1pPr algn="l" defTabSz="914400" rtl="0" eaLnBrk="1" latinLnBrk="0" hangingPunct="1">
+              <a:lnSpc>
+                <a:spcPct val="90000"/>
+              </a:lnSpc>
+              <a:spcBef>
+                <a:spcPct val="0"/>
+              </a:spcBef>
+              <a:buNone/>
+              <a:defRPr sz="1600" b="1" i="0" kern="1200">
+                <a:solidFill>
+                  <a:schemeClr val="accent2"/>
+                </a:solidFill>
+                <a:latin typeface="Arial"/>
+                <a:ea typeface="+mj-ea"/>
+                <a:cs typeface="Arial"/>
+              </a:defRPr>
+            </a:lvl1pPr>
+          </a:lstStyle>
+          <a:p>
+            <a:pPr algn="ctr"/>
+            <a:r>
+              <a:rPr lang="zh-TW" altLang="en-US" sz="3000" dirty="0">
+                <a:solidFill>
+                  <a:srgbClr val="000000"/>
+                </a:solidFill>
+              </a:rPr>
+              <a:t>腎臟病人醫護</a:t>
+            </a:r>
+            <a:r>
+              <a:rPr lang="zh-TW" altLang="en-US" sz="3000" dirty="0">
+                <a:solidFill>
+                  <a:srgbClr val="000000"/>
+                </a:solidFill>
+              </a:rPr>
+              <a:t>表單</a:t>
+            </a:r>
+            <a:r>
+              <a:rPr lang="en-US" altLang="zh-TW" sz="3000" dirty="0">
+                <a:solidFill>
+                  <a:srgbClr val="000000"/>
+                </a:solidFill>
+              </a:rPr>
+              <a:t>--</a:t>
+            </a:r>
+            <a:r>
+              <a:rPr lang="zh-TW" altLang="en-US" sz="3000" dirty="0">
+                <a:solidFill>
+                  <a:srgbClr val="000000"/>
+                </a:solidFill>
+              </a:rPr>
+              <a:t>可供病人或醫護人員填寫</a:t>
+            </a:r>
+            <a:endParaRPr lang="zh-TW" altLang="en-US" sz="3000" dirty="0">
+              <a:solidFill>
+                <a:srgbClr val="000000"/>
+              </a:solidFill>
+            </a:endParaRPr>
+          </a:p>
+          <a:p>
+            <a:pPr algn="ctr"/>
+            <a:endParaRPr lang="en-GB" sz="3000" dirty="0">
+              <a:solidFill>
+                <a:srgbClr val="000000"/>
+              </a:solidFill>
+            </a:endParaRPr>
+          </a:p>
+        </p:txBody>
+      </p:sp>
+    </p:spTree>
+    <p:extLst>
+      <p:ext uri="{BB962C8B-B14F-4D97-AF65-F5344CB8AC3E}">
+        <p14:creationId xmlns:p14="http://schemas.microsoft.com/office/powerpoint/2010/main" val="4083842136"/>
+      </p:ext>
+    </p:extLst>
+  </p:cSld>
+  <p:clrMapOvr>
+    <a:masterClrMapping/>
+  </p:clrMapOvr>
+  <mc:AlternateContent xmlns:mc="http://schemas.openxmlformats.org/markup-compatibility/2006" xmlns:p14="http://schemas.microsoft.com/office/powerpoint/2010/main">
+    <mc:Choice Requires="p14">
+      <p:transition p14:dur="10"/>
+    </mc:Choice>
+    <mc:Fallback xmlns="">
+      <p:transition/>
+    </mc:Fallback>
+  </mc:AlternateContent>
+  <p:timing>
+    <p:tnLst>
+      <p:par>
+        <p:cTn id="1" dur="indefinite" restart="never" nodeType="tmRoot"/>
+      </p:par>
+    </p:tnLst>
+  </p:timing>
+</p:sld>
+</file>
+
+<file path=ppt/slides/slide19.xml><?xml version="1.0" encoding="utf-8"?>
+<p:sld xmlns:a="http://schemas.openxmlformats.org/drawingml/2006/main" xmlns:r="http://schemas.openxmlformats.org/officeDocument/2006/relationships" xmlns:p="http://schemas.openxmlformats.org/presentationml/2006/main">
+  <p:cSld>
+    <p:spTree>
+      <p:nvGrpSpPr>
+        <p:cNvPr id="1" name=""/>
+        <p:cNvGrpSpPr/>
+        <p:nvPr/>
+      </p:nvGrpSpPr>
+      <p:grpSpPr>
+        <a:xfrm>
+          <a:off x="0" y="0"/>
+          <a:ext cx="0" cy="0"/>
+          <a:chOff x="0" y="0"/>
+          <a:chExt cx="0" cy="0"/>
+        </a:xfrm>
+      </p:grpSpPr>
+      <p:sp>
+        <p:nvSpPr>
+          <p:cNvPr id="6" name="Title 2"/>
+          <p:cNvSpPr>
+            <a:spLocks noGrp="1"/>
+          </p:cNvSpPr>
+          <p:nvPr>
+            <p:ph type="title"/>
+          </p:nvPr>
+        </p:nvSpPr>
+        <p:spPr>
+          <a:xfrm>
+            <a:off x="438717" y="1019527"/>
+            <a:ext cx="8181808" cy="475562"/>
+          </a:xfrm>
+        </p:spPr>
+        <p:txBody>
+          <a:bodyPr>
+            <a:noAutofit/>
+          </a:bodyPr>
+          <a:lstStyle/>
+          <a:p>
+            <a:pPr algn="ctr"/>
+            <a:r>
+              <a:rPr lang="zh-TW" altLang="en-US" sz="3600" dirty="0">
+                <a:solidFill>
+                  <a:srgbClr val="000000"/>
+                </a:solidFill>
+                <a:latin typeface="+mj-lt"/>
+              </a:rPr>
+              <a:t>病人基本資料及就醫</a:t>
+            </a:r>
+            <a:r>
+              <a:rPr lang="en-US" altLang="zh-TW" sz="3600" dirty="0">
+                <a:solidFill>
+                  <a:srgbClr val="000000"/>
+                </a:solidFill>
+                <a:latin typeface="+mj-lt"/>
+              </a:rPr>
+              <a:t>(Encounter)</a:t>
+            </a:r>
+            <a:r>
+              <a:rPr lang="zh-TW" altLang="en-US" sz="3600" dirty="0">
+                <a:solidFill>
+                  <a:srgbClr val="000000"/>
+                </a:solidFill>
+                <a:latin typeface="+mj-lt"/>
+              </a:rPr>
+              <a:t>資訊</a:t>
+            </a:r>
+            <a:endParaRPr lang="en-GB" sz="3600" dirty="0">
+              <a:solidFill>
+                <a:srgbClr val="000000"/>
+              </a:solidFill>
+              <a:latin typeface="+mj-lt"/>
+            </a:endParaRPr>
+          </a:p>
+        </p:txBody>
+      </p:sp>
+      <p:pic>
+        <p:nvPicPr>
+          <p:cNvPr id="7" name="Picture 2"/>
+          <p:cNvPicPr>
+            <a:picLocks noChangeAspect="1" noChangeArrowheads="1"/>
+          </p:cNvPicPr>
+          <p:nvPr/>
+        </p:nvPicPr>
+        <p:blipFill>
+          <a:blip r:embed="rId3">
+            <a:extLst>
+              <a:ext uri="{28A0092B-C50C-407E-A947-70E740481C1C}">
+                <a14:useLocalDpi xmlns:a14="http://schemas.microsoft.com/office/drawing/2010/main" val="0"/>
+              </a:ext>
+            </a:extLst>
+          </a:blip>
+          <a:srcRect/>
+          <a:stretch>
+            <a:fillRect/>
+          </a:stretch>
+        </p:blipFill>
+        <p:spPr bwMode="auto">
+          <a:xfrm>
+            <a:off x="1109108" y="1437399"/>
+            <a:ext cx="6900863" cy="2571750"/>
+          </a:xfrm>
+          <a:prstGeom prst="rect">
+            <a:avLst/>
+          </a:prstGeom>
+          <a:noFill/>
+          <a:ln>
+            <a:noFill/>
+          </a:ln>
+          <a:extLst>
+            <a:ext uri="{909E8E84-426E-40DD-AFC4-6F175D3DCCD1}">
+              <a14:hiddenFill xmlns:a14="http://schemas.microsoft.com/office/drawing/2010/main">
+                <a:solidFill>
+                  <a:schemeClr val="accent1"/>
+                </a:solidFill>
+              </a14:hiddenFill>
+            </a:ext>
+            <a:ext uri="{91240B29-F687-4F45-9708-019B960494DF}">
+              <a14:hiddenLine xmlns:a14="http://schemas.microsoft.com/office/drawing/2010/main" w="9525">
+                <a:solidFill>
+                  <a:schemeClr val="tx1"/>
+                </a:solidFill>
+                <a:miter lim="800000"/>
+                <a:headEnd/>
+                <a:tailEnd/>
+              </a14:hiddenLine>
+            </a:ext>
+          </a:extLst>
+        </p:spPr>
+      </p:pic>
+      <p:pic>
+        <p:nvPicPr>
+          <p:cNvPr id="9" name="Picture 3" descr="C:\Users\User\Desktop\未命名.png"/>
+          <p:cNvPicPr>
+            <a:picLocks noGrp="1" noChangeAspect="1" noChangeArrowheads="1"/>
+          </p:cNvPicPr>
+          <p:nvPr>
+            <p:ph idx="1"/>
+          </p:nvPr>
+        </p:nvPicPr>
+        <p:blipFill>
+          <a:blip r:embed="rId4">
+            <a:extLst>
+              <a:ext uri="{28A0092B-C50C-407E-A947-70E740481C1C}">
+                <a14:useLocalDpi xmlns:a14="http://schemas.microsoft.com/office/drawing/2010/main" val="0"/>
+              </a:ext>
+            </a:extLst>
+          </a:blip>
+          <a:srcRect/>
+          <a:stretch>
+            <a:fillRect/>
+          </a:stretch>
+        </p:blipFill>
+        <p:spPr bwMode="auto">
+          <a:xfrm>
+            <a:off x="1109109" y="3626114"/>
+            <a:ext cx="6900863" cy="2738579"/>
+          </a:xfrm>
+          <a:prstGeom prst="rect">
+            <a:avLst/>
+          </a:prstGeom>
+          <a:noFill/>
+          <a:extLst>
+            <a:ext uri="{909E8E84-426E-40DD-AFC4-6F175D3DCCD1}">
+              <a14:hiddenFill xmlns:a14="http://schemas.microsoft.com/office/drawing/2010/main">
+                <a:solidFill>
+                  <a:srgbClr val="FFFFFF"/>
+                </a:solidFill>
+              </a14:hiddenFill>
+            </a:ext>
+          </a:extLst>
+        </p:spPr>
+      </p:pic>
+    </p:spTree>
+    <p:extLst>
+      <p:ext uri="{BB962C8B-B14F-4D97-AF65-F5344CB8AC3E}">
+        <p14:creationId xmlns:p14="http://schemas.microsoft.com/office/powerpoint/2010/main" val="3989555670"/>
+      </p:ext>
+    </p:extLst>
+  </p:cSld>
+  <p:clrMapOvr>
+    <a:masterClrMapping/>
+  </p:clrMapOvr>
+  <mc:AlternateContent xmlns:mc="http://schemas.openxmlformats.org/markup-compatibility/2006" xmlns:p14="http://schemas.microsoft.com/office/powerpoint/2010/main">
+    <mc:Choice Requires="p14">
+      <p:transition p14:dur="10"/>
+    </mc:Choice>
+    <mc:Fallback xmlns="">
+      <p:transition/>
+    </mc:Fallback>
+  </mc:AlternateContent>
+  <p:timing>
+    <p:tnLst>
+      <p:par>
+        <p:cTn id="1" dur="indefinite" restart="never" nodeType="tmRoot"/>
+      </p:par>
+    </p:tnLst>
+  </p:timing>
+</p:sld>
+</file>
+
 <file path=ppt/slides/slide2.xml><?xml version="1.0" encoding="utf-8"?>
+<p:sld xmlns:a="http://schemas.openxmlformats.org/drawingml/2006/main" xmlns:r="http://schemas.openxmlformats.org/officeDocument/2006/relationships" xmlns:p="http://schemas.openxmlformats.org/presentationml/2006/main">
+  <p:cSld>
+    <p:spTree>
+      <p:nvGrpSpPr>
+        <p:cNvPr id="1" name=""/>
+        <p:cNvGrpSpPr/>
+        <p:nvPr/>
+      </p:nvGrpSpPr>
+      <p:grpSpPr>
+        <a:xfrm>
+          <a:off x="0" y="0"/>
+          <a:ext cx="0" cy="0"/>
+          <a:chOff x="0" y="0"/>
+          <a:chExt cx="0" cy="0"/>
+        </a:xfrm>
+      </p:grpSpPr>
+      <p:sp>
+        <p:nvSpPr>
+          <p:cNvPr id="2" name="標題 1"/>
+          <p:cNvSpPr>
+            <a:spLocks noGrp="1"/>
+          </p:cNvSpPr>
+          <p:nvPr>
+            <p:ph type="title"/>
+          </p:nvPr>
+        </p:nvSpPr>
+        <p:spPr/>
+        <p:txBody>
+          <a:bodyPr/>
+          <a:lstStyle/>
+          <a:p>
+            <a:r>
+              <a:rPr lang="en-US" altLang="zh-TW" dirty="0" smtClean="0"/>
+              <a:t>FHIR</a:t>
+            </a:r>
+            <a:r>
+              <a:rPr lang="zh-TW" altLang="en-US" dirty="0" smtClean="0"/>
+              <a:t> </a:t>
+            </a:r>
+            <a:r>
+              <a:rPr lang="en-US" altLang="zh-TW" dirty="0" smtClean="0"/>
+              <a:t>patient</a:t>
+            </a:r>
+            <a:endParaRPr lang="zh-TW" altLang="en-US" dirty="0"/>
+          </a:p>
+        </p:txBody>
+      </p:sp>
+      <p:sp>
+        <p:nvSpPr>
+          <p:cNvPr id="3" name="內容版面配置區 2"/>
+          <p:cNvSpPr>
+            <a:spLocks noGrp="1"/>
+          </p:cNvSpPr>
+          <p:nvPr>
+            <p:ph idx="1"/>
+          </p:nvPr>
+        </p:nvSpPr>
+        <p:spPr/>
+        <p:txBody>
+          <a:bodyPr>
+            <a:normAutofit lnSpcReduction="10000"/>
+          </a:bodyPr>
+          <a:lstStyle/>
+          <a:p>
+            <a:r>
+              <a:rPr lang="zh-TW" altLang="en-US" dirty="0" smtClean="0"/>
+              <a:t>病人基本資料標準規格</a:t>
+            </a:r>
+            <a:endParaRPr lang="en-US" altLang="zh-TW" dirty="0" smtClean="0"/>
+          </a:p>
+          <a:p>
+            <a:r>
+              <a:rPr lang="zh-TW" altLang="en-US" dirty="0" smtClean="0"/>
+              <a:t>基於此規格，全球各地病人資料具統一格式</a:t>
+            </a:r>
+            <a:endParaRPr lang="en-US" altLang="zh-TW" dirty="0" smtClean="0"/>
+          </a:p>
+          <a:p>
+            <a:r>
+              <a:rPr lang="zh-TW" altLang="en-US" dirty="0" smtClean="0"/>
+              <a:t>可在各 </a:t>
+            </a:r>
+            <a:r>
+              <a:rPr lang="en-US" altLang="zh-TW" dirty="0" smtClean="0"/>
+              <a:t>FHIR</a:t>
+            </a:r>
+            <a:r>
+              <a:rPr lang="zh-TW" altLang="en-US" dirty="0" smtClean="0"/>
+              <a:t> 系統間互通</a:t>
+            </a:r>
+            <a:endParaRPr lang="en-US" altLang="zh-TW" dirty="0" smtClean="0"/>
+          </a:p>
+          <a:p>
+            <a:r>
+              <a:rPr lang="zh-TW" altLang="en-US" dirty="0" smtClean="0"/>
+              <a:t>參考連結</a:t>
+            </a:r>
+            <a:endParaRPr lang="en-US" altLang="zh-TW" dirty="0" smtClean="0"/>
+          </a:p>
+          <a:p>
+            <a:pPr lvl="1"/>
+            <a:r>
+              <a:rPr lang="en-US" altLang="zh-TW" dirty="0">
+                <a:hlinkClick r:id="rId2"/>
+              </a:rPr>
+              <a:t>https://</a:t>
+            </a:r>
+            <a:r>
+              <a:rPr lang="en-US" altLang="zh-TW" dirty="0" smtClean="0">
+                <a:hlinkClick r:id="rId2"/>
+              </a:rPr>
+              <a:t>www.hl7.org/fhir/patient.html</a:t>
+            </a:r>
+            <a:endParaRPr lang="en-US" altLang="zh-TW" dirty="0" smtClean="0"/>
+          </a:p>
+          <a:p>
+            <a:pPr lvl="1"/>
+            <a:r>
+              <a:rPr lang="zh-TW" altLang="en-US" dirty="0" smtClean="0"/>
+              <a:t>中文規格</a:t>
+            </a:r>
+            <a:endParaRPr lang="en-US" altLang="zh-TW" dirty="0" smtClean="0"/>
+          </a:p>
+          <a:p>
+            <a:pPr lvl="2"/>
+            <a:r>
+              <a:rPr lang="en-US" altLang="zh-TW" dirty="0"/>
+              <a:t>https://mos2718.github.io/FHIRspec/Spec/Patient/EHR_Patient.docx</a:t>
+            </a:r>
+            <a:endParaRPr lang="zh-TW" altLang="en-US" dirty="0"/>
+          </a:p>
+        </p:txBody>
+      </p:sp>
+    </p:spTree>
+    <p:extLst>
+      <p:ext uri="{BB962C8B-B14F-4D97-AF65-F5344CB8AC3E}">
+        <p14:creationId xmlns:p14="http://schemas.microsoft.com/office/powerpoint/2010/main" val="1434338367"/>
+      </p:ext>
+    </p:extLst>
+  </p:cSld>
+  <p:clrMapOvr>
+    <a:masterClrMapping/>
+  </p:clrMapOvr>
+</p:sld>
+</file>
+
+<file path=ppt/slides/slide20.xml><?xml version="1.0" encoding="utf-8"?>
+<p:sld xmlns:a="http://schemas.openxmlformats.org/drawingml/2006/main" xmlns:r="http://schemas.openxmlformats.org/officeDocument/2006/relationships" xmlns:p="http://schemas.openxmlformats.org/presentationml/2006/main">
+  <p:cSld>
+    <p:spTree>
+      <p:nvGrpSpPr>
+        <p:cNvPr id="1" name=""/>
+        <p:cNvGrpSpPr/>
+        <p:nvPr/>
+      </p:nvGrpSpPr>
+      <p:grpSpPr>
+        <a:xfrm>
+          <a:off x="0" y="0"/>
+          <a:ext cx="0" cy="0"/>
+          <a:chOff x="0" y="0"/>
+          <a:chExt cx="0" cy="0"/>
+        </a:xfrm>
+      </p:grpSpPr>
+      <p:sp>
+        <p:nvSpPr>
+          <p:cNvPr id="6" name="Title 2"/>
+          <p:cNvSpPr>
+            <a:spLocks noGrp="1"/>
+          </p:cNvSpPr>
+          <p:nvPr>
+            <p:ph type="title"/>
+          </p:nvPr>
+        </p:nvSpPr>
+        <p:spPr>
+          <a:xfrm>
+            <a:off x="438717" y="1019527"/>
+            <a:ext cx="8181808" cy="475562"/>
+          </a:xfrm>
+        </p:spPr>
+        <p:txBody>
+          <a:bodyPr>
+            <a:noAutofit/>
+          </a:bodyPr>
+          <a:lstStyle/>
+          <a:p>
+            <a:pPr algn="ctr"/>
+            <a:r>
+              <a:rPr lang="zh-TW" altLang="en-US" sz="3600" dirty="0">
+                <a:solidFill>
+                  <a:srgbClr val="000000"/>
+                </a:solidFill>
+                <a:latin typeface="+mj-lt"/>
+              </a:rPr>
+              <a:t>病人健康狀況</a:t>
+            </a:r>
+            <a:r>
+              <a:rPr lang="en-US" altLang="zh-TW" sz="3600" dirty="0">
+                <a:solidFill>
+                  <a:srgbClr val="000000"/>
+                </a:solidFill>
+                <a:latin typeface="+mj-lt"/>
+              </a:rPr>
+              <a:t>( </a:t>
+            </a:r>
+            <a:r>
+              <a:rPr lang="en-US" altLang="zh-TW" sz="3600" dirty="0" err="1">
+                <a:solidFill>
+                  <a:srgbClr val="000000"/>
+                </a:solidFill>
+                <a:latin typeface="+mj-lt"/>
+              </a:rPr>
+              <a:t>FHIR</a:t>
+            </a:r>
+            <a:r>
+              <a:rPr lang="zh-TW" altLang="en-US" sz="3600" dirty="0">
+                <a:solidFill>
+                  <a:srgbClr val="000000"/>
+                </a:solidFill>
+                <a:latin typeface="+mj-lt"/>
+              </a:rPr>
+              <a:t> </a:t>
+            </a:r>
+            <a:r>
+              <a:rPr lang="en-US" altLang="zh-TW" sz="3600" dirty="0">
+                <a:solidFill>
+                  <a:srgbClr val="000000"/>
+                </a:solidFill>
+                <a:latin typeface="+mj-lt"/>
+              </a:rPr>
+              <a:t>Condition</a:t>
+            </a:r>
+            <a:r>
+              <a:rPr lang="zh-TW" altLang="en-US" sz="3600" dirty="0">
+                <a:solidFill>
+                  <a:srgbClr val="000000"/>
+                </a:solidFill>
+                <a:latin typeface="+mj-lt"/>
+              </a:rPr>
+              <a:t> </a:t>
+            </a:r>
+            <a:r>
+              <a:rPr lang="en-US" altLang="zh-TW" sz="3600" dirty="0">
+                <a:solidFill>
+                  <a:srgbClr val="000000"/>
+                </a:solidFill>
+                <a:latin typeface="+mj-lt"/>
+              </a:rPr>
+              <a:t>)</a:t>
+            </a:r>
+            <a:endParaRPr lang="en-GB" sz="3600" dirty="0">
+              <a:solidFill>
+                <a:srgbClr val="000000"/>
+              </a:solidFill>
+              <a:latin typeface="+mj-lt"/>
+            </a:endParaRPr>
+          </a:p>
+        </p:txBody>
+      </p:sp>
+      <p:pic>
+        <p:nvPicPr>
+          <p:cNvPr id="12290" name="Picture 2"/>
+          <p:cNvPicPr>
+            <a:picLocks noChangeAspect="1" noChangeArrowheads="1"/>
+          </p:cNvPicPr>
+          <p:nvPr/>
+        </p:nvPicPr>
+        <p:blipFill>
+          <a:blip r:embed="rId3">
+            <a:extLst>
+              <a:ext uri="{28A0092B-C50C-407E-A947-70E740481C1C}">
+                <a14:useLocalDpi xmlns:a14="http://schemas.microsoft.com/office/drawing/2010/main" val="0"/>
+              </a:ext>
+            </a:extLst>
+          </a:blip>
+          <a:srcRect/>
+          <a:stretch>
+            <a:fillRect/>
+          </a:stretch>
+        </p:blipFill>
+        <p:spPr bwMode="auto">
+          <a:xfrm>
+            <a:off x="48028" y="1659736"/>
+            <a:ext cx="8893969" cy="2128838"/>
+          </a:xfrm>
+          <a:prstGeom prst="rect">
+            <a:avLst/>
+          </a:prstGeom>
+          <a:noFill/>
+          <a:ln>
+            <a:noFill/>
+          </a:ln>
+          <a:extLst>
+            <a:ext uri="{909E8E84-426E-40DD-AFC4-6F175D3DCCD1}">
+              <a14:hiddenFill xmlns:a14="http://schemas.microsoft.com/office/drawing/2010/main">
+                <a:solidFill>
+                  <a:schemeClr val="accent1"/>
+                </a:solidFill>
+              </a14:hiddenFill>
+            </a:ext>
+            <a:ext uri="{91240B29-F687-4F45-9708-019B960494DF}">
+              <a14:hiddenLine xmlns:a14="http://schemas.microsoft.com/office/drawing/2010/main" w="9525">
+                <a:solidFill>
+                  <a:schemeClr val="tx1"/>
+                </a:solidFill>
+                <a:miter lim="800000"/>
+                <a:headEnd/>
+                <a:tailEnd/>
+              </a14:hiddenLine>
+            </a:ext>
+          </a:extLst>
+        </p:spPr>
+      </p:pic>
+      <p:pic>
+        <p:nvPicPr>
+          <p:cNvPr id="12291" name="Picture 3"/>
+          <p:cNvPicPr>
+            <a:picLocks noChangeAspect="1" noChangeArrowheads="1"/>
+          </p:cNvPicPr>
+          <p:nvPr/>
+        </p:nvPicPr>
+        <p:blipFill>
+          <a:blip r:embed="rId4">
+            <a:extLst>
+              <a:ext uri="{28A0092B-C50C-407E-A947-70E740481C1C}">
+                <a14:useLocalDpi xmlns:a14="http://schemas.microsoft.com/office/drawing/2010/main" val="0"/>
+              </a:ext>
+            </a:extLst>
+          </a:blip>
+          <a:srcRect/>
+          <a:stretch>
+            <a:fillRect/>
+          </a:stretch>
+        </p:blipFill>
+        <p:spPr bwMode="auto">
+          <a:xfrm>
+            <a:off x="48028" y="3683805"/>
+            <a:ext cx="8901113" cy="2431252"/>
+          </a:xfrm>
+          <a:prstGeom prst="rect">
+            <a:avLst/>
+          </a:prstGeom>
+          <a:noFill/>
+          <a:ln>
+            <a:noFill/>
+          </a:ln>
+          <a:extLst>
+            <a:ext uri="{909E8E84-426E-40DD-AFC4-6F175D3DCCD1}">
+              <a14:hiddenFill xmlns:a14="http://schemas.microsoft.com/office/drawing/2010/main">
+                <a:solidFill>
+                  <a:schemeClr val="accent1"/>
+                </a:solidFill>
+              </a14:hiddenFill>
+            </a:ext>
+            <a:ext uri="{91240B29-F687-4F45-9708-019B960494DF}">
+              <a14:hiddenLine xmlns:a14="http://schemas.microsoft.com/office/drawing/2010/main" w="9525">
+                <a:solidFill>
+                  <a:schemeClr val="tx1"/>
+                </a:solidFill>
+                <a:miter lim="800000"/>
+                <a:headEnd/>
+                <a:tailEnd/>
+              </a14:hiddenLine>
+            </a:ext>
+          </a:extLst>
+        </p:spPr>
+      </p:pic>
+    </p:spTree>
+    <p:extLst>
+      <p:ext uri="{BB962C8B-B14F-4D97-AF65-F5344CB8AC3E}">
+        <p14:creationId xmlns:p14="http://schemas.microsoft.com/office/powerpoint/2010/main" val="2877019612"/>
+      </p:ext>
+    </p:extLst>
+  </p:cSld>
+  <p:clrMapOvr>
+    <a:masterClrMapping/>
+  </p:clrMapOvr>
+  <mc:AlternateContent xmlns:mc="http://schemas.openxmlformats.org/markup-compatibility/2006" xmlns:p14="http://schemas.microsoft.com/office/powerpoint/2010/main">
+    <mc:Choice Requires="p14">
+      <p:transition p14:dur="10"/>
+    </mc:Choice>
+    <mc:Fallback xmlns="">
+      <p:transition/>
+    </mc:Fallback>
+  </mc:AlternateContent>
+  <p:timing>
+    <p:tnLst>
+      <p:par>
+        <p:cTn id="1" dur="indefinite" restart="never" nodeType="tmRoot"/>
+      </p:par>
+    </p:tnLst>
+  </p:timing>
+</p:sld>
+</file>
+
+<file path=ppt/slides/slide21.xml><?xml version="1.0" encoding="utf-8"?>
+<p:sld xmlns:a="http://schemas.openxmlformats.org/drawingml/2006/main" xmlns:r="http://schemas.openxmlformats.org/officeDocument/2006/relationships" xmlns:p="http://schemas.openxmlformats.org/presentationml/2006/main">
+  <p:cSld>
+    <p:spTree>
+      <p:nvGrpSpPr>
+        <p:cNvPr id="1" name=""/>
+        <p:cNvGrpSpPr/>
+        <p:nvPr/>
+      </p:nvGrpSpPr>
+      <p:grpSpPr>
+        <a:xfrm>
+          <a:off x="0" y="0"/>
+          <a:ext cx="0" cy="0"/>
+          <a:chOff x="0" y="0"/>
+          <a:chExt cx="0" cy="0"/>
+        </a:xfrm>
+      </p:grpSpPr>
+      <p:sp>
+        <p:nvSpPr>
+          <p:cNvPr id="5" name="文字方塊 4"/>
+          <p:cNvSpPr txBox="1"/>
+          <p:nvPr/>
+        </p:nvSpPr>
+        <p:spPr>
+          <a:xfrm>
+            <a:off x="1614462" y="968859"/>
+            <a:ext cx="5789230" cy="600164"/>
+          </a:xfrm>
+          <a:prstGeom prst="rect">
+            <a:avLst/>
+          </a:prstGeom>
+          <a:noFill/>
+        </p:spPr>
+        <p:txBody>
+          <a:bodyPr wrap="square" rtlCol="0">
+            <a:spAutoFit/>
+          </a:bodyPr>
+          <a:lstStyle>
+            <a:defPPr>
+              <a:defRPr lang="zh-TW"/>
+            </a:defPPr>
+            <a:lvl1pPr>
+              <a:defRPr sz="4400" b="1">
+                <a:ln w="9525">
+                  <a:solidFill>
+                    <a:schemeClr val="bg1"/>
+                  </a:solidFill>
+                  <a:prstDash val="solid"/>
+                </a:ln>
+                <a:effectLst>
+                  <a:outerShdw blurRad="12700" dist="38100" dir="2700000" algn="tl" rotWithShape="0">
+                    <a:schemeClr val="bg1">
+                      <a:lumMod val="50000"/>
+                    </a:schemeClr>
+                  </a:outerShdw>
+                </a:effectLst>
+                <a:latin typeface="Times New Roman" panose="02020603050405020304" pitchFamily="18" charset="0"/>
+              </a:defRPr>
+            </a:lvl1pPr>
+          </a:lstStyle>
+          <a:p>
+            <a:pPr algn="ctr"/>
+            <a:r>
+              <a:rPr lang="en-US" altLang="zh-TW" sz="3300" dirty="0" err="1"/>
+              <a:t>FHIR</a:t>
+            </a:r>
+            <a:r>
+              <a:rPr lang="zh-TW" altLang="en-US" sz="3300" dirty="0"/>
+              <a:t> 網頁表單範例程式</a:t>
+            </a:r>
+            <a:endParaRPr lang="en-US" altLang="zh-TW" sz="3300" dirty="0"/>
+          </a:p>
+        </p:txBody>
+      </p:sp>
+      <p:sp>
+        <p:nvSpPr>
+          <p:cNvPr id="6" name="投影片編號版面配置區 5"/>
+          <p:cNvSpPr>
+            <a:spLocks noGrp="1"/>
+          </p:cNvSpPr>
+          <p:nvPr>
+            <p:ph type="sldNum" sz="quarter" idx="12"/>
+          </p:nvPr>
+        </p:nvSpPr>
+        <p:spPr/>
+        <p:txBody>
+          <a:bodyPr/>
+          <a:lstStyle/>
+          <a:p>
+            <a:fld id="{B9380F1A-32E0-4952-9759-CD47539307D0}" type="slidenum">
+              <a:rPr lang="en-US" altLang="zh-TW" smtClean="0"/>
+              <a:pPr/>
+              <a:t>21</a:t>
+            </a:fld>
+            <a:endParaRPr lang="en-US" dirty="0"/>
+          </a:p>
+        </p:txBody>
+      </p:sp>
+      <p:pic>
+        <p:nvPicPr>
+          <p:cNvPr id="1026" name="Picture 2"/>
+          <p:cNvPicPr>
+            <a:picLocks noChangeAspect="1" noChangeArrowheads="1"/>
+          </p:cNvPicPr>
+          <p:nvPr/>
+        </p:nvPicPr>
+        <p:blipFill>
+          <a:blip r:embed="rId3">
+            <a:extLst>
+              <a:ext uri="{28A0092B-C50C-407E-A947-70E740481C1C}">
+                <a14:useLocalDpi xmlns:a14="http://schemas.microsoft.com/office/drawing/2010/main" val="0"/>
+              </a:ext>
+            </a:extLst>
+          </a:blip>
+          <a:srcRect/>
+          <a:stretch>
+            <a:fillRect/>
+          </a:stretch>
+        </p:blipFill>
+        <p:spPr bwMode="auto">
+          <a:xfrm>
+            <a:off x="135355" y="2207419"/>
+            <a:ext cx="4908884" cy="814388"/>
+          </a:xfrm>
+          <a:prstGeom prst="rect">
+            <a:avLst/>
+          </a:prstGeom>
+          <a:noFill/>
+          <a:ln>
+            <a:noFill/>
+          </a:ln>
+          <a:extLst>
+            <a:ext uri="{909E8E84-426E-40DD-AFC4-6F175D3DCCD1}">
+              <a14:hiddenFill xmlns:a14="http://schemas.microsoft.com/office/drawing/2010/main">
+                <a:solidFill>
+                  <a:schemeClr val="accent1"/>
+                </a:solidFill>
+              </a14:hiddenFill>
+            </a:ext>
+            <a:ext uri="{91240B29-F687-4F45-9708-019B960494DF}">
+              <a14:hiddenLine xmlns:a14="http://schemas.microsoft.com/office/drawing/2010/main" w="9525">
+                <a:solidFill>
+                  <a:schemeClr val="tx1"/>
+                </a:solidFill>
+                <a:miter lim="800000"/>
+                <a:headEnd/>
+                <a:tailEnd/>
+              </a14:hiddenLine>
+            </a:ext>
+          </a:extLst>
+        </p:spPr>
+      </p:pic>
+      <p:pic>
+        <p:nvPicPr>
+          <p:cNvPr id="1027" name="Picture 3"/>
+          <p:cNvPicPr>
+            <a:picLocks noChangeAspect="1" noChangeArrowheads="1"/>
+          </p:cNvPicPr>
+          <p:nvPr/>
+        </p:nvPicPr>
+        <p:blipFill>
+          <a:blip r:embed="rId4">
+            <a:extLst>
+              <a:ext uri="{28A0092B-C50C-407E-A947-70E740481C1C}">
+                <a14:useLocalDpi xmlns:a14="http://schemas.microsoft.com/office/drawing/2010/main" val="0"/>
+              </a:ext>
+            </a:extLst>
+          </a:blip>
+          <a:srcRect/>
+          <a:stretch>
+            <a:fillRect/>
+          </a:stretch>
+        </p:blipFill>
+        <p:spPr bwMode="auto">
+          <a:xfrm>
+            <a:off x="439157" y="3741632"/>
+            <a:ext cx="4241131" cy="1300163"/>
+          </a:xfrm>
+          <a:prstGeom prst="rect">
+            <a:avLst/>
+          </a:prstGeom>
+          <a:noFill/>
+          <a:ln>
+            <a:noFill/>
+          </a:ln>
+          <a:extLst>
+            <a:ext uri="{909E8E84-426E-40DD-AFC4-6F175D3DCCD1}">
+              <a14:hiddenFill xmlns:a14="http://schemas.microsoft.com/office/drawing/2010/main">
+                <a:solidFill>
+                  <a:schemeClr val="accent1"/>
+                </a:solidFill>
+              </a14:hiddenFill>
+            </a:ext>
+            <a:ext uri="{91240B29-F687-4F45-9708-019B960494DF}">
+              <a14:hiddenLine xmlns:a14="http://schemas.microsoft.com/office/drawing/2010/main" w="9525">
+                <a:solidFill>
+                  <a:schemeClr val="tx1"/>
+                </a:solidFill>
+                <a:miter lim="800000"/>
+                <a:headEnd/>
+                <a:tailEnd/>
+              </a14:hiddenLine>
+            </a:ext>
+          </a:extLst>
+        </p:spPr>
+      </p:pic>
+      <p:sp>
+        <p:nvSpPr>
+          <p:cNvPr id="2" name="文字方塊 1"/>
+          <p:cNvSpPr txBox="1"/>
+          <p:nvPr/>
+        </p:nvSpPr>
+        <p:spPr>
+          <a:xfrm>
+            <a:off x="243640" y="1774522"/>
+            <a:ext cx="2716130" cy="300082"/>
+          </a:xfrm>
+          <a:prstGeom prst="rect">
+            <a:avLst/>
+          </a:prstGeom>
+          <a:noFill/>
+        </p:spPr>
+        <p:txBody>
+          <a:bodyPr wrap="square" rtlCol="0">
+            <a:spAutoFit/>
+          </a:bodyPr>
+          <a:lstStyle/>
+          <a:p>
+            <a:pPr algn="ctr"/>
+            <a:r>
+              <a:rPr lang="zh-TW" altLang="en-US" sz="1350" b="1" dirty="0"/>
+              <a:t>網頁</a:t>
+            </a:r>
+            <a:endParaRPr lang="zh-TW" altLang="en-US" sz="1350" b="1" dirty="0"/>
+          </a:p>
+        </p:txBody>
+      </p:sp>
+      <p:sp>
+        <p:nvSpPr>
+          <p:cNvPr id="9" name="文字方塊 8"/>
+          <p:cNvSpPr txBox="1"/>
+          <p:nvPr/>
+        </p:nvSpPr>
+        <p:spPr>
+          <a:xfrm>
+            <a:off x="439153" y="3368706"/>
+            <a:ext cx="2716130" cy="300082"/>
+          </a:xfrm>
+          <a:prstGeom prst="rect">
+            <a:avLst/>
+          </a:prstGeom>
+          <a:noFill/>
+        </p:spPr>
+        <p:txBody>
+          <a:bodyPr wrap="square" rtlCol="0">
+            <a:spAutoFit/>
+          </a:bodyPr>
+          <a:lstStyle/>
+          <a:p>
+            <a:pPr algn="ctr"/>
+            <a:r>
+              <a:rPr lang="zh-TW" altLang="en-US" sz="1350" b="1" dirty="0"/>
+              <a:t>對應的 </a:t>
+            </a:r>
+            <a:r>
+              <a:rPr lang="en-US" altLang="zh-TW" sz="1350" b="1" dirty="0"/>
+              <a:t>HTML</a:t>
+            </a:r>
+            <a:r>
+              <a:rPr lang="zh-TW" altLang="en-US" sz="1350" b="1" dirty="0"/>
+              <a:t> 標籤</a:t>
+            </a:r>
+            <a:endParaRPr lang="zh-TW" altLang="en-US" sz="1350" b="1" dirty="0"/>
+          </a:p>
+        </p:txBody>
+      </p:sp>
+      <p:pic>
+        <p:nvPicPr>
+          <p:cNvPr id="1028" name="Picture 4"/>
+          <p:cNvPicPr>
+            <a:picLocks noChangeAspect="1" noChangeArrowheads="1"/>
+          </p:cNvPicPr>
+          <p:nvPr/>
+        </p:nvPicPr>
+        <p:blipFill>
+          <a:blip r:embed="rId5">
+            <a:extLst>
+              <a:ext uri="{28A0092B-C50C-407E-A947-70E740481C1C}">
+                <a14:useLocalDpi xmlns:a14="http://schemas.microsoft.com/office/drawing/2010/main" val="0"/>
+              </a:ext>
+            </a:extLst>
+          </a:blip>
+          <a:srcRect/>
+          <a:stretch>
+            <a:fillRect/>
+          </a:stretch>
+        </p:blipFill>
+        <p:spPr bwMode="auto">
+          <a:xfrm>
+            <a:off x="5157788" y="2869538"/>
+            <a:ext cx="3228975" cy="3044365"/>
+          </a:xfrm>
+          <a:prstGeom prst="rect">
+            <a:avLst/>
+          </a:prstGeom>
+          <a:noFill/>
+          <a:ln>
+            <a:noFill/>
+          </a:ln>
+          <a:extLst>
+            <a:ext uri="{909E8E84-426E-40DD-AFC4-6F175D3DCCD1}">
+              <a14:hiddenFill xmlns:a14="http://schemas.microsoft.com/office/drawing/2010/main">
+                <a:solidFill>
+                  <a:schemeClr val="accent1"/>
+                </a:solidFill>
+              </a14:hiddenFill>
+            </a:ext>
+            <a:ext uri="{91240B29-F687-4F45-9708-019B960494DF}">
+              <a14:hiddenLine xmlns:a14="http://schemas.microsoft.com/office/drawing/2010/main" w="9525">
+                <a:solidFill>
+                  <a:schemeClr val="tx1"/>
+                </a:solidFill>
+                <a:miter lim="800000"/>
+                <a:headEnd/>
+                <a:tailEnd/>
+              </a14:hiddenLine>
+            </a:ext>
+          </a:extLst>
+        </p:spPr>
+      </p:pic>
+      <p:pic>
+        <p:nvPicPr>
+          <p:cNvPr id="1029" name="Picture 5"/>
+          <p:cNvPicPr>
+            <a:picLocks noChangeAspect="1" noChangeArrowheads="1"/>
+          </p:cNvPicPr>
+          <p:nvPr/>
+        </p:nvPicPr>
+        <p:blipFill>
+          <a:blip r:embed="rId6">
+            <a:extLst>
+              <a:ext uri="{28A0092B-C50C-407E-A947-70E740481C1C}">
+                <a14:useLocalDpi xmlns:a14="http://schemas.microsoft.com/office/drawing/2010/main" val="0"/>
+              </a:ext>
+            </a:extLst>
+          </a:blip>
+          <a:srcRect/>
+          <a:stretch>
+            <a:fillRect/>
+          </a:stretch>
+        </p:blipFill>
+        <p:spPr bwMode="auto">
+          <a:xfrm>
+            <a:off x="5157791" y="2051521"/>
+            <a:ext cx="3357563" cy="700088"/>
+          </a:xfrm>
+          <a:prstGeom prst="rect">
+            <a:avLst/>
+          </a:prstGeom>
+          <a:noFill/>
+          <a:ln>
+            <a:noFill/>
+          </a:ln>
+          <a:extLst>
+            <a:ext uri="{909E8E84-426E-40DD-AFC4-6F175D3DCCD1}">
+              <a14:hiddenFill xmlns:a14="http://schemas.microsoft.com/office/drawing/2010/main">
+                <a:solidFill>
+                  <a:schemeClr val="accent1"/>
+                </a:solidFill>
+              </a14:hiddenFill>
+            </a:ext>
+            <a:ext uri="{91240B29-F687-4F45-9708-019B960494DF}">
+              <a14:hiddenLine xmlns:a14="http://schemas.microsoft.com/office/drawing/2010/main" w="9525">
+                <a:solidFill>
+                  <a:schemeClr val="tx1"/>
+                </a:solidFill>
+                <a:miter lim="800000"/>
+                <a:headEnd/>
+                <a:tailEnd/>
+              </a14:hiddenLine>
+            </a:ext>
+          </a:extLst>
+        </p:spPr>
+      </p:pic>
+      <p:sp>
+        <p:nvSpPr>
+          <p:cNvPr id="12" name="文字方塊 11"/>
+          <p:cNvSpPr txBox="1"/>
+          <p:nvPr/>
+        </p:nvSpPr>
+        <p:spPr>
+          <a:xfrm>
+            <a:off x="5414212" y="1636022"/>
+            <a:ext cx="2716130" cy="300082"/>
+          </a:xfrm>
+          <a:prstGeom prst="rect">
+            <a:avLst/>
+          </a:prstGeom>
+          <a:noFill/>
+        </p:spPr>
+        <p:txBody>
+          <a:bodyPr wrap="square" rtlCol="0">
+            <a:spAutoFit/>
+          </a:bodyPr>
+          <a:lstStyle/>
+          <a:p>
+            <a:pPr algn="ctr"/>
+            <a:r>
+              <a:rPr lang="zh-TW" altLang="en-US" sz="1350" b="1" dirty="0"/>
+              <a:t>程式中的 </a:t>
+            </a:r>
+            <a:r>
+              <a:rPr lang="en-US" altLang="zh-TW" sz="1350" b="1" dirty="0"/>
+              <a:t>patient </a:t>
+            </a:r>
+            <a:r>
+              <a:rPr lang="zh-TW" altLang="en-US" sz="1350" b="1" dirty="0"/>
+              <a:t>物件</a:t>
+            </a:r>
+            <a:endParaRPr lang="zh-TW" altLang="en-US" sz="1350" b="1" dirty="0"/>
+          </a:p>
+        </p:txBody>
+      </p:sp>
+    </p:spTree>
+    <p:extLst>
+      <p:ext uri="{BB962C8B-B14F-4D97-AF65-F5344CB8AC3E}">
+        <p14:creationId xmlns:p14="http://schemas.microsoft.com/office/powerpoint/2010/main" val="2800007366"/>
+      </p:ext>
+    </p:extLst>
+  </p:cSld>
+  <p:clrMapOvr>
+    <a:masterClrMapping/>
+  </p:clrMapOvr>
+  <p:timing>
+    <p:tnLst>
+      <p:par>
+        <p:cTn id="1" dur="indefinite" restart="never" nodeType="tmRoot"/>
+      </p:par>
+    </p:tnLst>
+  </p:timing>
+</p:sld>
+</file>
+
+<file path=ppt/slides/slide22.xml><?xml version="1.0" encoding="utf-8"?>
+<p:sld xmlns:a="http://schemas.openxmlformats.org/drawingml/2006/main" xmlns:r="http://schemas.openxmlformats.org/officeDocument/2006/relationships" xmlns:p="http://schemas.openxmlformats.org/presentationml/2006/main">
+  <p:cSld>
+    <p:spTree>
+      <p:nvGrpSpPr>
+        <p:cNvPr id="1" name=""/>
+        <p:cNvGrpSpPr/>
+        <p:nvPr/>
+      </p:nvGrpSpPr>
+      <p:grpSpPr>
+        <a:xfrm>
+          <a:off x="0" y="0"/>
+          <a:ext cx="0" cy="0"/>
+          <a:chOff x="0" y="0"/>
+          <a:chExt cx="0" cy="0"/>
+        </a:xfrm>
+      </p:grpSpPr>
+      <p:sp>
+        <p:nvSpPr>
+          <p:cNvPr id="5" name="文字方塊 4"/>
+          <p:cNvSpPr txBox="1"/>
+          <p:nvPr/>
+        </p:nvSpPr>
+        <p:spPr>
+          <a:xfrm>
+            <a:off x="1614462" y="968859"/>
+            <a:ext cx="5789230" cy="600164"/>
+          </a:xfrm>
+          <a:prstGeom prst="rect">
+            <a:avLst/>
+          </a:prstGeom>
+          <a:noFill/>
+        </p:spPr>
+        <p:txBody>
+          <a:bodyPr wrap="square" rtlCol="0">
+            <a:spAutoFit/>
+          </a:bodyPr>
+          <a:lstStyle>
+            <a:defPPr>
+              <a:defRPr lang="zh-TW"/>
+            </a:defPPr>
+            <a:lvl1pPr>
+              <a:defRPr sz="4400" b="1">
+                <a:ln w="9525">
+                  <a:solidFill>
+                    <a:schemeClr val="bg1"/>
+                  </a:solidFill>
+                  <a:prstDash val="solid"/>
+                </a:ln>
+                <a:effectLst>
+                  <a:outerShdw blurRad="12700" dist="38100" dir="2700000" algn="tl" rotWithShape="0">
+                    <a:schemeClr val="bg1">
+                      <a:lumMod val="50000"/>
+                    </a:schemeClr>
+                  </a:outerShdw>
+                </a:effectLst>
+                <a:latin typeface="Times New Roman" panose="02020603050405020304" pitchFamily="18" charset="0"/>
+              </a:defRPr>
+            </a:lvl1pPr>
+          </a:lstStyle>
+          <a:p>
+            <a:pPr algn="ctr"/>
+            <a:r>
+              <a:rPr lang="en-US" altLang="zh-TW" sz="3300" dirty="0" err="1"/>
+              <a:t>FHIR</a:t>
+            </a:r>
+            <a:r>
+              <a:rPr lang="zh-TW" altLang="en-US" sz="3300" dirty="0"/>
+              <a:t> 網頁表單範例程式</a:t>
+            </a:r>
+            <a:endParaRPr lang="en-US" altLang="zh-TW" sz="3300" dirty="0"/>
+          </a:p>
+        </p:txBody>
+      </p:sp>
+      <p:sp>
+        <p:nvSpPr>
+          <p:cNvPr id="12" name="文字方塊 11"/>
+          <p:cNvSpPr txBox="1"/>
+          <p:nvPr/>
+        </p:nvSpPr>
+        <p:spPr>
+          <a:xfrm>
+            <a:off x="779531" y="4130221"/>
+            <a:ext cx="7269597" cy="1754326"/>
+          </a:xfrm>
+          <a:prstGeom prst="rect">
+            <a:avLst/>
+          </a:prstGeom>
+          <a:noFill/>
+        </p:spPr>
+        <p:txBody>
+          <a:bodyPr wrap="square" rtlCol="0">
+            <a:spAutoFit/>
+          </a:bodyPr>
+          <a:lstStyle/>
+          <a:p>
+            <a:r>
+              <a:rPr lang="en-US" altLang="zh-TW" sz="1350" b="1" dirty="0" err="1"/>
+              <a:t>FHIR</a:t>
+            </a:r>
+            <a:r>
+              <a:rPr lang="zh-TW" altLang="en-US" sz="1350" b="1" dirty="0"/>
+              <a:t> 表單新增資料主要程式</a:t>
+            </a:r>
+            <a:r>
+              <a:rPr lang="en-US" altLang="zh-TW" sz="1350" b="1" dirty="0"/>
+              <a:t>:</a:t>
+            </a:r>
+          </a:p>
+          <a:p>
+            <a:r>
+              <a:rPr lang="en-US" altLang="zh-TW" sz="1350" b="1" dirty="0"/>
+              <a:t>1. </a:t>
+            </a:r>
+            <a:r>
+              <a:rPr lang="zh-TW" altLang="en-US" sz="1350" b="1" dirty="0"/>
+              <a:t>填表資料寫入物件    </a:t>
+            </a:r>
+            <a:r>
+              <a:rPr lang="en-US" altLang="zh-TW" sz="1350" b="1" dirty="0"/>
+              <a:t>2. </a:t>
+            </a:r>
+            <a:r>
+              <a:rPr lang="zh-TW" altLang="en-US" sz="1350" b="1" dirty="0"/>
+              <a:t>呼叫對應的 </a:t>
+            </a:r>
+            <a:r>
+              <a:rPr lang="en-US" altLang="zh-TW" sz="1350" b="1" dirty="0" err="1"/>
+              <a:t>FHIR</a:t>
+            </a:r>
+            <a:r>
+              <a:rPr lang="zh-TW" altLang="en-US" sz="1350" b="1" dirty="0"/>
+              <a:t> </a:t>
+            </a:r>
+            <a:r>
+              <a:rPr lang="en-US" altLang="zh-TW" sz="1350" b="1" dirty="0"/>
+              <a:t>API</a:t>
+            </a:r>
+          </a:p>
+          <a:p>
+            <a:endParaRPr lang="en-US" altLang="zh-TW" sz="1350" b="1" dirty="0"/>
+          </a:p>
+          <a:p>
+            <a:r>
+              <a:rPr lang="zh-TW" altLang="en-US" sz="1350" b="1" dirty="0"/>
+              <a:t>調閱 </a:t>
+            </a:r>
+            <a:r>
+              <a:rPr lang="en-US" altLang="zh-TW" sz="1350" b="1" dirty="0" err="1"/>
+              <a:t>FHIR</a:t>
+            </a:r>
+            <a:r>
+              <a:rPr lang="en-US" altLang="zh-TW" sz="1350" b="1" dirty="0"/>
+              <a:t> </a:t>
+            </a:r>
+            <a:r>
+              <a:rPr lang="zh-TW" altLang="en-US" sz="1350" b="1" dirty="0"/>
+              <a:t>資料到前端呈現程式</a:t>
+            </a:r>
+            <a:endParaRPr lang="en-US" altLang="zh-TW" sz="1350" b="1" dirty="0"/>
+          </a:p>
+          <a:p>
+            <a:r>
+              <a:rPr lang="en-US" altLang="zh-TW" sz="1350" b="1" dirty="0"/>
+              <a:t>1. </a:t>
+            </a:r>
+            <a:r>
+              <a:rPr lang="zh-TW" altLang="en-US" sz="1350" b="1" dirty="0"/>
+              <a:t>呼叫 </a:t>
+            </a:r>
+            <a:r>
+              <a:rPr lang="en-US" altLang="zh-TW" sz="1350" b="1" dirty="0"/>
+              <a:t>API </a:t>
+            </a:r>
+            <a:r>
+              <a:rPr lang="zh-TW" altLang="en-US" sz="1350" b="1" dirty="0"/>
+              <a:t>取得資料     </a:t>
+            </a:r>
+            <a:r>
+              <a:rPr lang="en-US" altLang="zh-TW" sz="1350" b="1" dirty="0"/>
+              <a:t>2. </a:t>
+            </a:r>
+            <a:r>
+              <a:rPr lang="zh-TW" altLang="en-US" sz="1350" b="1" dirty="0"/>
+              <a:t>將取得的資料物件化，再套表呈現</a:t>
+            </a:r>
+            <a:endParaRPr lang="en-US" altLang="zh-TW" sz="1350" b="1" dirty="0"/>
+          </a:p>
+          <a:p>
+            <a:endParaRPr lang="en-US" altLang="zh-TW" sz="1350" b="1" dirty="0"/>
+          </a:p>
+          <a:p>
+            <a:r>
+              <a:rPr lang="zh-TW" altLang="en-US" sz="1350" b="1" dirty="0"/>
+              <a:t>上述</a:t>
+            </a:r>
+            <a:r>
+              <a:rPr lang="zh-TW" altLang="en-US" sz="1350" b="1" dirty="0"/>
+              <a:t>模式可發展非常多的健康醫療</a:t>
+            </a:r>
+            <a:r>
+              <a:rPr lang="zh-TW" altLang="en-US" sz="1350" b="1" dirty="0"/>
+              <a:t>應用</a:t>
+            </a:r>
+            <a:endParaRPr lang="en-US" altLang="zh-TW" sz="1350" b="1" dirty="0"/>
+          </a:p>
+          <a:p>
+            <a:r>
+              <a:rPr lang="zh-TW" altLang="en-US" sz="1350" b="1" dirty="0"/>
+              <a:t>因</a:t>
+            </a:r>
+            <a:r>
+              <a:rPr lang="zh-TW" altLang="en-US" sz="1350" b="1" dirty="0"/>
+              <a:t>有開</a:t>
+            </a:r>
+            <a:r>
+              <a:rPr lang="zh-TW" altLang="en-US" sz="1350" b="1" dirty="0"/>
+              <a:t>源 </a:t>
+            </a:r>
+            <a:r>
+              <a:rPr lang="en-US" altLang="zh-TW" sz="1350" b="1" dirty="0" err="1"/>
+              <a:t>FHIR</a:t>
+            </a:r>
+            <a:r>
+              <a:rPr lang="zh-TW" altLang="en-US" sz="1350" b="1" dirty="0"/>
+              <a:t> </a:t>
+            </a:r>
+            <a:r>
+              <a:rPr lang="en-US" altLang="zh-TW" sz="1350" b="1" dirty="0"/>
+              <a:t>server( </a:t>
+            </a:r>
+            <a:r>
+              <a:rPr lang="zh-TW" altLang="en-US" sz="1350" b="1" dirty="0"/>
+              <a:t>類似 </a:t>
+            </a:r>
+            <a:r>
+              <a:rPr lang="en-US" altLang="zh-TW" sz="1350" b="1" dirty="0"/>
+              <a:t>PACS</a:t>
+            </a:r>
+            <a:r>
+              <a:rPr lang="zh-TW" altLang="en-US" sz="1350" b="1" dirty="0"/>
+              <a:t> </a:t>
+            </a:r>
+            <a:r>
+              <a:rPr lang="en-US" altLang="zh-TW" sz="1350" b="1" dirty="0"/>
+              <a:t>server </a:t>
+            </a:r>
+            <a:r>
+              <a:rPr lang="zh-TW" altLang="en-US" sz="1350" b="1" dirty="0"/>
+              <a:t>腳色</a:t>
+            </a:r>
+            <a:r>
+              <a:rPr lang="en-US" altLang="zh-TW" sz="1350" b="1" dirty="0"/>
+              <a:t>)</a:t>
+            </a:r>
+            <a:r>
+              <a:rPr lang="zh-TW" altLang="en-US" sz="1350" b="1" dirty="0"/>
+              <a:t>，許多應用可共用一  </a:t>
+            </a:r>
+            <a:r>
+              <a:rPr lang="en-US" altLang="zh-TW" sz="1350" b="1" dirty="0" err="1"/>
+              <a:t>FHIR</a:t>
+            </a:r>
+            <a:r>
+              <a:rPr lang="zh-TW" altLang="en-US" sz="1350" b="1" dirty="0"/>
+              <a:t> </a:t>
+            </a:r>
+            <a:r>
+              <a:rPr lang="en-US" altLang="zh-TW" sz="1350" b="1" dirty="0" err="1"/>
+              <a:t>vserver</a:t>
+            </a:r>
+            <a:r>
+              <a:rPr lang="zh-TW" altLang="en-US" sz="1350" b="1" dirty="0"/>
+              <a:t>，整合擴充性</a:t>
+            </a:r>
+            <a:r>
+              <a:rPr lang="zh-TW" altLang="en-US" sz="1350" b="1" dirty="0"/>
+              <a:t>佳。</a:t>
+            </a:r>
+            <a:endParaRPr lang="zh-TW" altLang="en-US" sz="1350" b="1" dirty="0"/>
+          </a:p>
+        </p:txBody>
+      </p:sp>
+      <p:pic>
+        <p:nvPicPr>
+          <p:cNvPr id="2050" name="Picture 2"/>
+          <p:cNvPicPr>
+            <a:picLocks noChangeAspect="1" noChangeArrowheads="1"/>
+          </p:cNvPicPr>
+          <p:nvPr/>
+        </p:nvPicPr>
+        <p:blipFill>
+          <a:blip r:embed="rId3">
+            <a:extLst>
+              <a:ext uri="{28A0092B-C50C-407E-A947-70E740481C1C}">
+                <a14:useLocalDpi xmlns:a14="http://schemas.microsoft.com/office/drawing/2010/main" val="0"/>
+              </a:ext>
+            </a:extLst>
+          </a:blip>
+          <a:srcRect/>
+          <a:stretch>
+            <a:fillRect/>
+          </a:stretch>
+        </p:blipFill>
+        <p:spPr bwMode="auto">
+          <a:xfrm>
+            <a:off x="404996" y="1636177"/>
+            <a:ext cx="8208169" cy="2307431"/>
+          </a:xfrm>
+          <a:prstGeom prst="rect">
+            <a:avLst/>
+          </a:prstGeom>
+          <a:noFill/>
+          <a:ln>
+            <a:noFill/>
+          </a:ln>
+          <a:extLst>
+            <a:ext uri="{909E8E84-426E-40DD-AFC4-6F175D3DCCD1}">
+              <a14:hiddenFill xmlns:a14="http://schemas.microsoft.com/office/drawing/2010/main">
+                <a:solidFill>
+                  <a:schemeClr val="accent1"/>
+                </a:solidFill>
+              </a14:hiddenFill>
+            </a:ext>
+            <a:ext uri="{91240B29-F687-4F45-9708-019B960494DF}">
+              <a14:hiddenLine xmlns:a14="http://schemas.microsoft.com/office/drawing/2010/main" w="9525">
+                <a:solidFill>
+                  <a:schemeClr val="tx1"/>
+                </a:solidFill>
+                <a:miter lim="800000"/>
+                <a:headEnd/>
+                <a:tailEnd/>
+              </a14:hiddenLine>
+            </a:ext>
+          </a:extLst>
+        </p:spPr>
+      </p:pic>
+    </p:spTree>
+    <p:extLst>
+      <p:ext uri="{BB962C8B-B14F-4D97-AF65-F5344CB8AC3E}">
+        <p14:creationId xmlns:p14="http://schemas.microsoft.com/office/powerpoint/2010/main" val="1042123025"/>
+      </p:ext>
+    </p:extLst>
+  </p:cSld>
+  <p:clrMapOvr>
+    <a:masterClrMapping/>
+  </p:clrMapOvr>
+  <p:timing>
+    <p:tnLst>
+      <p:par>
+        <p:cTn id="1" dur="indefinite" restart="never" nodeType="tmRoot"/>
+      </p:par>
+    </p:tnLst>
+  </p:timing>
+</p:sld>
+</file>
+
+<file path=ppt/slides/slide23.xml><?xml version="1.0" encoding="utf-8"?>
+<p:sld xmlns:a="http://schemas.openxmlformats.org/drawingml/2006/main" xmlns:r="http://schemas.openxmlformats.org/officeDocument/2006/relationships" xmlns:p="http://schemas.openxmlformats.org/presentationml/2006/main">
+  <p:cSld>
+    <p:spTree>
+      <p:nvGrpSpPr>
+        <p:cNvPr id="1" name=""/>
+        <p:cNvGrpSpPr/>
+        <p:nvPr/>
+      </p:nvGrpSpPr>
+      <p:grpSpPr>
+        <a:xfrm>
+          <a:off x="0" y="0"/>
+          <a:ext cx="0" cy="0"/>
+          <a:chOff x="0" y="0"/>
+          <a:chExt cx="0" cy="0"/>
+        </a:xfrm>
+      </p:grpSpPr>
+      <p:sp>
+        <p:nvSpPr>
+          <p:cNvPr id="2" name="標題 1"/>
+          <p:cNvSpPr>
+            <a:spLocks noGrp="1"/>
+          </p:cNvSpPr>
+          <p:nvPr>
+            <p:ph type="title"/>
+          </p:nvPr>
+        </p:nvSpPr>
+        <p:spPr/>
+        <p:txBody>
+          <a:bodyPr/>
+          <a:lstStyle/>
+          <a:p>
+            <a:endParaRPr lang="zh-TW" altLang="en-US"/>
+          </a:p>
+        </p:txBody>
+      </p:sp>
+      <p:sp>
+        <p:nvSpPr>
+          <p:cNvPr id="3" name="內容版面配置區 2"/>
+          <p:cNvSpPr>
+            <a:spLocks noGrp="1"/>
+          </p:cNvSpPr>
+          <p:nvPr>
+            <p:ph idx="1"/>
+          </p:nvPr>
+        </p:nvSpPr>
+        <p:spPr/>
+        <p:txBody>
+          <a:bodyPr/>
+          <a:lstStyle/>
+          <a:p>
+            <a:endParaRPr lang="zh-TW" altLang="en-US"/>
+          </a:p>
+        </p:txBody>
+      </p:sp>
+      <p:pic>
+        <p:nvPicPr>
+          <p:cNvPr id="1026" name="Picture 2"/>
+          <p:cNvPicPr>
+            <a:picLocks noChangeAspect="1" noChangeArrowheads="1"/>
+          </p:cNvPicPr>
+          <p:nvPr/>
+        </p:nvPicPr>
+        <p:blipFill>
+          <a:blip r:embed="rId2">
+            <a:extLst>
+              <a:ext uri="{28A0092B-C50C-407E-A947-70E740481C1C}">
+                <a14:useLocalDpi xmlns:a14="http://schemas.microsoft.com/office/drawing/2010/main" val="0"/>
+              </a:ext>
+            </a:extLst>
+          </a:blip>
+          <a:srcRect/>
+          <a:stretch>
+            <a:fillRect/>
+          </a:stretch>
+        </p:blipFill>
+        <p:spPr bwMode="auto">
+          <a:xfrm>
+            <a:off x="-2124744" y="-12982"/>
+            <a:ext cx="12192000" cy="6858000"/>
+          </a:xfrm>
+          <a:prstGeom prst="rect">
+            <a:avLst/>
+          </a:prstGeom>
+          <a:noFill/>
+          <a:ln>
+            <a:noFill/>
+          </a:ln>
+          <a:extLst>
+            <a:ext uri="{909E8E84-426E-40DD-AFC4-6F175D3DCCD1}">
+              <a14:hiddenFill xmlns:a14="http://schemas.microsoft.com/office/drawing/2010/main">
+                <a:solidFill>
+                  <a:schemeClr val="accent1"/>
+                </a:solidFill>
+              </a14:hiddenFill>
+            </a:ext>
+            <a:ext uri="{91240B29-F687-4F45-9708-019B960494DF}">
+              <a14:hiddenLine xmlns:a14="http://schemas.microsoft.com/office/drawing/2010/main" w="9525">
+                <a:solidFill>
+                  <a:schemeClr val="tx1"/>
+                </a:solidFill>
+                <a:miter lim="800000"/>
+                <a:headEnd/>
+                <a:tailEnd/>
+              </a14:hiddenLine>
+            </a:ext>
+          </a:extLst>
+        </p:spPr>
+      </p:pic>
+    </p:spTree>
+    <p:extLst>
+      <p:ext uri="{BB962C8B-B14F-4D97-AF65-F5344CB8AC3E}">
+        <p14:creationId xmlns:p14="http://schemas.microsoft.com/office/powerpoint/2010/main" val="1170884471"/>
+      </p:ext>
+    </p:extLst>
+  </p:cSld>
+  <p:clrMapOvr>
+    <a:masterClrMapping/>
+  </p:clrMapOvr>
+  <p:timing>
+    <p:tnLst>
+      <p:par>
+        <p:cTn id="1" dur="indefinite" restart="never" nodeType="tmRoot"/>
+      </p:par>
+    </p:tnLst>
+  </p:timing>
+</p:sld>
+</file>
+
+<file path=ppt/slides/slide24.xml><?xml version="1.0" encoding="utf-8"?>
+<p:sld xmlns:a="http://schemas.openxmlformats.org/drawingml/2006/main" xmlns:r="http://schemas.openxmlformats.org/officeDocument/2006/relationships" xmlns:p="http://schemas.openxmlformats.org/presentationml/2006/main">
+  <p:cSld>
+    <p:spTree>
+      <p:nvGrpSpPr>
+        <p:cNvPr id="1" name=""/>
+        <p:cNvGrpSpPr/>
+        <p:nvPr/>
+      </p:nvGrpSpPr>
+      <p:grpSpPr>
+        <a:xfrm>
+          <a:off x="0" y="0"/>
+          <a:ext cx="0" cy="0"/>
+          <a:chOff x="0" y="0"/>
+          <a:chExt cx="0" cy="0"/>
+        </a:xfrm>
+      </p:grpSpPr>
+      <p:sp>
+        <p:nvSpPr>
+          <p:cNvPr id="2" name="標題 1"/>
+          <p:cNvSpPr>
+            <a:spLocks noGrp="1"/>
+          </p:cNvSpPr>
+          <p:nvPr>
+            <p:ph type="title"/>
+          </p:nvPr>
+        </p:nvSpPr>
+        <p:spPr/>
+        <p:txBody>
+          <a:bodyPr>
+            <a:normAutofit fontScale="90000"/>
+          </a:bodyPr>
+          <a:lstStyle/>
+          <a:p>
+            <a:r>
+              <a:rPr lang="zh-TW" altLang="en-US" dirty="0"/>
+              <a:t>描述就醫過程之人、事、時、地、物</a:t>
+            </a:r>
+            <a:br>
+              <a:rPr lang="zh-TW" altLang="en-US" dirty="0"/>
+            </a:br>
+            <a:endParaRPr lang="zh-TW" altLang="en-US" dirty="0"/>
+          </a:p>
+        </p:txBody>
+      </p:sp>
+      <p:sp>
+        <p:nvSpPr>
+          <p:cNvPr id="3" name="內容版面配置區 2"/>
+          <p:cNvSpPr>
+            <a:spLocks noGrp="1"/>
+          </p:cNvSpPr>
+          <p:nvPr>
+            <p:ph idx="1"/>
+          </p:nvPr>
+        </p:nvSpPr>
+        <p:spPr/>
+        <p:txBody>
+          <a:bodyPr/>
+          <a:lstStyle/>
+          <a:p>
+            <a:endParaRPr lang="zh-TW" altLang="en-US"/>
+          </a:p>
+        </p:txBody>
+      </p:sp>
+    </p:spTree>
+    <p:extLst>
+      <p:ext uri="{BB962C8B-B14F-4D97-AF65-F5344CB8AC3E}">
+        <p14:creationId xmlns:p14="http://schemas.microsoft.com/office/powerpoint/2010/main" val="4011134638"/>
+      </p:ext>
+    </p:extLst>
+  </p:cSld>
+  <p:clrMapOvr>
+    <a:masterClrMapping/>
+  </p:clrMapOvr>
+</p:sld>
+</file>
+
+<file path=ppt/slides/slide25.xml><?xml version="1.0" encoding="utf-8"?>
+<p:sld xmlns:a="http://schemas.openxmlformats.org/drawingml/2006/main" xmlns:r="http://schemas.openxmlformats.org/officeDocument/2006/relationships" xmlns:p="http://schemas.openxmlformats.org/presentationml/2006/main">
+  <p:cSld>
+    <p:spTree>
+      <p:nvGrpSpPr>
+        <p:cNvPr id="1" name=""/>
+        <p:cNvGrpSpPr/>
+        <p:nvPr/>
+      </p:nvGrpSpPr>
+      <p:grpSpPr>
+        <a:xfrm>
+          <a:off x="0" y="0"/>
+          <a:ext cx="0" cy="0"/>
+          <a:chOff x="0" y="0"/>
+          <a:chExt cx="0" cy="0"/>
+        </a:xfrm>
+      </p:grpSpPr>
+      <p:sp>
+        <p:nvSpPr>
+          <p:cNvPr id="2" name="標題 1"/>
+          <p:cNvSpPr>
+            <a:spLocks noGrp="1"/>
+          </p:cNvSpPr>
+          <p:nvPr>
+            <p:ph type="title"/>
+          </p:nvPr>
+        </p:nvSpPr>
+        <p:spPr/>
+        <p:txBody>
+          <a:bodyPr/>
+          <a:lstStyle/>
+          <a:p>
+            <a:r>
+              <a:rPr lang="en-US" altLang="zh-TW" dirty="0" smtClean="0"/>
+              <a:t>Encounter</a:t>
+            </a:r>
+            <a:r>
+              <a:rPr lang="zh-TW" altLang="en-US" dirty="0" smtClean="0"/>
+              <a:t> 就醫</a:t>
+            </a:r>
+            <a:r>
+              <a:rPr lang="zh-TW" altLang="en-US" dirty="0"/>
+              <a:t>資訊</a:t>
+            </a:r>
+          </a:p>
+        </p:txBody>
+      </p:sp>
+      <p:sp>
+        <p:nvSpPr>
+          <p:cNvPr id="3" name="內容版面配置區 2"/>
+          <p:cNvSpPr>
+            <a:spLocks noGrp="1"/>
+          </p:cNvSpPr>
+          <p:nvPr>
+            <p:ph idx="1"/>
+          </p:nvPr>
+        </p:nvSpPr>
+        <p:spPr/>
+        <p:txBody>
+          <a:bodyPr/>
+          <a:lstStyle/>
+          <a:p>
+            <a:r>
+              <a:rPr lang="zh-TW" altLang="en-US" dirty="0" smtClean="0"/>
+              <a:t>描述就醫過程之人、事、時、地、物</a:t>
+            </a:r>
+            <a:endParaRPr lang="en-US" altLang="zh-TW" dirty="0" smtClean="0"/>
+          </a:p>
+          <a:p>
+            <a:r>
+              <a:rPr lang="zh-TW" altLang="en-US" dirty="0" smtClean="0"/>
+              <a:t>可利用 </a:t>
+            </a:r>
+            <a:r>
+              <a:rPr lang="en-US" altLang="zh-TW" dirty="0" smtClean="0"/>
+              <a:t>Encounter </a:t>
+            </a:r>
+            <a:r>
+              <a:rPr lang="zh-TW" altLang="en-US" dirty="0" smtClean="0"/>
+              <a:t>紀錄就醫相關資訊</a:t>
+            </a:r>
+            <a:endParaRPr lang="en-US" altLang="zh-TW" dirty="0" smtClean="0"/>
+          </a:p>
+          <a:p>
+            <a:r>
+              <a:rPr lang="zh-TW" altLang="en-US" dirty="0" smtClean="0"/>
+              <a:t>可做為此次就醫產生所有病歷之參考</a:t>
+            </a:r>
+            <a:endParaRPr lang="en-US" altLang="zh-TW" dirty="0" smtClean="0"/>
+          </a:p>
+          <a:p>
+            <a:r>
+              <a:rPr lang="zh-TW" altLang="en-US" dirty="0"/>
+              <a:t>以利病歷資料之</a:t>
+            </a:r>
+            <a:r>
+              <a:rPr lang="zh-TW" altLang="en-US" dirty="0" smtClean="0"/>
+              <a:t>查詢調閱，如查詢此次就醫之</a:t>
+            </a:r>
+            <a:endParaRPr lang="en-US" altLang="zh-TW" dirty="0" smtClean="0"/>
+          </a:p>
+          <a:p>
+            <a:r>
+              <a:rPr lang="zh-TW" altLang="en-US" dirty="0" smtClean="0"/>
+              <a:t>資訊醫療</a:t>
+            </a:r>
+            <a:r>
+              <a:rPr lang="zh-TW" altLang="en-US" dirty="0"/>
+              <a:t>資訊化作業流程 </a:t>
+            </a:r>
+          </a:p>
+        </p:txBody>
+      </p:sp>
+    </p:spTree>
+    <p:extLst>
+      <p:ext uri="{BB962C8B-B14F-4D97-AF65-F5344CB8AC3E}">
+        <p14:creationId xmlns:p14="http://schemas.microsoft.com/office/powerpoint/2010/main" val="2288069057"/>
+      </p:ext>
+    </p:extLst>
+  </p:cSld>
+  <p:clrMapOvr>
+    <a:masterClrMapping/>
+  </p:clrMapOvr>
+  <p:timing>
+    <p:tnLst>
+      <p:par>
+        <p:cTn id="1" dur="indefinite" restart="never" nodeType="tmRoot"/>
+      </p:par>
+    </p:tnLst>
+  </p:timing>
+</p:sld>
+</file>
+
+<file path=ppt/slides/slide3.xml><?xml version="1.0" encoding="utf-8"?>
+<p:sld xmlns:a="http://schemas.openxmlformats.org/drawingml/2006/main" xmlns:r="http://schemas.openxmlformats.org/officeDocument/2006/relationships" xmlns:p="http://schemas.openxmlformats.org/presentationml/2006/main">
+  <p:cSld>
+    <p:spTree>
+      <p:nvGrpSpPr>
+        <p:cNvPr id="1" name=""/>
+        <p:cNvGrpSpPr/>
+        <p:nvPr/>
+      </p:nvGrpSpPr>
+      <p:grpSpPr>
+        <a:xfrm>
+          <a:off x="0" y="0"/>
+          <a:ext cx="0" cy="0"/>
+          <a:chOff x="0" y="0"/>
+          <a:chExt cx="0" cy="0"/>
+        </a:xfrm>
+      </p:grpSpPr>
+      <p:sp>
+        <p:nvSpPr>
+          <p:cNvPr id="2" name="標題 1"/>
+          <p:cNvSpPr>
+            <a:spLocks noGrp="1"/>
+          </p:cNvSpPr>
+          <p:nvPr>
+            <p:ph type="title"/>
+          </p:nvPr>
+        </p:nvSpPr>
+        <p:spPr/>
+        <p:txBody>
+          <a:bodyPr/>
+          <a:lstStyle/>
+          <a:p>
+            <a:r>
+              <a:rPr lang="zh-TW" altLang="en-US" dirty="0" smtClean="0"/>
+              <a:t>程式範例</a:t>
+            </a:r>
+            <a:endParaRPr lang="zh-TW" altLang="en-US" dirty="0"/>
+          </a:p>
+        </p:txBody>
+      </p:sp>
+      <p:sp>
+        <p:nvSpPr>
+          <p:cNvPr id="3" name="內容版面配置區 2"/>
+          <p:cNvSpPr>
+            <a:spLocks noGrp="1"/>
+          </p:cNvSpPr>
+          <p:nvPr>
+            <p:ph idx="1"/>
+          </p:nvPr>
+        </p:nvSpPr>
+        <p:spPr/>
+        <p:txBody>
+          <a:bodyPr/>
+          <a:lstStyle/>
+          <a:p>
+            <a:r>
+              <a:rPr lang="zh-TW" altLang="en-US" dirty="0"/>
+              <a:t>新增病患及病患列表</a:t>
+            </a:r>
+          </a:p>
+        </p:txBody>
+      </p:sp>
+    </p:spTree>
+    <p:extLst>
+      <p:ext uri="{BB962C8B-B14F-4D97-AF65-F5344CB8AC3E}">
+        <p14:creationId xmlns:p14="http://schemas.microsoft.com/office/powerpoint/2010/main" val="729407275"/>
+      </p:ext>
+    </p:extLst>
+  </p:cSld>
+  <p:clrMapOvr>
+    <a:masterClrMapping/>
+  </p:clrMapOvr>
+</p:sld>
+</file>
+
+<file path=ppt/slides/slide4.xml><?xml version="1.0" encoding="utf-8"?>
 <p:sld xmlns:a="http://schemas.openxmlformats.org/drawingml/2006/main" xmlns:r="http://schemas.openxmlformats.org/officeDocument/2006/relationships" xmlns:p="http://schemas.openxmlformats.org/presentationml/2006/main">
   <p:cSld>
     <p:spTree>
@@ -3685,270 +8973,6 @@
 </p:sld>
 </file>
 
-<file path=ppt/slides/slide3.xml><?xml version="1.0" encoding="utf-8"?>
-<p:sld xmlns:a="http://schemas.openxmlformats.org/drawingml/2006/main" xmlns:r="http://schemas.openxmlformats.org/officeDocument/2006/relationships" xmlns:p="http://schemas.openxmlformats.org/presentationml/2006/main">
-  <p:cSld>
-    <p:spTree>
-      <p:nvGrpSpPr>
-        <p:cNvPr id="1" name=""/>
-        <p:cNvGrpSpPr/>
-        <p:nvPr/>
-      </p:nvGrpSpPr>
-      <p:grpSpPr>
-        <a:xfrm>
-          <a:off x="0" y="0"/>
-          <a:ext cx="0" cy="0"/>
-          <a:chOff x="0" y="0"/>
-          <a:chExt cx="0" cy="0"/>
-        </a:xfrm>
-      </p:grpSpPr>
-      <p:sp>
-        <p:nvSpPr>
-          <p:cNvPr id="2" name="標題 1"/>
-          <p:cNvSpPr>
-            <a:spLocks noGrp="1"/>
-          </p:cNvSpPr>
-          <p:nvPr>
-            <p:ph type="title"/>
-          </p:nvPr>
-        </p:nvSpPr>
-        <p:spPr/>
-        <p:txBody>
-          <a:bodyPr/>
-          <a:lstStyle/>
-          <a:p>
-            <a:r>
-              <a:rPr lang="en-US" altLang="zh-TW" dirty="0" smtClean="0"/>
-              <a:t>Encounter</a:t>
-            </a:r>
-            <a:r>
-              <a:rPr lang="zh-TW" altLang="en-US" dirty="0" smtClean="0"/>
-              <a:t> 可應用之情境與場域</a:t>
-            </a:r>
-            <a:endParaRPr lang="zh-TW" altLang="en-US" dirty="0"/>
-          </a:p>
-        </p:txBody>
-      </p:sp>
-      <p:sp>
-        <p:nvSpPr>
-          <p:cNvPr id="3" name="內容版面配置區 2"/>
-          <p:cNvSpPr>
-            <a:spLocks noGrp="1"/>
-          </p:cNvSpPr>
-          <p:nvPr>
-            <p:ph idx="1"/>
-          </p:nvPr>
-        </p:nvSpPr>
-        <p:spPr/>
-        <p:txBody>
-          <a:bodyPr/>
-          <a:lstStyle/>
-          <a:p>
-            <a:r>
-              <a:rPr lang="en-US" altLang="zh-TW" dirty="0"/>
-              <a:t>ambulatory, emergency, home health, inpatient and virtual </a:t>
-            </a:r>
-            <a:r>
-              <a:rPr lang="en-US" altLang="zh-TW" dirty="0" smtClean="0"/>
-              <a:t>encounters...</a:t>
-            </a:r>
-          </a:p>
-          <a:p>
-            <a:r>
-              <a:rPr lang="zh-TW" altLang="en-US" dirty="0"/>
-              <a:t>可</a:t>
-            </a:r>
-            <a:r>
-              <a:rPr lang="zh-TW" altLang="en-US" dirty="0" smtClean="0"/>
-              <a:t>用於各式健康醫療應用情境</a:t>
-            </a:r>
-            <a:endParaRPr lang="en-US" altLang="zh-TW" dirty="0" smtClean="0"/>
-          </a:p>
-          <a:p>
-            <a:r>
-              <a:rPr lang="zh-TW" altLang="en-US" dirty="0" smtClean="0"/>
-              <a:t>建議現行系統產生</a:t>
-            </a:r>
-            <a:r>
-              <a:rPr lang="en-US" altLang="zh-TW" dirty="0" err="1" smtClean="0"/>
-              <a:t>FHIR</a:t>
-            </a:r>
-            <a:r>
-              <a:rPr lang="zh-TW" altLang="en-US" dirty="0" smtClean="0"/>
-              <a:t> 標準之 </a:t>
-            </a:r>
-            <a:r>
-              <a:rPr lang="en-US" altLang="zh-TW" dirty="0" smtClean="0"/>
-              <a:t>patient and encounter </a:t>
-            </a:r>
-            <a:r>
-              <a:rPr lang="zh-TW" altLang="en-US" dirty="0" smtClean="0"/>
-              <a:t>資訊</a:t>
-            </a:r>
-            <a:endParaRPr lang="en-US" altLang="zh-TW" dirty="0" smtClean="0"/>
-          </a:p>
-          <a:p>
-            <a:r>
-              <a:rPr lang="zh-TW" altLang="en-US" dirty="0"/>
-              <a:t>以利該次</a:t>
-            </a:r>
-            <a:r>
-              <a:rPr lang="zh-TW" altLang="en-US" dirty="0" smtClean="0"/>
-              <a:t>就醫產生的臨醫資料參考引用</a:t>
-            </a:r>
-            <a:endParaRPr lang="en-US" altLang="zh-TW" smtClean="0"/>
-          </a:p>
-          <a:p>
-            <a:r>
-              <a:rPr lang="zh-TW" altLang="en-US" smtClean="0"/>
-              <a:t> </a:t>
-            </a:r>
-            <a:endParaRPr lang="zh-TW" altLang="en-US" dirty="0"/>
-          </a:p>
-        </p:txBody>
-      </p:sp>
-    </p:spTree>
-    <p:extLst>
-      <p:ext uri="{BB962C8B-B14F-4D97-AF65-F5344CB8AC3E}">
-        <p14:creationId xmlns:p14="http://schemas.microsoft.com/office/powerpoint/2010/main" val="2117375054"/>
-      </p:ext>
-    </p:extLst>
-  </p:cSld>
-  <p:clrMapOvr>
-    <a:masterClrMapping/>
-  </p:clrMapOvr>
-</p:sld>
-</file>
-
-<file path=ppt/slides/slide4.xml><?xml version="1.0" encoding="utf-8"?>
-<p:sld xmlns:a="http://schemas.openxmlformats.org/drawingml/2006/main" xmlns:r="http://schemas.openxmlformats.org/officeDocument/2006/relationships" xmlns:p="http://schemas.openxmlformats.org/presentationml/2006/main">
-  <p:cSld>
-    <p:spTree>
-      <p:nvGrpSpPr>
-        <p:cNvPr id="1" name=""/>
-        <p:cNvGrpSpPr/>
-        <p:nvPr/>
-      </p:nvGrpSpPr>
-      <p:grpSpPr>
-        <a:xfrm>
-          <a:off x="0" y="0"/>
-          <a:ext cx="0" cy="0"/>
-          <a:chOff x="0" y="0"/>
-          <a:chExt cx="0" cy="0"/>
-        </a:xfrm>
-      </p:grpSpPr>
-      <p:sp>
-        <p:nvSpPr>
-          <p:cNvPr id="2" name="標題 1"/>
-          <p:cNvSpPr>
-            <a:spLocks noGrp="1"/>
-          </p:cNvSpPr>
-          <p:nvPr>
-            <p:ph type="title"/>
-          </p:nvPr>
-        </p:nvSpPr>
-        <p:spPr/>
-        <p:txBody>
-          <a:bodyPr/>
-          <a:lstStyle/>
-          <a:p>
-            <a:endParaRPr lang="zh-TW" altLang="en-US"/>
-          </a:p>
-        </p:txBody>
-      </p:sp>
-      <p:sp>
-        <p:nvSpPr>
-          <p:cNvPr id="3" name="內容版面配置區 2"/>
-          <p:cNvSpPr>
-            <a:spLocks noGrp="1"/>
-          </p:cNvSpPr>
-          <p:nvPr>
-            <p:ph idx="1"/>
-          </p:nvPr>
-        </p:nvSpPr>
-        <p:spPr/>
-        <p:txBody>
-          <a:bodyPr/>
-          <a:lstStyle/>
-          <a:p>
-            <a:endParaRPr lang="zh-TW" altLang="en-US"/>
-          </a:p>
-        </p:txBody>
-      </p:sp>
-      <p:pic>
-        <p:nvPicPr>
-          <p:cNvPr id="1026" name="Picture 2"/>
-          <p:cNvPicPr>
-            <a:picLocks noChangeAspect="1" noChangeArrowheads="1"/>
-          </p:cNvPicPr>
-          <p:nvPr/>
-        </p:nvPicPr>
-        <p:blipFill>
-          <a:blip r:embed="rId2">
-            <a:extLst>
-              <a:ext uri="{28A0092B-C50C-407E-A947-70E740481C1C}">
-                <a14:useLocalDpi xmlns:a14="http://schemas.microsoft.com/office/drawing/2010/main" val="0"/>
-              </a:ext>
-            </a:extLst>
-          </a:blip>
-          <a:srcRect/>
-          <a:stretch>
-            <a:fillRect/>
-          </a:stretch>
-        </p:blipFill>
-        <p:spPr bwMode="auto">
-          <a:xfrm>
-            <a:off x="-2124744" y="-12982"/>
-            <a:ext cx="12192000" cy="6858000"/>
-          </a:xfrm>
-          <a:prstGeom prst="rect">
-            <a:avLst/>
-          </a:prstGeom>
-          <a:noFill/>
-          <a:ln>
-            <a:noFill/>
-          </a:ln>
-          <a:extLst>
-            <a:ext uri="{909E8E84-426E-40DD-AFC4-6F175D3DCCD1}">
-              <a14:hiddenFill xmlns:a14="http://schemas.microsoft.com/office/drawing/2010/main">
-                <a:solidFill>
-                  <a:schemeClr val="accent1"/>
-                </a:solidFill>
-              </a14:hiddenFill>
-            </a:ext>
-            <a:ext uri="{91240B29-F687-4F45-9708-019B960494DF}">
-              <a14:hiddenLine xmlns:a14="http://schemas.microsoft.com/office/drawing/2010/main" w="9525">
-                <a:solidFill>
-                  <a:schemeClr val="tx1"/>
-                </a:solidFill>
-                <a:miter lim="800000"/>
-                <a:headEnd/>
-                <a:tailEnd/>
-              </a14:hiddenLine>
-            </a:ext>
-          </a:extLst>
-        </p:spPr>
-      </p:pic>
-    </p:spTree>
-    <p:extLst>
-      <p:ext uri="{BB962C8B-B14F-4D97-AF65-F5344CB8AC3E}">
-        <p14:creationId xmlns:p14="http://schemas.microsoft.com/office/powerpoint/2010/main" val="1170884471"/>
-      </p:ext>
-    </p:extLst>
-  </p:cSld>
-  <p:clrMapOvr>
-    <a:masterClrMapping/>
-  </p:clrMapOvr>
-  <p:timing>
-    <p:tnLst>
-      <p:par>
-        <p:cTn id="1" dur="indefinite" restart="never" nodeType="tmRoot"/>
-      </p:par>
-    </p:tnLst>
-  </p:timing>
-</p:sld>
-</file>
-
 <file path=ppt/slides/slide5.xml><?xml version="1.0" encoding="utf-8"?>
 <p:sld xmlns:a="http://schemas.openxmlformats.org/drawingml/2006/main" xmlns:r="http://schemas.openxmlformats.org/officeDocument/2006/relationships" xmlns:p="http://schemas.openxmlformats.org/presentationml/2006/main">
   <p:cSld>
@@ -3982,12 +9006,13 @@
           <a:lstStyle/>
           <a:p>
             <a:r>
-              <a:rPr lang="zh-TW" altLang="en-US" dirty="0"/>
-              <a:t>描述就醫過程之人、事、時、地、物</a:t>
-            </a:r>
-            <a:br>
-              <a:rPr lang="zh-TW" altLang="en-US" dirty="0"/>
-            </a:br>
+              <a:rPr lang="en-US" altLang="zh-TW" dirty="0" smtClean="0"/>
+              <a:t>Encounter</a:t>
+            </a:r>
+            <a:r>
+              <a:rPr lang="zh-TW" altLang="en-US" dirty="0" smtClean="0"/>
+              <a:t> 可應用之情境與場域</a:t>
+            </a:r>
             <a:endParaRPr lang="zh-TW" altLang="en-US" dirty="0"/>
           </a:p>
         </p:txBody>
@@ -4007,14 +9032,73 @@
           <a:bodyPr/>
           <a:lstStyle/>
           <a:p>
-            <a:endParaRPr lang="zh-TW" altLang="en-US"/>
+            <a:r>
+              <a:rPr lang="en-US" altLang="zh-TW" dirty="0"/>
+              <a:t>ambulatory, emergency, home health, inpatient and virtual </a:t>
+            </a:r>
+            <a:r>
+              <a:rPr lang="en-US" altLang="zh-TW" dirty="0" smtClean="0"/>
+              <a:t>encounters...</a:t>
+            </a:r>
+          </a:p>
+          <a:p>
+            <a:r>
+              <a:rPr lang="zh-TW" altLang="en-US" dirty="0"/>
+              <a:t>可</a:t>
+            </a:r>
+            <a:r>
+              <a:rPr lang="zh-TW" altLang="en-US" dirty="0" smtClean="0"/>
+              <a:t>用於各式健康醫療應用情境</a:t>
+            </a:r>
+            <a:endParaRPr lang="en-US" altLang="zh-TW" dirty="0" smtClean="0"/>
+          </a:p>
+          <a:p>
+            <a:r>
+              <a:rPr lang="zh-TW" altLang="en-US" dirty="0" smtClean="0"/>
+              <a:t>建議現行系統產生</a:t>
+            </a:r>
+            <a:r>
+              <a:rPr lang="en-US" altLang="zh-TW" dirty="0" err="1" smtClean="0"/>
+              <a:t>FHIR</a:t>
+            </a:r>
+            <a:r>
+              <a:rPr lang="zh-TW" altLang="en-US" dirty="0" smtClean="0"/>
+              <a:t> 標準之 </a:t>
+            </a:r>
+            <a:r>
+              <a:rPr lang="en-US" altLang="zh-TW" dirty="0" smtClean="0"/>
+              <a:t>patient and encounter </a:t>
+            </a:r>
+            <a:r>
+              <a:rPr lang="zh-TW" altLang="en-US" dirty="0" smtClean="0"/>
+              <a:t>資訊</a:t>
+            </a:r>
+            <a:endParaRPr lang="en-US" altLang="zh-TW" dirty="0" smtClean="0"/>
+          </a:p>
+          <a:p>
+            <a:r>
+              <a:rPr lang="zh-TW" altLang="en-US" dirty="0"/>
+              <a:t>以利該次</a:t>
+            </a:r>
+            <a:r>
+              <a:rPr lang="zh-TW" altLang="en-US" dirty="0" smtClean="0"/>
+              <a:t>就醫產生的臨醫資料參考引用</a:t>
+            </a:r>
+            <a:endParaRPr lang="en-US" altLang="zh-TW" smtClean="0"/>
+          </a:p>
+          <a:p>
+            <a:r>
+              <a:rPr lang="zh-TW" altLang="en-US" smtClean="0"/>
+              <a:t> </a:t>
+            </a:r>
+            <a:endParaRPr lang="zh-TW" altLang="en-US" dirty="0"/>
           </a:p>
         </p:txBody>
       </p:sp>
     </p:spTree>
     <p:extLst>
       <p:ext uri="{BB962C8B-B14F-4D97-AF65-F5344CB8AC3E}">
-        <p14:creationId xmlns:p14="http://schemas.microsoft.com/office/powerpoint/2010/main" val="4011134638"/>
+        <p14:creationId xmlns:p14="http://schemas.microsoft.com/office/powerpoint/2010/main" val="2117375054"/>
       </p:ext>
     </p:extLst>
   </p:cSld>
@@ -4051,22 +9135,23 @@
             <p:ph type="title"/>
           </p:nvPr>
         </p:nvSpPr>
-        <p:spPr/>
+        <p:spPr>
+          <a:xfrm>
+            <a:off x="1467665" y="944724"/>
+            <a:ext cx="6172200" cy="857250"/>
+          </a:xfrm>
+        </p:spPr>
         <p:txBody>
           <a:bodyPr/>
           <a:lstStyle/>
           <a:p>
             <a:r>
-              <a:rPr lang="en-US" altLang="zh-TW" dirty="0" smtClean="0"/>
-              <a:t>Encounter</a:t>
-            </a:r>
-            <a:r>
-              <a:rPr lang="zh-TW" altLang="en-US" dirty="0" smtClean="0"/>
-              <a:t> 就醫</a:t>
+              <a:rPr lang="en-US" altLang="zh-TW" dirty="0"/>
+              <a:t>Encounter </a:t>
             </a:r>
             <a:r>
               <a:rPr lang="zh-TW" altLang="en-US" dirty="0"/>
-              <a:t>資訊</a:t>
+              <a:t>就醫資訊</a:t>
             </a:r>
           </a:p>
         </p:txBody>
@@ -4081,79 +9166,780 @@
             <p:ph idx="1"/>
           </p:nvPr>
         </p:nvSpPr>
-        <p:spPr/>
+        <p:spPr>
+          <a:xfrm>
+            <a:off x="1534667" y="1700809"/>
+            <a:ext cx="6172200" cy="3394472"/>
+          </a:xfrm>
+        </p:spPr>
         <p:txBody>
           <a:bodyPr/>
           <a:lstStyle/>
           <a:p>
             <a:r>
+              <a:rPr lang="zh-TW" altLang="en-US" dirty="0"/>
+              <a:t>描述就醫過程之人、事、時、地、</a:t>
+            </a:r>
+            <a:r>
               <a:rPr lang="zh-TW" altLang="en-US" dirty="0" smtClean="0"/>
-              <a:t>描述就醫過程之人、事、時、地、物</a:t>
+              <a:t>物</a:t>
             </a:r>
             <a:endParaRPr lang="en-US" altLang="zh-TW" dirty="0" smtClean="0"/>
           </a:p>
           <a:p>
-            <a:r>
-              <a:rPr lang="zh-TW" altLang="en-US" dirty="0" smtClean="0"/>
-              <a:t>可利用 </a:t>
-            </a:r>
-            <a:r>
-              <a:rPr lang="en-US" altLang="zh-TW" dirty="0" smtClean="0"/>
-              <a:t>Encounter </a:t>
-            </a:r>
-            <a:r>
-              <a:rPr lang="zh-TW" altLang="en-US" dirty="0" smtClean="0"/>
-              <a:t>紀錄就醫相關資訊</a:t>
-            </a:r>
-            <a:endParaRPr lang="en-US" altLang="zh-TW" dirty="0" smtClean="0"/>
-          </a:p>
-          <a:p>
-            <a:r>
-              <a:rPr lang="zh-TW" altLang="en-US" dirty="0" smtClean="0"/>
-              <a:t>可做為此次就醫產生所有病歷之參考</a:t>
-            </a:r>
-            <a:endParaRPr lang="en-US" altLang="zh-TW" dirty="0" smtClean="0"/>
-          </a:p>
-          <a:p>
-            <a:r>
-              <a:rPr lang="zh-TW" altLang="en-US" dirty="0"/>
-              <a:t>以利病歷資料之</a:t>
-            </a:r>
-            <a:r>
-              <a:rPr lang="zh-TW" altLang="en-US" dirty="0" smtClean="0"/>
-              <a:t>查詢調閱，如查詢此次就醫之</a:t>
-            </a:r>
-            <a:endParaRPr lang="en-US" altLang="zh-TW" dirty="0" smtClean="0"/>
-          </a:p>
-          <a:p>
-            <a:r>
-              <a:rPr lang="zh-TW" altLang="en-US" dirty="0" smtClean="0"/>
-              <a:t>資訊醫療</a:t>
-            </a:r>
-            <a:r>
-              <a:rPr lang="zh-TW" altLang="en-US" dirty="0"/>
-              <a:t>資訊化作業流程 </a:t>
-            </a:r>
-          </a:p>
-        </p:txBody>
-      </p:sp>
+            <a:pPr lvl="1"/>
+            <a:r>
+              <a:rPr lang="zh-TW" altLang="en-US" sz="1350" dirty="0"/>
+              <a:t>參考</a:t>
+            </a:r>
+            <a:r>
+              <a:rPr lang="en-US" altLang="zh-TW" sz="1350" dirty="0"/>
+              <a:t>:</a:t>
+            </a:r>
+            <a:r>
+              <a:rPr lang="zh-TW" altLang="en-US" sz="1350" dirty="0"/>
+              <a:t> </a:t>
+            </a:r>
+            <a:r>
+              <a:rPr lang="en-US" altLang="zh-TW" sz="1350" dirty="0"/>
+              <a:t>https://</a:t>
+            </a:r>
+            <a:r>
+              <a:rPr lang="en-US" altLang="zh-TW" sz="1350" dirty="0" err="1"/>
+              <a:t>www.slideshare.net</a:t>
+            </a:r>
+            <a:r>
+              <a:rPr lang="en-US" altLang="zh-TW" sz="1350" dirty="0"/>
+              <a:t>/</a:t>
+            </a:r>
+            <a:r>
+              <a:rPr lang="en-US" altLang="zh-TW" sz="1350" dirty="0" err="1"/>
+              <a:t>VictorChai1</a:t>
+            </a:r>
+            <a:r>
+              <a:rPr lang="en-US" altLang="zh-TW" sz="1350" dirty="0"/>
+              <a:t>/</a:t>
+            </a:r>
+            <a:r>
+              <a:rPr lang="en-US" altLang="zh-TW" sz="1350" dirty="0" err="1"/>
+              <a:t>fhir</a:t>
+            </a:r>
+            <a:r>
+              <a:rPr lang="en-US" altLang="zh-TW" sz="1350" dirty="0"/>
+              <a:t>-your-applications</a:t>
+            </a:r>
+            <a:endParaRPr lang="zh-TW" altLang="en-US" sz="1350" dirty="0"/>
+          </a:p>
+        </p:txBody>
+      </p:sp>
+      <p:pic>
+        <p:nvPicPr>
+          <p:cNvPr id="2050" name="Picture 2"/>
+          <p:cNvPicPr>
+            <a:picLocks noChangeAspect="1" noChangeArrowheads="1"/>
+          </p:cNvPicPr>
+          <p:nvPr/>
+        </p:nvPicPr>
+        <p:blipFill>
+          <a:blip r:embed="rId2">
+            <a:extLst>
+              <a:ext uri="{28A0092B-C50C-407E-A947-70E740481C1C}">
+                <a14:useLocalDpi xmlns:a14="http://schemas.microsoft.com/office/drawing/2010/main" val="0"/>
+              </a:ext>
+            </a:extLst>
+          </a:blip>
+          <a:srcRect/>
+          <a:stretch>
+            <a:fillRect/>
+          </a:stretch>
+        </p:blipFill>
+        <p:spPr bwMode="auto">
+          <a:xfrm>
+            <a:off x="1155170" y="2471684"/>
+            <a:ext cx="6362231" cy="3379682"/>
+          </a:xfrm>
+          <a:prstGeom prst="rect">
+            <a:avLst/>
+          </a:prstGeom>
+          <a:noFill/>
+          <a:ln>
+            <a:noFill/>
+          </a:ln>
+          <a:extLst>
+            <a:ext uri="{909E8E84-426E-40DD-AFC4-6F175D3DCCD1}">
+              <a14:hiddenFill xmlns:a14="http://schemas.microsoft.com/office/drawing/2010/main">
+                <a:solidFill>
+                  <a:schemeClr val="accent1"/>
+                </a:solidFill>
+              </a14:hiddenFill>
+            </a:ext>
+            <a:ext uri="{91240B29-F687-4F45-9708-019B960494DF}">
+              <a14:hiddenLine xmlns:a14="http://schemas.microsoft.com/office/drawing/2010/main" w="9525">
+                <a:solidFill>
+                  <a:schemeClr val="tx1"/>
+                </a:solidFill>
+                <a:miter lim="800000"/>
+                <a:headEnd/>
+                <a:tailEnd/>
+              </a14:hiddenLine>
+            </a:ext>
+          </a:extLst>
+        </p:spPr>
+      </p:pic>
     </p:spTree>
     <p:extLst>
       <p:ext uri="{BB962C8B-B14F-4D97-AF65-F5344CB8AC3E}">
-        <p14:creationId xmlns:p14="http://schemas.microsoft.com/office/powerpoint/2010/main" val="2288069057"/>
+        <p14:creationId xmlns:p14="http://schemas.microsoft.com/office/powerpoint/2010/main" val="4196755041"/>
       </p:ext>
     </p:extLst>
   </p:cSld>
   <p:clrMapOvr>
     <a:masterClrMapping/>
   </p:clrMapOvr>
-  <p:timing>
-    <p:tnLst>
-      <p:par>
-        <p:cTn id="1" dur="indefinite" restart="never" nodeType="tmRoot"/>
-      </p:par>
-    </p:tnLst>
-  </p:timing>
+</p:sld>
+</file>
+
+<file path=ppt/slides/slide7.xml><?xml version="1.0" encoding="utf-8"?>
+<p:sld xmlns:a="http://schemas.openxmlformats.org/drawingml/2006/main" xmlns:r="http://schemas.openxmlformats.org/officeDocument/2006/relationships" xmlns:p="http://schemas.openxmlformats.org/presentationml/2006/main">
+  <p:cSld>
+    <p:spTree>
+      <p:nvGrpSpPr>
+        <p:cNvPr id="1" name=""/>
+        <p:cNvGrpSpPr/>
+        <p:nvPr/>
+      </p:nvGrpSpPr>
+      <p:grpSpPr>
+        <a:xfrm>
+          <a:off x="0" y="0"/>
+          <a:ext cx="0" cy="0"/>
+          <a:chOff x="0" y="0"/>
+          <a:chExt cx="0" cy="0"/>
+        </a:xfrm>
+      </p:grpSpPr>
+      <p:sp>
+        <p:nvSpPr>
+          <p:cNvPr id="2" name="標題 1"/>
+          <p:cNvSpPr>
+            <a:spLocks noGrp="1"/>
+          </p:cNvSpPr>
+          <p:nvPr>
+            <p:ph type="title"/>
+          </p:nvPr>
+        </p:nvSpPr>
+        <p:spPr>
+          <a:xfrm>
+            <a:off x="1467665" y="944724"/>
+            <a:ext cx="6172200" cy="857250"/>
+          </a:xfrm>
+        </p:spPr>
+        <p:txBody>
+          <a:bodyPr>
+            <a:normAutofit/>
+          </a:bodyPr>
+          <a:lstStyle/>
+          <a:p>
+            <a:pPr algn="ctr"/>
+            <a:r>
+              <a:rPr lang="en-US" altLang="zh-TW" sz="4050" dirty="0">
+                <a:latin typeface="+mn-ea"/>
+                <a:ea typeface="+mn-ea"/>
+              </a:rPr>
+              <a:t>Encounter </a:t>
+            </a:r>
+            <a:r>
+              <a:rPr lang="zh-TW" altLang="en-US" sz="4050" dirty="0">
+                <a:latin typeface="+mn-ea"/>
+                <a:ea typeface="+mn-ea"/>
+              </a:rPr>
+              <a:t>就醫資訊</a:t>
+            </a:r>
+            <a:endParaRPr lang="zh-TW" altLang="en-US" sz="4050" dirty="0">
+              <a:latin typeface="+mn-ea"/>
+              <a:ea typeface="+mn-ea"/>
+            </a:endParaRPr>
+          </a:p>
+        </p:txBody>
+      </p:sp>
+      <p:sp>
+        <p:nvSpPr>
+          <p:cNvPr id="4" name="內容版面配置區 3"/>
+          <p:cNvSpPr>
+            <a:spLocks noGrp="1"/>
+          </p:cNvSpPr>
+          <p:nvPr>
+            <p:ph idx="1"/>
+          </p:nvPr>
+        </p:nvSpPr>
+        <p:spPr>
+          <a:xfrm>
+            <a:off x="734786" y="1801974"/>
+            <a:ext cx="7886700" cy="3263504"/>
+          </a:xfrm>
+        </p:spPr>
+        <p:txBody>
+          <a:bodyPr>
+            <a:noAutofit/>
+          </a:bodyPr>
+          <a:lstStyle/>
+          <a:p>
+            <a:r>
+              <a:rPr lang="zh-TW" altLang="en-US" sz="2700" dirty="0">
+                <a:latin typeface="+mn-ea"/>
+              </a:rPr>
+              <a:t>可用於各式健康醫療應用情境</a:t>
+            </a:r>
+          </a:p>
+          <a:p>
+            <a:pPr lvl="1"/>
+            <a:r>
+              <a:rPr lang="en-US" altLang="zh-TW" sz="2400" dirty="0">
+                <a:latin typeface="+mn-ea"/>
+              </a:rPr>
+              <a:t>ambulatory, emergency, home health, inpatient and virtual encounters...</a:t>
+            </a:r>
+          </a:p>
+          <a:p>
+            <a:r>
+              <a:rPr lang="en-US" altLang="zh-TW" sz="2700" dirty="0">
+                <a:latin typeface="+mn-ea"/>
+              </a:rPr>
+              <a:t>Encounter </a:t>
+            </a:r>
+            <a:r>
+              <a:rPr lang="zh-TW" altLang="en-US" sz="2700" dirty="0">
+                <a:latin typeface="+mn-ea"/>
+              </a:rPr>
+              <a:t>定義豐富</a:t>
+            </a:r>
+            <a:r>
+              <a:rPr lang="zh-TW" altLang="en-US" sz="2700" dirty="0">
+                <a:latin typeface="+mn-ea"/>
+              </a:rPr>
+              <a:t>的</a:t>
+            </a:r>
+            <a:r>
+              <a:rPr lang="zh-TW" altLang="en-US" sz="2700" dirty="0">
+                <a:latin typeface="+mn-ea"/>
+              </a:rPr>
+              <a:t>欄位規格</a:t>
+            </a:r>
+            <a:endParaRPr lang="en-US" altLang="zh-TW" sz="2700" dirty="0">
+              <a:latin typeface="+mn-ea"/>
+            </a:endParaRPr>
+          </a:p>
+          <a:p>
+            <a:pPr lvl="1"/>
+            <a:r>
+              <a:rPr lang="zh-TW" altLang="en-US" sz="2400" dirty="0">
+                <a:latin typeface="+mn-ea"/>
+              </a:rPr>
+              <a:t>利於</a:t>
+            </a:r>
+            <a:r>
+              <a:rPr lang="zh-TW" altLang="en-US" sz="2400" dirty="0">
+                <a:latin typeface="+mn-ea"/>
+              </a:rPr>
+              <a:t>就醫事前事後安排處理，如</a:t>
+            </a:r>
+            <a:r>
+              <a:rPr lang="en-US" altLang="zh-TW" sz="2400" dirty="0">
+                <a:latin typeface="+mn-ea"/>
+              </a:rPr>
+              <a:t>:</a:t>
+            </a:r>
+          </a:p>
+          <a:p>
+            <a:pPr lvl="2"/>
+            <a:r>
+              <a:rPr lang="en-US" altLang="zh-TW" sz="2100" dirty="0">
+                <a:latin typeface="+mn-ea"/>
+              </a:rPr>
+              <a:t>Status</a:t>
+            </a:r>
+            <a:r>
+              <a:rPr lang="zh-TW" altLang="en-US" sz="2100" dirty="0">
+                <a:latin typeface="+mn-ea"/>
+              </a:rPr>
+              <a:t> </a:t>
+            </a:r>
+            <a:r>
+              <a:rPr lang="en-US" altLang="zh-TW" sz="2100" dirty="0">
+                <a:latin typeface="+mn-ea"/>
+              </a:rPr>
+              <a:t>and </a:t>
+            </a:r>
+            <a:r>
+              <a:rPr lang="en-US" altLang="zh-TW" sz="2100" dirty="0" err="1">
+                <a:latin typeface="+mn-ea"/>
+              </a:rPr>
+              <a:t>statusHistory</a:t>
+            </a:r>
+            <a:r>
+              <a:rPr lang="en-US" altLang="zh-TW" sz="2100" dirty="0">
+                <a:latin typeface="+mn-ea"/>
+              </a:rPr>
+              <a:t>:</a:t>
+            </a:r>
+            <a:r>
+              <a:rPr lang="zh-TW" altLang="en-US" sz="2100" dirty="0">
+                <a:latin typeface="+mn-ea"/>
+              </a:rPr>
+              <a:t>病人</a:t>
+            </a:r>
+            <a:r>
+              <a:rPr lang="zh-TW" altLang="en-US" sz="2100" dirty="0">
+                <a:latin typeface="+mn-ea"/>
+              </a:rPr>
+              <a:t>就醫狀態及時間</a:t>
+            </a:r>
+            <a:r>
+              <a:rPr lang="zh-TW" altLang="en-US" sz="2100" dirty="0">
+                <a:latin typeface="+mn-ea"/>
+              </a:rPr>
+              <a:t>紀錄</a:t>
+            </a:r>
+            <a:endParaRPr lang="en-US" altLang="zh-TW" sz="2100" dirty="0">
+              <a:latin typeface="+mn-ea"/>
+            </a:endParaRPr>
+          </a:p>
+          <a:p>
+            <a:pPr lvl="2"/>
+            <a:r>
+              <a:rPr lang="en-US" altLang="zh-TW" sz="2100" dirty="0" err="1">
+                <a:latin typeface="+mn-ea"/>
+              </a:rPr>
+              <a:t>hospitalization.specialArrangement</a:t>
+            </a:r>
+            <a:r>
+              <a:rPr lang="en-US" altLang="zh-TW" sz="2100" dirty="0">
+                <a:latin typeface="+mn-ea"/>
+              </a:rPr>
+              <a:t>: </a:t>
+            </a:r>
+            <a:r>
+              <a:rPr lang="zh-TW" altLang="en-US" sz="2100" dirty="0">
+                <a:latin typeface="+mn-ea"/>
+              </a:rPr>
+              <a:t>到院特</a:t>
+            </a:r>
+            <a:r>
+              <a:rPr lang="zh-TW" altLang="en-US" sz="2100" dirty="0">
+                <a:latin typeface="+mn-ea"/>
+              </a:rPr>
+              <a:t>別</a:t>
+            </a:r>
+            <a:r>
+              <a:rPr lang="zh-TW" altLang="en-US" sz="2100" dirty="0">
+                <a:latin typeface="+mn-ea"/>
+              </a:rPr>
+              <a:t>準備事項</a:t>
+            </a:r>
+            <a:endParaRPr lang="en-US" altLang="zh-TW" sz="2100" dirty="0">
+              <a:latin typeface="+mn-ea"/>
+            </a:endParaRPr>
+          </a:p>
+          <a:p>
+            <a:r>
+              <a:rPr lang="en-US" altLang="zh-TW" sz="2700" dirty="0">
+                <a:latin typeface="+mn-ea"/>
+              </a:rPr>
+              <a:t>Ref: https</a:t>
+            </a:r>
+            <a:r>
+              <a:rPr lang="en-US" altLang="zh-TW" sz="2700" dirty="0">
+                <a:latin typeface="+mn-ea"/>
+              </a:rPr>
+              <a:t>://www.hl7.org/fhir/encounter.html</a:t>
+            </a:r>
+          </a:p>
+          <a:p>
+            <a:endParaRPr lang="zh-TW" altLang="en-US" sz="2700" dirty="0">
+              <a:latin typeface="+mn-ea"/>
+            </a:endParaRPr>
+          </a:p>
+        </p:txBody>
+      </p:sp>
+    </p:spTree>
+    <p:extLst>
+      <p:ext uri="{BB962C8B-B14F-4D97-AF65-F5344CB8AC3E}">
+        <p14:creationId xmlns:p14="http://schemas.microsoft.com/office/powerpoint/2010/main" val="645059870"/>
+      </p:ext>
+    </p:extLst>
+  </p:cSld>
+  <p:clrMapOvr>
+    <a:masterClrMapping/>
+  </p:clrMapOvr>
+</p:sld>
+</file>
+
+<file path=ppt/slides/slide8.xml><?xml version="1.0" encoding="utf-8"?>
+<p:sld xmlns:a="http://schemas.openxmlformats.org/drawingml/2006/main" xmlns:r="http://schemas.openxmlformats.org/officeDocument/2006/relationships" xmlns:p="http://schemas.openxmlformats.org/presentationml/2006/main">
+  <p:cSld>
+    <p:spTree>
+      <p:nvGrpSpPr>
+        <p:cNvPr id="1" name=""/>
+        <p:cNvGrpSpPr/>
+        <p:nvPr/>
+      </p:nvGrpSpPr>
+      <p:grpSpPr>
+        <a:xfrm>
+          <a:off x="0" y="0"/>
+          <a:ext cx="0" cy="0"/>
+          <a:chOff x="0" y="0"/>
+          <a:chExt cx="0" cy="0"/>
+        </a:xfrm>
+      </p:grpSpPr>
+      <p:sp>
+        <p:nvSpPr>
+          <p:cNvPr id="2" name="標題 1"/>
+          <p:cNvSpPr>
+            <a:spLocks noGrp="1"/>
+          </p:cNvSpPr>
+          <p:nvPr>
+            <p:ph type="title"/>
+          </p:nvPr>
+        </p:nvSpPr>
+        <p:spPr>
+          <a:xfrm>
+            <a:off x="628650" y="1131097"/>
+            <a:ext cx="8156122" cy="994172"/>
+          </a:xfrm>
+        </p:spPr>
+        <p:txBody>
+          <a:bodyPr>
+            <a:normAutofit fontScale="90000"/>
+          </a:bodyPr>
+          <a:lstStyle/>
+          <a:p>
+            <a:pPr algn="ctr"/>
+            <a:r>
+              <a:rPr lang="zh-TW" altLang="en-US" dirty="0" smtClean="0"/>
+              <a:t>利用 </a:t>
+            </a:r>
+            <a:r>
+              <a:rPr lang="en-US" altLang="zh-TW" dirty="0" smtClean="0"/>
+              <a:t>Encounter </a:t>
+            </a:r>
+            <a:r>
+              <a:rPr lang="zh-TW" altLang="en-US" dirty="0" smtClean="0"/>
+              <a:t>提升醫療照護效益</a:t>
+            </a:r>
+            <a:endParaRPr lang="zh-TW" altLang="en-US" dirty="0"/>
+          </a:p>
+        </p:txBody>
+      </p:sp>
+      <p:sp>
+        <p:nvSpPr>
+          <p:cNvPr id="3" name="內容版面配置區 2"/>
+          <p:cNvSpPr>
+            <a:spLocks noGrp="1"/>
+          </p:cNvSpPr>
+          <p:nvPr>
+            <p:ph idx="1"/>
+          </p:nvPr>
+        </p:nvSpPr>
+        <p:spPr/>
+        <p:txBody>
+          <a:bodyPr>
+            <a:normAutofit fontScale="85000" lnSpcReduction="20000"/>
+          </a:bodyPr>
+          <a:lstStyle/>
+          <a:p>
+            <a:r>
+              <a:rPr lang="zh-TW" altLang="en-US" dirty="0" smtClean="0"/>
+              <a:t>交通及醫院服務人員查詢</a:t>
+            </a:r>
+            <a:r>
+              <a:rPr lang="zh-TW" altLang="en-US" dirty="0"/>
+              <a:t>今天預定到院須安排輪椅的病人</a:t>
+            </a:r>
+          </a:p>
+          <a:p>
+            <a:pPr lvl="1"/>
+            <a:r>
+              <a:rPr lang="en-US" altLang="zh-TW" dirty="0"/>
+              <a:t>http://hapi.fhir.org/baseR4/Encounter?special-arrangement=wheel&amp;status=planned&amp;date=2019-09-14</a:t>
+            </a:r>
+          </a:p>
+          <a:p>
+            <a:endParaRPr lang="en-US" altLang="zh-TW" dirty="0" smtClean="0"/>
+          </a:p>
+          <a:p>
+            <a:r>
+              <a:rPr lang="zh-TW" altLang="en-US" dirty="0" smtClean="0"/>
+              <a:t>醫護人員於看診前了解病人問題 </a:t>
+            </a:r>
+            <a:r>
+              <a:rPr lang="en-US" altLang="zh-TW" dirty="0" smtClean="0"/>
+              <a:t>: Encounter </a:t>
+            </a:r>
+            <a:r>
+              <a:rPr lang="en-US" altLang="zh-TW" dirty="0"/>
+              <a:t>with healthcare problems (conditions)</a:t>
+            </a:r>
+          </a:p>
+          <a:p>
+            <a:pPr lvl="1"/>
+            <a:r>
+              <a:rPr lang="en-US" altLang="zh-TW" dirty="0" smtClean="0">
+                <a:hlinkClick r:id="rId2"/>
+              </a:rPr>
+              <a:t>http</a:t>
+            </a:r>
+            <a:r>
+              <a:rPr lang="en-US" altLang="zh-TW" dirty="0">
+                <a:hlinkClick r:id="rId2"/>
+              </a:rPr>
+              <a:t>://</a:t>
+            </a:r>
+            <a:r>
+              <a:rPr lang="en-US" altLang="zh-TW" dirty="0" smtClean="0">
+                <a:hlinkClick r:id="rId2"/>
+              </a:rPr>
+              <a:t>hapi.fhir.org/baseR4/Encounter/18218</a:t>
+            </a:r>
+            <a:endParaRPr lang="en-US" altLang="zh-TW" dirty="0" smtClean="0"/>
+          </a:p>
+          <a:p>
+            <a:endParaRPr lang="en-US" altLang="zh-TW" dirty="0"/>
+          </a:p>
+          <a:p>
+            <a:r>
+              <a:rPr lang="zh-TW" altLang="en-US" dirty="0" smtClean="0"/>
+              <a:t>標準化資料利於匯入各健康醫療服務系統</a:t>
+            </a:r>
+            <a:endParaRPr lang="en-US" altLang="zh-TW" dirty="0" smtClean="0"/>
+          </a:p>
+          <a:p>
+            <a:pPr lvl="1"/>
+            <a:r>
+              <a:rPr lang="zh-TW" altLang="en-US" dirty="0" smtClean="0"/>
+              <a:t>如</a:t>
+            </a:r>
+            <a:r>
+              <a:rPr lang="en-US" altLang="zh-TW" dirty="0" smtClean="0"/>
+              <a:t>:</a:t>
+            </a:r>
+            <a:r>
+              <a:rPr lang="zh-TW" altLang="en-US" dirty="0" smtClean="0"/>
+              <a:t> 派車管理、醫院志工服務、診間系統等</a:t>
+            </a:r>
+            <a:endParaRPr lang="zh-TW" altLang="en-US" dirty="0"/>
+          </a:p>
+        </p:txBody>
+      </p:sp>
+    </p:spTree>
+    <p:extLst>
+      <p:ext uri="{BB962C8B-B14F-4D97-AF65-F5344CB8AC3E}">
+        <p14:creationId xmlns:p14="http://schemas.microsoft.com/office/powerpoint/2010/main" val="333851188"/>
+      </p:ext>
+    </p:extLst>
+  </p:cSld>
+  <p:clrMapOvr>
+    <a:masterClrMapping/>
+  </p:clrMapOvr>
+</p:sld>
+</file>
+
+<file path=ppt/slides/slide9.xml><?xml version="1.0" encoding="utf-8"?>
+<p:sld xmlns:a="http://schemas.openxmlformats.org/drawingml/2006/main" xmlns:r="http://schemas.openxmlformats.org/officeDocument/2006/relationships" xmlns:p="http://schemas.openxmlformats.org/presentationml/2006/main">
+  <p:cSld>
+    <p:spTree>
+      <p:nvGrpSpPr>
+        <p:cNvPr id="1" name=""/>
+        <p:cNvGrpSpPr/>
+        <p:nvPr/>
+      </p:nvGrpSpPr>
+      <p:grpSpPr>
+        <a:xfrm>
+          <a:off x="0" y="0"/>
+          <a:ext cx="0" cy="0"/>
+          <a:chOff x="0" y="0"/>
+          <a:chExt cx="0" cy="0"/>
+        </a:xfrm>
+      </p:grpSpPr>
+      <p:sp>
+        <p:nvSpPr>
+          <p:cNvPr id="2" name="標題 1"/>
+          <p:cNvSpPr>
+            <a:spLocks noGrp="1"/>
+          </p:cNvSpPr>
+          <p:nvPr>
+            <p:ph type="title"/>
+          </p:nvPr>
+        </p:nvSpPr>
+        <p:spPr/>
+        <p:txBody>
+          <a:bodyPr/>
+          <a:lstStyle/>
+          <a:p>
+            <a:pPr algn="ctr"/>
+            <a:r>
+              <a:rPr lang="zh-TW" altLang="en-US" dirty="0" smtClean="0"/>
+              <a:t>問題討</a:t>
+            </a:r>
+            <a:r>
+              <a:rPr lang="zh-TW" altLang="en-US" dirty="0"/>
+              <a:t>論</a:t>
+            </a:r>
+          </a:p>
+        </p:txBody>
+      </p:sp>
+      <p:sp>
+        <p:nvSpPr>
+          <p:cNvPr id="3" name="內容版面配置區 2"/>
+          <p:cNvSpPr>
+            <a:spLocks noGrp="1"/>
+          </p:cNvSpPr>
+          <p:nvPr>
+            <p:ph idx="1"/>
+          </p:nvPr>
+        </p:nvSpPr>
+        <p:spPr/>
+        <p:txBody>
+          <a:bodyPr/>
+          <a:lstStyle/>
+          <a:p>
+            <a:r>
+              <a:rPr lang="zh-TW" altLang="en-US" dirty="0" smtClean="0">
+                <a:latin typeface="+mn-ea"/>
+              </a:rPr>
+              <a:t>台灣醫資標準推行現況說明</a:t>
+            </a:r>
+            <a:endParaRPr lang="en-US" altLang="zh-TW" dirty="0" smtClean="0">
+              <a:latin typeface="+mn-ea"/>
+            </a:endParaRPr>
+          </a:p>
+          <a:p>
+            <a:pPr lvl="1"/>
+            <a:r>
+              <a:rPr lang="zh-TW" altLang="en-US" dirty="0" smtClean="0">
+                <a:latin typeface="+mn-ea"/>
+              </a:rPr>
+              <a:t>通用</a:t>
+            </a:r>
+            <a:r>
+              <a:rPr lang="zh-TW" altLang="en-US" dirty="0">
+                <a:latin typeface="+mn-ea"/>
+              </a:rPr>
+              <a:t>模組、</a:t>
+            </a:r>
+            <a:r>
+              <a:rPr lang="zh-TW" altLang="en-US" dirty="0" smtClean="0">
+                <a:latin typeface="+mn-ea"/>
+              </a:rPr>
+              <a:t>詞彙、聯測、</a:t>
+            </a:r>
+            <a:r>
+              <a:rPr lang="zh-TW" altLang="en-US" dirty="0">
+                <a:latin typeface="+mn-ea"/>
+              </a:rPr>
+              <a:t>資安、教育訓練</a:t>
+            </a:r>
+          </a:p>
+          <a:p>
+            <a:pPr lvl="1"/>
+            <a:r>
+              <a:rPr lang="en-US" altLang="zh-TW" dirty="0" smtClean="0">
+                <a:latin typeface="+mn-ea"/>
+              </a:rPr>
+              <a:t>JCMIT 2019/10/5 </a:t>
+            </a:r>
+            <a:r>
+              <a:rPr lang="zh-TW" altLang="en-US" dirty="0" smtClean="0">
+                <a:latin typeface="+mn-ea"/>
+              </a:rPr>
+              <a:t>輔大進一步討論</a:t>
+            </a:r>
+            <a:endParaRPr lang="en-US" altLang="zh-TW" dirty="0">
+              <a:latin typeface="+mn-ea"/>
+            </a:endParaRPr>
+          </a:p>
+          <a:p>
+            <a:endParaRPr lang="en-US" altLang="zh-TW" dirty="0" smtClean="0">
+              <a:latin typeface="+mn-ea"/>
+            </a:endParaRPr>
+          </a:p>
+          <a:p>
+            <a:r>
+              <a:rPr lang="zh-TW" altLang="en-US" dirty="0" smtClean="0">
+                <a:latin typeface="+mn-ea"/>
+              </a:rPr>
+              <a:t>建立標準化雛形</a:t>
+            </a:r>
+            <a:r>
+              <a:rPr lang="zh-TW" altLang="en-US" dirty="0">
+                <a:latin typeface="+mn-ea"/>
+              </a:rPr>
+              <a:t>系統</a:t>
+            </a:r>
+          </a:p>
+          <a:p>
+            <a:pPr lvl="1"/>
+            <a:r>
+              <a:rPr lang="zh-TW" altLang="en-US" dirty="0" smtClean="0">
+                <a:latin typeface="+mn-ea"/>
+              </a:rPr>
+              <a:t>與學校合作</a:t>
+            </a:r>
+            <a:r>
+              <a:rPr lang="en-US" altLang="zh-TW" dirty="0" smtClean="0">
+                <a:latin typeface="+mn-ea"/>
+              </a:rPr>
+              <a:t>(</a:t>
+            </a:r>
+            <a:r>
+              <a:rPr lang="zh-TW" altLang="en-US" dirty="0" smtClean="0">
+                <a:latin typeface="+mn-ea"/>
+              </a:rPr>
+              <a:t>尤其是醫科大學</a:t>
+            </a:r>
+            <a:r>
+              <a:rPr lang="en-US" altLang="zh-TW" smtClean="0">
+                <a:latin typeface="+mn-ea"/>
+              </a:rPr>
+              <a:t>)</a:t>
+            </a:r>
+          </a:p>
+          <a:p>
+            <a:pPr lvl="1"/>
+            <a:r>
+              <a:rPr lang="zh-TW" altLang="en-US" dirty="0" smtClean="0">
+                <a:latin typeface="+mn-ea"/>
+              </a:rPr>
+              <a:t>先測試評估不影響現行作業</a:t>
+            </a:r>
+            <a:endParaRPr lang="en-US" altLang="zh-TW" dirty="0" smtClean="0">
+              <a:latin typeface="+mn-ea"/>
+            </a:endParaRPr>
+          </a:p>
+          <a:p>
+            <a:pPr lvl="1"/>
+            <a:r>
+              <a:rPr lang="zh-TW" altLang="en-US" dirty="0">
+                <a:latin typeface="+mn-ea"/>
+              </a:rPr>
+              <a:t>使用模擬的資料，不涉資安</a:t>
+            </a:r>
+          </a:p>
+          <a:p>
+            <a:pPr lvl="1"/>
+            <a:endParaRPr lang="en-US" altLang="zh-TW" dirty="0" smtClean="0">
+              <a:latin typeface="+mn-ea"/>
+            </a:endParaRPr>
+          </a:p>
+        </p:txBody>
+      </p:sp>
+    </p:spTree>
+    <p:extLst>
+      <p:ext uri="{BB962C8B-B14F-4D97-AF65-F5344CB8AC3E}">
+        <p14:creationId xmlns:p14="http://schemas.microsoft.com/office/powerpoint/2010/main" val="1442966098"/>
+      </p:ext>
+    </p:extLst>
+  </p:cSld>
+  <p:clrMapOvr>
+    <a:masterClrMapping/>
+  </p:clrMapOvr>
 </p:sld>
 </file>
 
